--- a/slides/nlp p05 sequence modeling/nlp p05.3 transformers.pptx
+++ b/slides/nlp p05 sequence modeling/nlp p05.3 transformers.pptx
@@ -5,7 +5,7 @@
     <p:sldMasterId id="2147483648" r:id="rId1"/>
   </p:sldMasterIdLst>
   <p:notesMasterIdLst>
-    <p:notesMasterId r:id="rId7"/>
+    <p:notesMasterId r:id="rId8"/>
   </p:notesMasterIdLst>
   <p:sldIdLst>
     <p:sldId id="256" r:id="rId2"/>
@@ -13,6 +13,7 @@
     <p:sldId id="417" r:id="rId4"/>
     <p:sldId id="419" r:id="rId5"/>
     <p:sldId id="418" r:id="rId6"/>
+    <p:sldId id="420" r:id="rId7"/>
   </p:sldIdLst>
   <p:sldSz cx="9144000" cy="6858000" type="screen4x3"/>
   <p:notesSz cx="6858000" cy="9144000"/>
@@ -213,7 +214,7 @@
             <a:fld id="{C9C2CC2B-07F5-486B-80F8-D7AC8876AF81}" type="datetimeFigureOut">
               <a:rPr lang="sr-Latn-CS" smtClean="0"/>
               <a:pPr/>
-              <a:t>6.12.22.</a:t>
+              <a:t>8.12.22.</a:t>
             </a:fld>
             <a:endParaRPr lang="hr-HR" dirty="0"/>
           </a:p>
@@ -748,7 +749,7 @@
           <a:p>
             <a:fld id="{B67DF55E-9F4F-AC48-9CDA-1EFFC9BF4731}" type="datetime1">
               <a:rPr lang="hr-HR" smtClean="0"/>
-              <a:t>06.12.2022.</a:t>
+              <a:t>08.12.2022.</a:t>
             </a:fld>
             <a:endParaRPr lang="hr-HR" dirty="0"/>
           </a:p>
@@ -918,7 +919,7 @@
           <a:p>
             <a:fld id="{51C81023-476A-8641-A30D-836A04227EFA}" type="datetime1">
               <a:rPr lang="hr-HR" smtClean="0"/>
-              <a:t>06.12.2022.</a:t>
+              <a:t>08.12.2022.</a:t>
             </a:fld>
             <a:endParaRPr lang="hr-HR" dirty="0"/>
           </a:p>
@@ -1094,7 +1095,7 @@
           <a:p>
             <a:fld id="{FAB312AC-5017-D641-8034-7B3D4F3EBE55}" type="datetime1">
               <a:rPr lang="hr-HR" smtClean="0"/>
-              <a:t>06.12.2022.</a:t>
+              <a:t>08.12.2022.</a:t>
             </a:fld>
             <a:endParaRPr lang="hr-HR" dirty="0"/>
           </a:p>
@@ -1264,7 +1265,7 @@
           <a:p>
             <a:fld id="{20F2D9C3-3E27-8048-943D-C4244D4EBF9D}" type="datetime1">
               <a:rPr lang="hr-HR" smtClean="0"/>
-              <a:t>06.12.2022.</a:t>
+              <a:t>08.12.2022.</a:t>
             </a:fld>
             <a:endParaRPr lang="hr-HR" dirty="0"/>
           </a:p>
@@ -1504,7 +1505,7 @@
           <a:p>
             <a:fld id="{0594D8E5-9132-CB49-8951-2B37C8545450}" type="datetime1">
               <a:rPr lang="hr-HR" smtClean="0"/>
-              <a:t>06.12.2022.</a:t>
+              <a:t>08.12.2022.</a:t>
             </a:fld>
             <a:endParaRPr lang="hr-HR" dirty="0"/>
           </a:p>
@@ -1792,7 +1793,7 @@
           <a:p>
             <a:fld id="{038DF413-8537-6548-B621-9BF7EC96EF4A}" type="datetime1">
               <a:rPr lang="hr-HR" smtClean="0"/>
-              <a:t>06.12.2022.</a:t>
+              <a:t>08.12.2022.</a:t>
             </a:fld>
             <a:endParaRPr lang="hr-HR" dirty="0"/>
           </a:p>
@@ -2210,7 +2211,7 @@
           <a:p>
             <a:fld id="{2A9727A6-E52A-9040-835E-FB904DC8A764}" type="datetime1">
               <a:rPr lang="hr-HR" smtClean="0"/>
-              <a:t>06.12.2022.</a:t>
+              <a:t>08.12.2022.</a:t>
             </a:fld>
             <a:endParaRPr lang="hr-HR" dirty="0"/>
           </a:p>
@@ -2328,7 +2329,7 @@
           <a:p>
             <a:fld id="{29F7B79E-3265-9D4D-B58F-5682B53DA6B4}" type="datetime1">
               <a:rPr lang="hr-HR" smtClean="0"/>
-              <a:t>06.12.2022.</a:t>
+              <a:t>08.12.2022.</a:t>
             </a:fld>
             <a:endParaRPr lang="hr-HR" dirty="0"/>
           </a:p>
@@ -2419,7 +2420,7 @@
           <a:p>
             <a:fld id="{B268B2DD-4A63-8846-838F-D0E72B45DAB2}" type="datetime1">
               <a:rPr lang="hr-HR" smtClean="0"/>
-              <a:t>06.12.2022.</a:t>
+              <a:t>08.12.2022.</a:t>
             </a:fld>
             <a:endParaRPr lang="hr-HR" dirty="0"/>
           </a:p>
@@ -2692,7 +2693,7 @@
           <a:p>
             <a:fld id="{FA5E55DC-CBAC-0646-B9FD-7045B32FF0EA}" type="datetime1">
               <a:rPr lang="hr-HR" smtClean="0"/>
-              <a:t>06.12.2022.</a:t>
+              <a:t>08.12.2022.</a:t>
             </a:fld>
             <a:endParaRPr lang="hr-HR" dirty="0"/>
           </a:p>
@@ -2945,7 +2946,7 @@
           <a:p>
             <a:fld id="{5D718656-9517-074E-BA60-27118054E22D}" type="datetime1">
               <a:rPr lang="hr-HR" smtClean="0"/>
-              <a:t>06.12.2022.</a:t>
+              <a:t>08.12.2022.</a:t>
             </a:fld>
             <a:endParaRPr lang="hr-HR" dirty="0"/>
           </a:p>
@@ -3162,7 +3163,7 @@
           <a:p>
             <a:fld id="{F5EB5967-AC52-1F4B-A2E8-C2737AF22D64}" type="datetime1">
               <a:rPr lang="hr-HR" smtClean="0"/>
-              <a:t>06.12.2022.</a:t>
+              <a:t>08.12.2022.</a:t>
             </a:fld>
             <a:endParaRPr lang="hr-HR" dirty="0"/>
           </a:p>
@@ -10726,6 +10727,6856 @@
 </p:sld>
 </file>
 
+<file path=ppt/slides/slide6.xml><?xml version="1.0" encoding="utf-8"?>
+<p:sld xmlns:a="http://schemas.openxmlformats.org/drawingml/2006/main" xmlns:r="http://schemas.openxmlformats.org/officeDocument/2006/relationships" xmlns:p="http://schemas.openxmlformats.org/presentationml/2006/main">
+  <p:cSld>
+    <p:spTree>
+      <p:nvGrpSpPr>
+        <p:cNvPr id="1" name=""/>
+        <p:cNvGrpSpPr/>
+        <p:nvPr/>
+      </p:nvGrpSpPr>
+      <p:grpSpPr>
+        <a:xfrm>
+          <a:off x="0" y="0"/>
+          <a:ext cx="0" cy="0"/>
+          <a:chOff x="0" y="0"/>
+          <a:chExt cx="0" cy="0"/>
+        </a:xfrm>
+      </p:grpSpPr>
+      <p:sp>
+        <p:nvSpPr>
+          <p:cNvPr id="2" name="Title 1">
+            <a:extLst>
+              <a:ext uri="{FF2B5EF4-FFF2-40B4-BE49-F238E27FC236}">
+                <a16:creationId xmlns:a16="http://schemas.microsoft.com/office/drawing/2014/main" id="{1E9578D3-0145-A434-BDBA-0C578228A569}"/>
+              </a:ext>
+            </a:extLst>
+          </p:cNvPr>
+          <p:cNvSpPr>
+            <a:spLocks noGrp="1"/>
+          </p:cNvSpPr>
+          <p:nvPr>
+            <p:ph type="title"/>
+          </p:nvPr>
+        </p:nvSpPr>
+        <p:spPr/>
+        <p:txBody>
+          <a:bodyPr/>
+          <a:lstStyle/>
+          <a:p>
+            <a:r>
+              <a:rPr lang="en-HR" dirty="0"/>
+              <a:t>Self-Attention Intuition</a:t>
+            </a:r>
+          </a:p>
+        </p:txBody>
+      </p:sp>
+      <p:sp>
+        <p:nvSpPr>
+          <p:cNvPr id="48" name="TextBox 47">
+            <a:extLst>
+              <a:ext uri="{FF2B5EF4-FFF2-40B4-BE49-F238E27FC236}">
+                <a16:creationId xmlns:a16="http://schemas.microsoft.com/office/drawing/2014/main" id="{3B0D641D-363F-EF79-2883-9BF6091B3518}"/>
+              </a:ext>
+            </a:extLst>
+          </p:cNvPr>
+          <p:cNvSpPr txBox="1"/>
+          <p:nvPr/>
+        </p:nvSpPr>
+        <p:spPr>
+          <a:xfrm>
+            <a:off x="12458" y="6440346"/>
+            <a:ext cx="9131541" cy="338554"/>
+          </a:xfrm>
+          <a:prstGeom prst="rect">
+            <a:avLst/>
+          </a:prstGeom>
+          <a:noFill/>
+        </p:spPr>
+        <p:txBody>
+          <a:bodyPr wrap="square">
+            <a:spAutoFit/>
+          </a:bodyPr>
+          <a:lstStyle/>
+          <a:p>
+            <a:r>
+              <a:rPr lang="en-US" sz="1600" dirty="0">
+                <a:effectLst/>
+              </a:rPr>
+              <a:t>[</a:t>
+            </a:r>
+            <a:r>
+              <a:rPr lang="en-GB" sz="1600" dirty="0">
+                <a:effectLst/>
+              </a:rPr>
+              <a:t>Vaswani et al. 2017, Attention Is All You Need</a:t>
+            </a:r>
+            <a:r>
+              <a:rPr lang="en-US" sz="1600" dirty="0">
+                <a:effectLst/>
+              </a:rPr>
+              <a:t>] </a:t>
+            </a:r>
+          </a:p>
+        </p:txBody>
+      </p:sp>
+      <mc:AlternateContent xmlns:mc="http://schemas.openxmlformats.org/markup-compatibility/2006" xmlns:a14="http://schemas.microsoft.com/office/drawing/2010/main">
+        <mc:Choice Requires="a14">
+          <p:sp>
+            <p:nvSpPr>
+              <p:cNvPr id="54" name="TextBox 53">
+                <a:extLst>
+                  <a:ext uri="{FF2B5EF4-FFF2-40B4-BE49-F238E27FC236}">
+                    <a16:creationId xmlns:a16="http://schemas.microsoft.com/office/drawing/2014/main" id="{9A95D82D-2F1C-90F0-1B12-22BDA6BD03A4}"/>
+                  </a:ext>
+                </a:extLst>
+              </p:cNvPr>
+              <p:cNvSpPr txBox="1"/>
+              <p:nvPr/>
+            </p:nvSpPr>
+            <p:spPr>
+              <a:xfrm>
+                <a:off x="146956" y="5144981"/>
+                <a:ext cx="1140056" cy="647421"/>
+              </a:xfrm>
+              <a:prstGeom prst="rect">
+                <a:avLst/>
+              </a:prstGeom>
+              <a:noFill/>
+            </p:spPr>
+            <p:txBody>
+              <a:bodyPr wrap="square" lIns="0" tIns="46800" rIns="0">
+                <a:spAutoFit/>
+              </a:bodyPr>
+              <a:lstStyle/>
+              <a:p>
+                <a:pPr algn="ctr"/>
+                <a:r>
+                  <a:rPr lang="en-US" dirty="0">
+                    <a:solidFill>
+                      <a:schemeClr val="bg1">
+                        <a:lumMod val="75000"/>
+                      </a:schemeClr>
+                    </a:solidFill>
+                  </a:rPr>
+                  <a:t> </a:t>
+                </a:r>
+                <a14:m>
+                  <m:oMath xmlns:m="http://schemas.openxmlformats.org/officeDocument/2006/math">
+                    <m:sSup>
+                      <m:sSupPr>
+                        <m:ctrlPr>
+                          <a:rPr lang="hr-HR" b="0" i="1" smtClean="0">
+                            <a:solidFill>
+                              <a:schemeClr val="bg1">
+                                <a:lumMod val="75000"/>
+                              </a:schemeClr>
+                            </a:solidFill>
+                            <a:latin typeface="Cambria Math" panose="02040503050406030204" pitchFamily="18" charset="0"/>
+                          </a:rPr>
+                        </m:ctrlPr>
+                      </m:sSupPr>
+                      <m:e>
+                        <m:r>
+                          <a:rPr lang="hr-HR" b="0" i="1" smtClean="0">
+                            <a:solidFill>
+                              <a:schemeClr val="bg1">
+                                <a:lumMod val="75000"/>
+                              </a:schemeClr>
+                            </a:solidFill>
+                            <a:latin typeface="Cambria Math" panose="02040503050406030204" pitchFamily="18" charset="0"/>
+                          </a:rPr>
+                          <m:t>𝑥</m:t>
+                        </m:r>
+                      </m:e>
+                      <m:sup>
+                        <m:r>
+                          <a:rPr lang="hr-HR" b="0" i="1" smtClean="0">
+                            <a:solidFill>
+                              <a:schemeClr val="bg1">
+                                <a:lumMod val="75000"/>
+                              </a:schemeClr>
+                            </a:solidFill>
+                            <a:latin typeface="Cambria Math" panose="02040503050406030204" pitchFamily="18" charset="0"/>
+                          </a:rPr>
+                          <m:t>&lt;1&gt;</m:t>
+                        </m:r>
+                      </m:sup>
+                    </m:sSup>
+                  </m:oMath>
+                </a14:m>
+                <a:endParaRPr lang="hr-HR" b="0" dirty="0">
+                  <a:solidFill>
+                    <a:schemeClr val="bg1">
+                      <a:lumMod val="75000"/>
+                    </a:schemeClr>
+                  </a:solidFill>
+                </a:endParaRPr>
+              </a:p>
+              <a:p>
+                <a:pPr algn="ctr"/>
+                <a:r>
+                  <a:rPr lang="en-US" dirty="0">
+                    <a:solidFill>
+                      <a:schemeClr val="bg1">
+                        <a:lumMod val="75000"/>
+                      </a:schemeClr>
+                    </a:solidFill>
+                    <a:effectLst/>
+                  </a:rPr>
+                  <a:t>Jane</a:t>
+                </a:r>
+              </a:p>
+            </p:txBody>
+          </p:sp>
+        </mc:Choice>
+        <mc:Fallback xmlns="">
+          <p:sp>
+            <p:nvSpPr>
+              <p:cNvPr id="54" name="TextBox 53">
+                <a:extLst>
+                  <a:ext uri="{FF2B5EF4-FFF2-40B4-BE49-F238E27FC236}">
+                    <a16:creationId xmlns:a16="http://schemas.microsoft.com/office/drawing/2014/main" id="{9A95D82D-2F1C-90F0-1B12-22BDA6BD03A4}"/>
+                  </a:ext>
+                </a:extLst>
+              </p:cNvPr>
+              <p:cNvSpPr txBox="1">
+                <a:spLocks noRot="1" noChangeAspect="1" noMove="1" noResize="1" noEditPoints="1" noAdjustHandles="1" noChangeArrowheads="1" noChangeShapeType="1" noTextEdit="1"/>
+              </p:cNvSpPr>
+              <p:nvPr/>
+            </p:nvSpPr>
+            <p:spPr>
+              <a:xfrm>
+                <a:off x="146956" y="5144981"/>
+                <a:ext cx="1140056" cy="647421"/>
+              </a:xfrm>
+              <a:prstGeom prst="rect">
+                <a:avLst/>
+              </a:prstGeom>
+              <a:blipFill>
+                <a:blip r:embed="rId5"/>
+                <a:stretch>
+                  <a:fillRect b="-13462"/>
+                </a:stretch>
+              </a:blipFill>
+            </p:spPr>
+            <p:txBody>
+              <a:bodyPr/>
+              <a:lstStyle/>
+              <a:p>
+                <a:r>
+                  <a:rPr lang="en-HR">
+                    <a:noFill/>
+                  </a:rPr>
+                  <a:t> </a:t>
+                </a:r>
+              </a:p>
+            </p:txBody>
+          </p:sp>
+        </mc:Fallback>
+      </mc:AlternateContent>
+      <mc:AlternateContent xmlns:mc="http://schemas.openxmlformats.org/markup-compatibility/2006" xmlns:a14="http://schemas.microsoft.com/office/drawing/2010/main">
+        <mc:Choice Requires="a14">
+          <p:sp>
+            <p:nvSpPr>
+              <p:cNvPr id="3" name="TextBox 2">
+                <a:extLst>
+                  <a:ext uri="{FF2B5EF4-FFF2-40B4-BE49-F238E27FC236}">
+                    <a16:creationId xmlns:a16="http://schemas.microsoft.com/office/drawing/2014/main" id="{A5485B0C-A531-AF5B-67B2-8EFF4A047805}"/>
+                  </a:ext>
+                </a:extLst>
+              </p:cNvPr>
+              <p:cNvSpPr txBox="1"/>
+              <p:nvPr/>
+            </p:nvSpPr>
+            <p:spPr>
+              <a:xfrm>
+                <a:off x="148072" y="4607340"/>
+                <a:ext cx="1140056" cy="278089"/>
+              </a:xfrm>
+              <a:prstGeom prst="rect">
+                <a:avLst/>
+              </a:prstGeom>
+              <a:noFill/>
+            </p:spPr>
+            <p:txBody>
+              <a:bodyPr wrap="none" lIns="0" tIns="46800" rIns="0" rtlCol="0">
+                <a:spAutoFit/>
+              </a:bodyPr>
+              <a:lstStyle/>
+              <a:p>
+                <a:pPr/>
+                <a14:m>
+                  <m:oMathPara xmlns:m="http://schemas.openxmlformats.org/officeDocument/2006/math">
+                    <m:oMathParaPr>
+                      <m:jc m:val="centerGroup"/>
+                    </m:oMathParaPr>
+                    <m:oMath xmlns:m="http://schemas.openxmlformats.org/officeDocument/2006/math">
+                      <m:sSup>
+                        <m:sSupPr>
+                          <m:ctrlPr>
+                            <a:rPr lang="hr-HR" sz="1200" b="0" i="1" smtClean="0">
+                              <a:latin typeface="Cambria Math" panose="02040503050406030204" pitchFamily="18" charset="0"/>
+                            </a:rPr>
+                          </m:ctrlPr>
+                        </m:sSupPr>
+                        <m:e>
+                          <m:r>
+                            <a:rPr lang="hr-HR" sz="1200" b="0" i="1" smtClean="0">
+                              <a:latin typeface="Cambria Math" panose="02040503050406030204" pitchFamily="18" charset="0"/>
+                            </a:rPr>
+                            <m:t>𝑞</m:t>
+                          </m:r>
+                        </m:e>
+                        <m:sup>
+                          <m:r>
+                            <a:rPr lang="hr-HR" sz="1200" b="0" i="1" smtClean="0">
+                              <a:latin typeface="Cambria Math" panose="02040503050406030204" pitchFamily="18" charset="0"/>
+                            </a:rPr>
+                            <m:t>&lt;1&gt;</m:t>
+                          </m:r>
+                        </m:sup>
+                      </m:sSup>
+                      <m:r>
+                        <a:rPr lang="hr-HR" sz="1200" b="0" i="1" smtClean="0">
+                          <a:latin typeface="Cambria Math" panose="02040503050406030204" pitchFamily="18" charset="0"/>
+                        </a:rPr>
+                        <m:t>,</m:t>
+                      </m:r>
+                      <m:sSup>
+                        <m:sSupPr>
+                          <m:ctrlPr>
+                            <a:rPr lang="hr-HR" sz="1200" i="1">
+                              <a:latin typeface="Cambria Math" panose="02040503050406030204" pitchFamily="18" charset="0"/>
+                            </a:rPr>
+                          </m:ctrlPr>
+                        </m:sSupPr>
+                        <m:e>
+                          <m:r>
+                            <a:rPr lang="hr-HR" sz="1200" b="0" i="1" smtClean="0">
+                              <a:latin typeface="Cambria Math" panose="02040503050406030204" pitchFamily="18" charset="0"/>
+                            </a:rPr>
+                            <m:t>𝑘</m:t>
+                          </m:r>
+                        </m:e>
+                        <m:sup>
+                          <m:r>
+                            <a:rPr lang="hr-HR" sz="1200" i="1">
+                              <a:latin typeface="Cambria Math" panose="02040503050406030204" pitchFamily="18" charset="0"/>
+                            </a:rPr>
+                            <m:t>&lt;1&gt;</m:t>
+                          </m:r>
+                        </m:sup>
+                      </m:sSup>
+                      <m:r>
+                        <a:rPr lang="hr-HR" sz="1200" b="0" i="1" smtClean="0">
+                          <a:latin typeface="Cambria Math" panose="02040503050406030204" pitchFamily="18" charset="0"/>
+                        </a:rPr>
+                        <m:t>,</m:t>
+                      </m:r>
+                      <m:sSup>
+                        <m:sSupPr>
+                          <m:ctrlPr>
+                            <a:rPr lang="hr-HR" sz="1200" i="1">
+                              <a:latin typeface="Cambria Math" panose="02040503050406030204" pitchFamily="18" charset="0"/>
+                            </a:rPr>
+                          </m:ctrlPr>
+                        </m:sSupPr>
+                        <m:e>
+                          <m:r>
+                            <a:rPr lang="hr-HR" sz="1200" b="0" i="1" smtClean="0">
+                              <a:latin typeface="Cambria Math" panose="02040503050406030204" pitchFamily="18" charset="0"/>
+                            </a:rPr>
+                            <m:t>𝑣</m:t>
+                          </m:r>
+                        </m:e>
+                        <m:sup>
+                          <m:r>
+                            <a:rPr lang="hr-HR" sz="1200" i="1">
+                              <a:latin typeface="Cambria Math" panose="02040503050406030204" pitchFamily="18" charset="0"/>
+                            </a:rPr>
+                            <m:t>&lt;1&gt;</m:t>
+                          </m:r>
+                        </m:sup>
+                      </m:sSup>
+                    </m:oMath>
+                  </m:oMathPara>
+                </a14:m>
+                <a:endParaRPr lang="en-HR" sz="1200" dirty="0"/>
+              </a:p>
+            </p:txBody>
+          </p:sp>
+        </mc:Choice>
+        <mc:Fallback xmlns="">
+          <p:sp>
+            <p:nvSpPr>
+              <p:cNvPr id="3" name="TextBox 2">
+                <a:extLst>
+                  <a:ext uri="{FF2B5EF4-FFF2-40B4-BE49-F238E27FC236}">
+                    <a16:creationId xmlns:a16="http://schemas.microsoft.com/office/drawing/2014/main" id="{A5485B0C-A531-AF5B-67B2-8EFF4A047805}"/>
+                  </a:ext>
+                </a:extLst>
+              </p:cNvPr>
+              <p:cNvSpPr txBox="1">
+                <a:spLocks noRot="1" noChangeAspect="1" noMove="1" noResize="1" noEditPoints="1" noAdjustHandles="1" noChangeArrowheads="1" noChangeShapeType="1" noTextEdit="1"/>
+              </p:cNvSpPr>
+              <p:nvPr/>
+            </p:nvSpPr>
+            <p:spPr>
+              <a:xfrm>
+                <a:off x="148072" y="4607340"/>
+                <a:ext cx="1140056" cy="278089"/>
+              </a:xfrm>
+              <a:prstGeom prst="rect">
+                <a:avLst/>
+              </a:prstGeom>
+              <a:blipFill>
+                <a:blip r:embed="rId6"/>
+                <a:stretch>
+                  <a:fillRect l="-3297" r="-1099" b="-4348"/>
+                </a:stretch>
+              </a:blipFill>
+            </p:spPr>
+            <p:txBody>
+              <a:bodyPr/>
+              <a:lstStyle/>
+              <a:p>
+                <a:r>
+                  <a:rPr lang="en-HR">
+                    <a:noFill/>
+                  </a:rPr>
+                  <a:t> </a:t>
+                </a:r>
+              </a:p>
+            </p:txBody>
+          </p:sp>
+        </mc:Fallback>
+      </mc:AlternateContent>
+      <p:cxnSp>
+        <p:nvCxnSpPr>
+          <p:cNvPr id="6" name="Straight Arrow Connector 5">
+            <a:extLst>
+              <a:ext uri="{FF2B5EF4-FFF2-40B4-BE49-F238E27FC236}">
+                <a16:creationId xmlns:a16="http://schemas.microsoft.com/office/drawing/2014/main" id="{C8BE8518-D8A5-00C0-BE2C-1C80DE548BC6}"/>
+              </a:ext>
+            </a:extLst>
+          </p:cNvPr>
+          <p:cNvCxnSpPr>
+            <a:cxnSpLocks/>
+            <a:stCxn id="54" idx="0"/>
+            <a:endCxn id="3" idx="2"/>
+          </p:cNvCxnSpPr>
+          <p:nvPr/>
+        </p:nvCxnSpPr>
+        <p:spPr>
+          <a:xfrm flipV="1">
+            <a:off x="716984" y="4885429"/>
+            <a:ext cx="1116" cy="259552"/>
+          </a:xfrm>
+          <a:prstGeom prst="straightConnector1">
+            <a:avLst/>
+          </a:prstGeom>
+          <a:ln>
+            <a:tailEnd type="triangle"/>
+          </a:ln>
+        </p:spPr>
+        <p:style>
+          <a:lnRef idx="1">
+            <a:schemeClr val="dk1"/>
+          </a:lnRef>
+          <a:fillRef idx="0">
+            <a:schemeClr val="dk1"/>
+          </a:fillRef>
+          <a:effectRef idx="0">
+            <a:schemeClr val="dk1"/>
+          </a:effectRef>
+          <a:fontRef idx="minor">
+            <a:schemeClr val="tx1"/>
+          </a:fontRef>
+        </p:style>
+      </p:cxnSp>
+      <mc:AlternateContent xmlns:mc="http://schemas.openxmlformats.org/markup-compatibility/2006" xmlns:a14="http://schemas.microsoft.com/office/drawing/2010/main">
+        <mc:Choice Requires="a14">
+          <p:sp>
+            <p:nvSpPr>
+              <p:cNvPr id="71" name="TextBox 70">
+                <a:extLst>
+                  <a:ext uri="{FF2B5EF4-FFF2-40B4-BE49-F238E27FC236}">
+                    <a16:creationId xmlns:a16="http://schemas.microsoft.com/office/drawing/2014/main" id="{FF724600-2BA5-06BE-ECF1-CFC0EDA2D5DB}"/>
+                  </a:ext>
+                </a:extLst>
+              </p:cNvPr>
+              <p:cNvSpPr txBox="1"/>
+              <p:nvPr/>
+            </p:nvSpPr>
+            <p:spPr>
+              <a:xfrm>
+                <a:off x="1475656" y="5144981"/>
+                <a:ext cx="1140056" cy="647421"/>
+              </a:xfrm>
+              <a:prstGeom prst="rect">
+                <a:avLst/>
+              </a:prstGeom>
+              <a:noFill/>
+            </p:spPr>
+            <p:txBody>
+              <a:bodyPr wrap="square" lIns="0" tIns="46800" rIns="0">
+                <a:spAutoFit/>
+              </a:bodyPr>
+              <a:lstStyle/>
+              <a:p>
+                <a:pPr algn="ctr"/>
+                <a:r>
+                  <a:rPr lang="en-US" dirty="0">
+                    <a:solidFill>
+                      <a:schemeClr val="bg1">
+                        <a:lumMod val="75000"/>
+                      </a:schemeClr>
+                    </a:solidFill>
+                  </a:rPr>
+                  <a:t> </a:t>
+                </a:r>
+                <a14:m>
+                  <m:oMath xmlns:m="http://schemas.openxmlformats.org/officeDocument/2006/math">
+                    <m:sSup>
+                      <m:sSupPr>
+                        <m:ctrlPr>
+                          <a:rPr lang="hr-HR" b="0" i="1" smtClean="0">
+                            <a:solidFill>
+                              <a:schemeClr val="bg1">
+                                <a:lumMod val="75000"/>
+                              </a:schemeClr>
+                            </a:solidFill>
+                            <a:latin typeface="Cambria Math" panose="02040503050406030204" pitchFamily="18" charset="0"/>
+                          </a:rPr>
+                        </m:ctrlPr>
+                      </m:sSupPr>
+                      <m:e>
+                        <m:r>
+                          <a:rPr lang="hr-HR" b="0" i="1" smtClean="0">
+                            <a:solidFill>
+                              <a:schemeClr val="bg1">
+                                <a:lumMod val="75000"/>
+                              </a:schemeClr>
+                            </a:solidFill>
+                            <a:latin typeface="Cambria Math" panose="02040503050406030204" pitchFamily="18" charset="0"/>
+                          </a:rPr>
+                          <m:t>𝑥</m:t>
+                        </m:r>
+                      </m:e>
+                      <m:sup>
+                        <m:r>
+                          <a:rPr lang="hr-HR" b="0" i="1" smtClean="0">
+                            <a:solidFill>
+                              <a:schemeClr val="bg1">
+                                <a:lumMod val="75000"/>
+                              </a:schemeClr>
+                            </a:solidFill>
+                            <a:latin typeface="Cambria Math" panose="02040503050406030204" pitchFamily="18" charset="0"/>
+                          </a:rPr>
+                          <m:t>&lt;2&gt;</m:t>
+                        </m:r>
+                      </m:sup>
+                    </m:sSup>
+                  </m:oMath>
+                </a14:m>
+                <a:endParaRPr lang="hr-HR" b="0" dirty="0">
+                  <a:solidFill>
+                    <a:schemeClr val="bg1">
+                      <a:lumMod val="75000"/>
+                    </a:schemeClr>
+                  </a:solidFill>
+                </a:endParaRPr>
+              </a:p>
+              <a:p>
+                <a:pPr algn="ctr"/>
+                <a:r>
+                  <a:rPr lang="en-US" dirty="0" err="1">
+                    <a:solidFill>
+                      <a:schemeClr val="bg1">
+                        <a:lumMod val="75000"/>
+                      </a:schemeClr>
+                    </a:solidFill>
+                    <a:effectLst/>
+                  </a:rPr>
+                  <a:t>visite</a:t>
+                </a:r>
+                <a:endParaRPr lang="en-US" dirty="0">
+                  <a:solidFill>
+                    <a:schemeClr val="bg1">
+                      <a:lumMod val="75000"/>
+                    </a:schemeClr>
+                  </a:solidFill>
+                  <a:effectLst/>
+                </a:endParaRPr>
+              </a:p>
+            </p:txBody>
+          </p:sp>
+        </mc:Choice>
+        <mc:Fallback xmlns="">
+          <p:sp>
+            <p:nvSpPr>
+              <p:cNvPr id="71" name="TextBox 70">
+                <a:extLst>
+                  <a:ext uri="{FF2B5EF4-FFF2-40B4-BE49-F238E27FC236}">
+                    <a16:creationId xmlns:a16="http://schemas.microsoft.com/office/drawing/2014/main" id="{FF724600-2BA5-06BE-ECF1-CFC0EDA2D5DB}"/>
+                  </a:ext>
+                </a:extLst>
+              </p:cNvPr>
+              <p:cNvSpPr txBox="1">
+                <a:spLocks noRot="1" noChangeAspect="1" noMove="1" noResize="1" noEditPoints="1" noAdjustHandles="1" noChangeArrowheads="1" noChangeShapeType="1" noTextEdit="1"/>
+              </p:cNvSpPr>
+              <p:nvPr/>
+            </p:nvSpPr>
+            <p:spPr>
+              <a:xfrm>
+                <a:off x="1475656" y="5144981"/>
+                <a:ext cx="1140056" cy="647421"/>
+              </a:xfrm>
+              <a:prstGeom prst="rect">
+                <a:avLst/>
+              </a:prstGeom>
+              <a:blipFill>
+                <a:blip r:embed="rId7"/>
+                <a:stretch>
+                  <a:fillRect b="-13462"/>
+                </a:stretch>
+              </a:blipFill>
+            </p:spPr>
+            <p:txBody>
+              <a:bodyPr/>
+              <a:lstStyle/>
+              <a:p>
+                <a:r>
+                  <a:rPr lang="en-HR">
+                    <a:noFill/>
+                  </a:rPr>
+                  <a:t> </a:t>
+                </a:r>
+              </a:p>
+            </p:txBody>
+          </p:sp>
+        </mc:Fallback>
+      </mc:AlternateContent>
+      <mc:AlternateContent xmlns:mc="http://schemas.openxmlformats.org/markup-compatibility/2006" xmlns:a14="http://schemas.microsoft.com/office/drawing/2010/main">
+        <mc:Choice Requires="a14">
+          <p:sp>
+            <p:nvSpPr>
+              <p:cNvPr id="72" name="TextBox 71">
+                <a:extLst>
+                  <a:ext uri="{FF2B5EF4-FFF2-40B4-BE49-F238E27FC236}">
+                    <a16:creationId xmlns:a16="http://schemas.microsoft.com/office/drawing/2014/main" id="{7AB1CBF9-181F-03E9-771D-F0F14B8C7AB5}"/>
+                  </a:ext>
+                </a:extLst>
+              </p:cNvPr>
+              <p:cNvSpPr txBox="1"/>
+              <p:nvPr/>
+            </p:nvSpPr>
+            <p:spPr>
+              <a:xfrm>
+                <a:off x="1476772" y="4607340"/>
+                <a:ext cx="1140056" cy="278089"/>
+              </a:xfrm>
+              <a:prstGeom prst="rect">
+                <a:avLst/>
+              </a:prstGeom>
+              <a:noFill/>
+            </p:spPr>
+            <p:txBody>
+              <a:bodyPr wrap="none" lIns="0" tIns="46800" rIns="0" rtlCol="0">
+                <a:spAutoFit/>
+              </a:bodyPr>
+              <a:lstStyle/>
+              <a:p>
+                <a:pPr/>
+                <a14:m>
+                  <m:oMathPara xmlns:m="http://schemas.openxmlformats.org/officeDocument/2006/math">
+                    <m:oMathParaPr>
+                      <m:jc m:val="centerGroup"/>
+                    </m:oMathParaPr>
+                    <m:oMath xmlns:m="http://schemas.openxmlformats.org/officeDocument/2006/math">
+                      <m:sSup>
+                        <m:sSupPr>
+                          <m:ctrlPr>
+                            <a:rPr lang="hr-HR" sz="1200" b="0" i="1" smtClean="0">
+                              <a:latin typeface="Cambria Math" panose="02040503050406030204" pitchFamily="18" charset="0"/>
+                            </a:rPr>
+                          </m:ctrlPr>
+                        </m:sSupPr>
+                        <m:e>
+                          <m:r>
+                            <a:rPr lang="hr-HR" sz="1200" b="0" i="1" smtClean="0">
+                              <a:latin typeface="Cambria Math" panose="02040503050406030204" pitchFamily="18" charset="0"/>
+                            </a:rPr>
+                            <m:t>𝑞</m:t>
+                          </m:r>
+                        </m:e>
+                        <m:sup>
+                          <m:r>
+                            <a:rPr lang="hr-HR" sz="1200" b="0" i="1" smtClean="0">
+                              <a:latin typeface="Cambria Math" panose="02040503050406030204" pitchFamily="18" charset="0"/>
+                            </a:rPr>
+                            <m:t>&lt;1&gt;</m:t>
+                          </m:r>
+                        </m:sup>
+                      </m:sSup>
+                      <m:r>
+                        <a:rPr lang="hr-HR" sz="1200" b="0" i="1" smtClean="0">
+                          <a:latin typeface="Cambria Math" panose="02040503050406030204" pitchFamily="18" charset="0"/>
+                        </a:rPr>
+                        <m:t>,</m:t>
+                      </m:r>
+                      <m:sSup>
+                        <m:sSupPr>
+                          <m:ctrlPr>
+                            <a:rPr lang="hr-HR" sz="1200" i="1">
+                              <a:latin typeface="Cambria Math" panose="02040503050406030204" pitchFamily="18" charset="0"/>
+                            </a:rPr>
+                          </m:ctrlPr>
+                        </m:sSupPr>
+                        <m:e>
+                          <m:r>
+                            <a:rPr lang="hr-HR" sz="1200" b="0" i="1" smtClean="0">
+                              <a:latin typeface="Cambria Math" panose="02040503050406030204" pitchFamily="18" charset="0"/>
+                            </a:rPr>
+                            <m:t>𝑘</m:t>
+                          </m:r>
+                        </m:e>
+                        <m:sup>
+                          <m:r>
+                            <a:rPr lang="hr-HR" sz="1200" i="1">
+                              <a:latin typeface="Cambria Math" panose="02040503050406030204" pitchFamily="18" charset="0"/>
+                            </a:rPr>
+                            <m:t>&lt;1&gt;</m:t>
+                          </m:r>
+                        </m:sup>
+                      </m:sSup>
+                      <m:r>
+                        <a:rPr lang="hr-HR" sz="1200" b="0" i="1" smtClean="0">
+                          <a:latin typeface="Cambria Math" panose="02040503050406030204" pitchFamily="18" charset="0"/>
+                        </a:rPr>
+                        <m:t>,</m:t>
+                      </m:r>
+                      <m:sSup>
+                        <m:sSupPr>
+                          <m:ctrlPr>
+                            <a:rPr lang="hr-HR" sz="1200" i="1">
+                              <a:latin typeface="Cambria Math" panose="02040503050406030204" pitchFamily="18" charset="0"/>
+                            </a:rPr>
+                          </m:ctrlPr>
+                        </m:sSupPr>
+                        <m:e>
+                          <m:r>
+                            <a:rPr lang="hr-HR" sz="1200" b="0" i="1" smtClean="0">
+                              <a:latin typeface="Cambria Math" panose="02040503050406030204" pitchFamily="18" charset="0"/>
+                            </a:rPr>
+                            <m:t>𝑣</m:t>
+                          </m:r>
+                        </m:e>
+                        <m:sup>
+                          <m:r>
+                            <a:rPr lang="hr-HR" sz="1200" i="1">
+                              <a:latin typeface="Cambria Math" panose="02040503050406030204" pitchFamily="18" charset="0"/>
+                            </a:rPr>
+                            <m:t>&lt;1&gt;</m:t>
+                          </m:r>
+                        </m:sup>
+                      </m:sSup>
+                    </m:oMath>
+                  </m:oMathPara>
+                </a14:m>
+                <a:endParaRPr lang="en-HR" sz="1200" dirty="0"/>
+              </a:p>
+            </p:txBody>
+          </p:sp>
+        </mc:Choice>
+        <mc:Fallback xmlns="">
+          <p:sp>
+            <p:nvSpPr>
+              <p:cNvPr id="72" name="TextBox 71">
+                <a:extLst>
+                  <a:ext uri="{FF2B5EF4-FFF2-40B4-BE49-F238E27FC236}">
+                    <a16:creationId xmlns:a16="http://schemas.microsoft.com/office/drawing/2014/main" id="{7AB1CBF9-181F-03E9-771D-F0F14B8C7AB5}"/>
+                  </a:ext>
+                </a:extLst>
+              </p:cNvPr>
+              <p:cNvSpPr txBox="1">
+                <a:spLocks noRot="1" noChangeAspect="1" noMove="1" noResize="1" noEditPoints="1" noAdjustHandles="1" noChangeArrowheads="1" noChangeShapeType="1" noTextEdit="1"/>
+              </p:cNvSpPr>
+              <p:nvPr/>
+            </p:nvSpPr>
+            <p:spPr>
+              <a:xfrm>
+                <a:off x="1476772" y="4607340"/>
+                <a:ext cx="1140056" cy="278089"/>
+              </a:xfrm>
+              <a:prstGeom prst="rect">
+                <a:avLst/>
+              </a:prstGeom>
+              <a:blipFill>
+                <a:blip r:embed="rId8"/>
+                <a:stretch>
+                  <a:fillRect l="-3333" r="-1111" b="-4348"/>
+                </a:stretch>
+              </a:blipFill>
+            </p:spPr>
+            <p:txBody>
+              <a:bodyPr/>
+              <a:lstStyle/>
+              <a:p>
+                <a:r>
+                  <a:rPr lang="en-HR">
+                    <a:noFill/>
+                  </a:rPr>
+                  <a:t> </a:t>
+                </a:r>
+              </a:p>
+            </p:txBody>
+          </p:sp>
+        </mc:Fallback>
+      </mc:AlternateContent>
+      <p:cxnSp>
+        <p:nvCxnSpPr>
+          <p:cNvPr id="73" name="Straight Arrow Connector 72">
+            <a:extLst>
+              <a:ext uri="{FF2B5EF4-FFF2-40B4-BE49-F238E27FC236}">
+                <a16:creationId xmlns:a16="http://schemas.microsoft.com/office/drawing/2014/main" id="{961D91C1-F334-B64B-2330-072D2147A860}"/>
+              </a:ext>
+            </a:extLst>
+          </p:cNvPr>
+          <p:cNvCxnSpPr>
+            <a:cxnSpLocks/>
+            <a:stCxn id="71" idx="0"/>
+            <a:endCxn id="72" idx="2"/>
+          </p:cNvCxnSpPr>
+          <p:nvPr/>
+        </p:nvCxnSpPr>
+        <p:spPr>
+          <a:xfrm flipV="1">
+            <a:off x="2045684" y="4885429"/>
+            <a:ext cx="1116" cy="259552"/>
+          </a:xfrm>
+          <a:prstGeom prst="straightConnector1">
+            <a:avLst/>
+          </a:prstGeom>
+          <a:ln>
+            <a:tailEnd type="triangle"/>
+          </a:ln>
+        </p:spPr>
+        <p:style>
+          <a:lnRef idx="1">
+            <a:schemeClr val="dk1"/>
+          </a:lnRef>
+          <a:fillRef idx="0">
+            <a:schemeClr val="dk1"/>
+          </a:fillRef>
+          <a:effectRef idx="0">
+            <a:schemeClr val="dk1"/>
+          </a:effectRef>
+          <a:fontRef idx="minor">
+            <a:schemeClr val="tx1"/>
+          </a:fontRef>
+        </p:style>
+      </p:cxnSp>
+      <mc:AlternateContent xmlns:mc="http://schemas.openxmlformats.org/markup-compatibility/2006" xmlns:a14="http://schemas.microsoft.com/office/drawing/2010/main">
+        <mc:Choice Requires="a14">
+          <p:sp>
+            <p:nvSpPr>
+              <p:cNvPr id="74" name="TextBox 73">
+                <a:extLst>
+                  <a:ext uri="{FF2B5EF4-FFF2-40B4-BE49-F238E27FC236}">
+                    <a16:creationId xmlns:a16="http://schemas.microsoft.com/office/drawing/2014/main" id="{7A251D08-3F28-3556-89D4-77339E94DA91}"/>
+                  </a:ext>
+                </a:extLst>
+              </p:cNvPr>
+              <p:cNvSpPr txBox="1"/>
+              <p:nvPr/>
+            </p:nvSpPr>
+            <p:spPr>
+              <a:xfrm>
+                <a:off x="2804356" y="5144981"/>
+                <a:ext cx="1140056" cy="647421"/>
+              </a:xfrm>
+              <a:prstGeom prst="rect">
+                <a:avLst/>
+              </a:prstGeom>
+              <a:noFill/>
+            </p:spPr>
+            <p:txBody>
+              <a:bodyPr wrap="square" lIns="0" tIns="46800" rIns="0">
+                <a:spAutoFit/>
+              </a:bodyPr>
+              <a:lstStyle/>
+              <a:p>
+                <a:pPr algn="ctr"/>
+                <a:r>
+                  <a:rPr lang="en-US" dirty="0">
+                    <a:solidFill>
+                      <a:schemeClr val="tx1"/>
+                    </a:solidFill>
+                  </a:rPr>
+                  <a:t> </a:t>
+                </a:r>
+                <a14:m>
+                  <m:oMath xmlns:m="http://schemas.openxmlformats.org/officeDocument/2006/math">
+                    <m:sSup>
+                      <m:sSupPr>
+                        <m:ctrlPr>
+                          <a:rPr lang="hr-HR" b="0" i="1" smtClean="0">
+                            <a:solidFill>
+                              <a:schemeClr val="tx1"/>
+                            </a:solidFill>
+                            <a:latin typeface="Cambria Math" panose="02040503050406030204" pitchFamily="18" charset="0"/>
+                          </a:rPr>
+                        </m:ctrlPr>
+                      </m:sSupPr>
+                      <m:e>
+                        <m:r>
+                          <a:rPr lang="hr-HR" b="0" i="1" smtClean="0">
+                            <a:solidFill>
+                              <a:schemeClr val="tx1"/>
+                            </a:solidFill>
+                            <a:latin typeface="Cambria Math" panose="02040503050406030204" pitchFamily="18" charset="0"/>
+                          </a:rPr>
+                          <m:t>𝑥</m:t>
+                        </m:r>
+                      </m:e>
+                      <m:sup>
+                        <m:r>
+                          <a:rPr lang="hr-HR" b="0" i="1" smtClean="0">
+                            <a:solidFill>
+                              <a:schemeClr val="tx1"/>
+                            </a:solidFill>
+                            <a:latin typeface="Cambria Math" panose="02040503050406030204" pitchFamily="18" charset="0"/>
+                          </a:rPr>
+                          <m:t>&lt;3&gt;</m:t>
+                        </m:r>
+                      </m:sup>
+                    </m:sSup>
+                  </m:oMath>
+                </a14:m>
+                <a:endParaRPr lang="hr-HR" b="0" dirty="0">
+                  <a:solidFill>
+                    <a:schemeClr val="tx1"/>
+                  </a:solidFill>
+                </a:endParaRPr>
+              </a:p>
+              <a:p>
+                <a:pPr algn="ctr"/>
+                <a:r>
+                  <a:rPr lang="en-US" dirty="0" err="1">
+                    <a:solidFill>
+                      <a:schemeClr val="tx1"/>
+                    </a:solidFill>
+                  </a:rPr>
+                  <a:t>l'Afrique</a:t>
+                </a:r>
+                <a:endParaRPr lang="en-US" dirty="0">
+                  <a:solidFill>
+                    <a:schemeClr val="tx1"/>
+                  </a:solidFill>
+                  <a:effectLst/>
+                </a:endParaRPr>
+              </a:p>
+            </p:txBody>
+          </p:sp>
+        </mc:Choice>
+        <mc:Fallback xmlns="">
+          <p:sp>
+            <p:nvSpPr>
+              <p:cNvPr id="74" name="TextBox 73">
+                <a:extLst>
+                  <a:ext uri="{FF2B5EF4-FFF2-40B4-BE49-F238E27FC236}">
+                    <a16:creationId xmlns:a16="http://schemas.microsoft.com/office/drawing/2014/main" id="{7A251D08-3F28-3556-89D4-77339E94DA91}"/>
+                  </a:ext>
+                </a:extLst>
+              </p:cNvPr>
+              <p:cNvSpPr txBox="1">
+                <a:spLocks noRot="1" noChangeAspect="1" noMove="1" noResize="1" noEditPoints="1" noAdjustHandles="1" noChangeArrowheads="1" noChangeShapeType="1" noTextEdit="1"/>
+              </p:cNvSpPr>
+              <p:nvPr/>
+            </p:nvSpPr>
+            <p:spPr>
+              <a:xfrm>
+                <a:off x="2804356" y="5144981"/>
+                <a:ext cx="1140056" cy="647421"/>
+              </a:xfrm>
+              <a:prstGeom prst="rect">
+                <a:avLst/>
+              </a:prstGeom>
+              <a:blipFill>
+                <a:blip r:embed="rId9"/>
+                <a:stretch>
+                  <a:fillRect b="-13462"/>
+                </a:stretch>
+              </a:blipFill>
+            </p:spPr>
+            <p:txBody>
+              <a:bodyPr/>
+              <a:lstStyle/>
+              <a:p>
+                <a:r>
+                  <a:rPr lang="en-HR">
+                    <a:noFill/>
+                  </a:rPr>
+                  <a:t> </a:t>
+                </a:r>
+              </a:p>
+            </p:txBody>
+          </p:sp>
+        </mc:Fallback>
+      </mc:AlternateContent>
+      <mc:AlternateContent xmlns:mc="http://schemas.openxmlformats.org/markup-compatibility/2006" xmlns:a14="http://schemas.microsoft.com/office/drawing/2010/main">
+        <mc:Choice Requires="a14">
+          <p:sp>
+            <p:nvSpPr>
+              <p:cNvPr id="75" name="TextBox 74">
+                <a:extLst>
+                  <a:ext uri="{FF2B5EF4-FFF2-40B4-BE49-F238E27FC236}">
+                    <a16:creationId xmlns:a16="http://schemas.microsoft.com/office/drawing/2014/main" id="{71F03820-44C5-F02A-B81C-DFE26A73F1BC}"/>
+                  </a:ext>
+                </a:extLst>
+              </p:cNvPr>
+              <p:cNvSpPr txBox="1"/>
+              <p:nvPr/>
+            </p:nvSpPr>
+            <p:spPr>
+              <a:xfrm>
+                <a:off x="2805472" y="4607340"/>
+                <a:ext cx="1140056" cy="278089"/>
+              </a:xfrm>
+              <a:prstGeom prst="rect">
+                <a:avLst/>
+              </a:prstGeom>
+              <a:noFill/>
+            </p:spPr>
+            <p:txBody>
+              <a:bodyPr wrap="none" lIns="0" tIns="46800" rIns="0" rtlCol="0">
+                <a:spAutoFit/>
+              </a:bodyPr>
+              <a:lstStyle/>
+              <a:p>
+                <a:pPr/>
+                <a14:m>
+                  <m:oMathPara xmlns:m="http://schemas.openxmlformats.org/officeDocument/2006/math">
+                    <m:oMathParaPr>
+                      <m:jc m:val="centerGroup"/>
+                    </m:oMathParaPr>
+                    <m:oMath xmlns:m="http://schemas.openxmlformats.org/officeDocument/2006/math">
+                      <m:sSup>
+                        <m:sSupPr>
+                          <m:ctrlPr>
+                            <a:rPr lang="hr-HR" sz="1200" b="0" i="1" smtClean="0">
+                              <a:latin typeface="Cambria Math" panose="02040503050406030204" pitchFamily="18" charset="0"/>
+                            </a:rPr>
+                          </m:ctrlPr>
+                        </m:sSupPr>
+                        <m:e>
+                          <m:r>
+                            <a:rPr lang="hr-HR" sz="1200" b="0" i="1" smtClean="0">
+                              <a:latin typeface="Cambria Math" panose="02040503050406030204" pitchFamily="18" charset="0"/>
+                            </a:rPr>
+                            <m:t>𝑞</m:t>
+                          </m:r>
+                        </m:e>
+                        <m:sup>
+                          <m:r>
+                            <a:rPr lang="hr-HR" sz="1200" b="0" i="1" smtClean="0">
+                              <a:latin typeface="Cambria Math" panose="02040503050406030204" pitchFamily="18" charset="0"/>
+                            </a:rPr>
+                            <m:t>&lt;1&gt;</m:t>
+                          </m:r>
+                        </m:sup>
+                      </m:sSup>
+                      <m:r>
+                        <a:rPr lang="hr-HR" sz="1200" b="0" i="1" smtClean="0">
+                          <a:latin typeface="Cambria Math" panose="02040503050406030204" pitchFamily="18" charset="0"/>
+                        </a:rPr>
+                        <m:t>,</m:t>
+                      </m:r>
+                      <m:sSup>
+                        <m:sSupPr>
+                          <m:ctrlPr>
+                            <a:rPr lang="hr-HR" sz="1200" i="1">
+                              <a:latin typeface="Cambria Math" panose="02040503050406030204" pitchFamily="18" charset="0"/>
+                            </a:rPr>
+                          </m:ctrlPr>
+                        </m:sSupPr>
+                        <m:e>
+                          <m:r>
+                            <a:rPr lang="hr-HR" sz="1200" b="0" i="1" smtClean="0">
+                              <a:latin typeface="Cambria Math" panose="02040503050406030204" pitchFamily="18" charset="0"/>
+                            </a:rPr>
+                            <m:t>𝑘</m:t>
+                          </m:r>
+                        </m:e>
+                        <m:sup>
+                          <m:r>
+                            <a:rPr lang="hr-HR" sz="1200" i="1">
+                              <a:latin typeface="Cambria Math" panose="02040503050406030204" pitchFamily="18" charset="0"/>
+                            </a:rPr>
+                            <m:t>&lt;1&gt;</m:t>
+                          </m:r>
+                        </m:sup>
+                      </m:sSup>
+                      <m:r>
+                        <a:rPr lang="hr-HR" sz="1200" b="0" i="1" smtClean="0">
+                          <a:latin typeface="Cambria Math" panose="02040503050406030204" pitchFamily="18" charset="0"/>
+                        </a:rPr>
+                        <m:t>,</m:t>
+                      </m:r>
+                      <m:sSup>
+                        <m:sSupPr>
+                          <m:ctrlPr>
+                            <a:rPr lang="hr-HR" sz="1200" i="1">
+                              <a:latin typeface="Cambria Math" panose="02040503050406030204" pitchFamily="18" charset="0"/>
+                            </a:rPr>
+                          </m:ctrlPr>
+                        </m:sSupPr>
+                        <m:e>
+                          <m:r>
+                            <a:rPr lang="hr-HR" sz="1200" b="0" i="1" smtClean="0">
+                              <a:latin typeface="Cambria Math" panose="02040503050406030204" pitchFamily="18" charset="0"/>
+                            </a:rPr>
+                            <m:t>𝑣</m:t>
+                          </m:r>
+                        </m:e>
+                        <m:sup>
+                          <m:r>
+                            <a:rPr lang="hr-HR" sz="1200" i="1">
+                              <a:latin typeface="Cambria Math" panose="02040503050406030204" pitchFamily="18" charset="0"/>
+                            </a:rPr>
+                            <m:t>&lt;1&gt;</m:t>
+                          </m:r>
+                        </m:sup>
+                      </m:sSup>
+                    </m:oMath>
+                  </m:oMathPara>
+                </a14:m>
+                <a:endParaRPr lang="en-HR" sz="1200" dirty="0"/>
+              </a:p>
+            </p:txBody>
+          </p:sp>
+        </mc:Choice>
+        <mc:Fallback xmlns="">
+          <p:sp>
+            <p:nvSpPr>
+              <p:cNvPr id="75" name="TextBox 74">
+                <a:extLst>
+                  <a:ext uri="{FF2B5EF4-FFF2-40B4-BE49-F238E27FC236}">
+                    <a16:creationId xmlns:a16="http://schemas.microsoft.com/office/drawing/2014/main" id="{71F03820-44C5-F02A-B81C-DFE26A73F1BC}"/>
+                  </a:ext>
+                </a:extLst>
+              </p:cNvPr>
+              <p:cNvSpPr txBox="1">
+                <a:spLocks noRot="1" noChangeAspect="1" noMove="1" noResize="1" noEditPoints="1" noAdjustHandles="1" noChangeArrowheads="1" noChangeShapeType="1" noTextEdit="1"/>
+              </p:cNvSpPr>
+              <p:nvPr/>
+            </p:nvSpPr>
+            <p:spPr>
+              <a:xfrm>
+                <a:off x="2805472" y="4607340"/>
+                <a:ext cx="1140056" cy="278089"/>
+              </a:xfrm>
+              <a:prstGeom prst="rect">
+                <a:avLst/>
+              </a:prstGeom>
+              <a:blipFill>
+                <a:blip r:embed="rId10"/>
+                <a:stretch>
+                  <a:fillRect l="-3297" r="-1099" b="-4348"/>
+                </a:stretch>
+              </a:blipFill>
+            </p:spPr>
+            <p:txBody>
+              <a:bodyPr/>
+              <a:lstStyle/>
+              <a:p>
+                <a:r>
+                  <a:rPr lang="en-HR">
+                    <a:noFill/>
+                  </a:rPr>
+                  <a:t> </a:t>
+                </a:r>
+              </a:p>
+            </p:txBody>
+          </p:sp>
+        </mc:Fallback>
+      </mc:AlternateContent>
+      <p:cxnSp>
+        <p:nvCxnSpPr>
+          <p:cNvPr id="76" name="Straight Arrow Connector 75">
+            <a:extLst>
+              <a:ext uri="{FF2B5EF4-FFF2-40B4-BE49-F238E27FC236}">
+                <a16:creationId xmlns:a16="http://schemas.microsoft.com/office/drawing/2014/main" id="{749603B3-BF36-4427-3650-FAF848A25F75}"/>
+              </a:ext>
+            </a:extLst>
+          </p:cNvPr>
+          <p:cNvCxnSpPr>
+            <a:cxnSpLocks/>
+            <a:stCxn id="74" idx="0"/>
+            <a:endCxn id="75" idx="2"/>
+          </p:cNvCxnSpPr>
+          <p:nvPr/>
+        </p:nvCxnSpPr>
+        <p:spPr>
+          <a:xfrm flipV="1">
+            <a:off x="3374384" y="4885429"/>
+            <a:ext cx="1116" cy="259552"/>
+          </a:xfrm>
+          <a:prstGeom prst="straightConnector1">
+            <a:avLst/>
+          </a:prstGeom>
+          <a:ln>
+            <a:tailEnd type="triangle"/>
+          </a:ln>
+        </p:spPr>
+        <p:style>
+          <a:lnRef idx="1">
+            <a:schemeClr val="dk1"/>
+          </a:lnRef>
+          <a:fillRef idx="0">
+            <a:schemeClr val="dk1"/>
+          </a:fillRef>
+          <a:effectRef idx="0">
+            <a:schemeClr val="dk1"/>
+          </a:effectRef>
+          <a:fontRef idx="minor">
+            <a:schemeClr val="tx1"/>
+          </a:fontRef>
+        </p:style>
+      </p:cxnSp>
+      <mc:AlternateContent xmlns:mc="http://schemas.openxmlformats.org/markup-compatibility/2006" xmlns:a14="http://schemas.microsoft.com/office/drawing/2010/main">
+        <mc:Choice Requires="a14">
+          <p:sp>
+            <p:nvSpPr>
+              <p:cNvPr id="77" name="TextBox 76">
+                <a:extLst>
+                  <a:ext uri="{FF2B5EF4-FFF2-40B4-BE49-F238E27FC236}">
+                    <a16:creationId xmlns:a16="http://schemas.microsoft.com/office/drawing/2014/main" id="{7DEF813A-BC7B-BBFF-8026-8A49229AA279}"/>
+                  </a:ext>
+                </a:extLst>
+              </p:cNvPr>
+              <p:cNvSpPr txBox="1"/>
+              <p:nvPr/>
+            </p:nvSpPr>
+            <p:spPr>
+              <a:xfrm>
+                <a:off x="4133056" y="5144981"/>
+                <a:ext cx="1140056" cy="647421"/>
+              </a:xfrm>
+              <a:prstGeom prst="rect">
+                <a:avLst/>
+              </a:prstGeom>
+              <a:noFill/>
+            </p:spPr>
+            <p:txBody>
+              <a:bodyPr wrap="square" lIns="0" tIns="46800" rIns="0">
+                <a:spAutoFit/>
+              </a:bodyPr>
+              <a:lstStyle/>
+              <a:p>
+                <a:pPr algn="ctr"/>
+                <a:r>
+                  <a:rPr lang="en-US" dirty="0">
+                    <a:solidFill>
+                      <a:schemeClr val="bg1">
+                        <a:lumMod val="75000"/>
+                      </a:schemeClr>
+                    </a:solidFill>
+                  </a:rPr>
+                  <a:t> </a:t>
+                </a:r>
+                <a14:m>
+                  <m:oMath xmlns:m="http://schemas.openxmlformats.org/officeDocument/2006/math">
+                    <m:sSup>
+                      <m:sSupPr>
+                        <m:ctrlPr>
+                          <a:rPr lang="hr-HR" b="0" i="1" smtClean="0">
+                            <a:solidFill>
+                              <a:schemeClr val="bg1">
+                                <a:lumMod val="75000"/>
+                              </a:schemeClr>
+                            </a:solidFill>
+                            <a:latin typeface="Cambria Math" panose="02040503050406030204" pitchFamily="18" charset="0"/>
+                          </a:rPr>
+                        </m:ctrlPr>
+                      </m:sSupPr>
+                      <m:e>
+                        <m:r>
+                          <a:rPr lang="hr-HR" b="0" i="1" smtClean="0">
+                            <a:solidFill>
+                              <a:schemeClr val="bg1">
+                                <a:lumMod val="75000"/>
+                              </a:schemeClr>
+                            </a:solidFill>
+                            <a:latin typeface="Cambria Math" panose="02040503050406030204" pitchFamily="18" charset="0"/>
+                          </a:rPr>
+                          <m:t>𝑥</m:t>
+                        </m:r>
+                      </m:e>
+                      <m:sup>
+                        <m:r>
+                          <a:rPr lang="hr-HR" b="0" i="1" smtClean="0">
+                            <a:solidFill>
+                              <a:schemeClr val="bg1">
+                                <a:lumMod val="75000"/>
+                              </a:schemeClr>
+                            </a:solidFill>
+                            <a:latin typeface="Cambria Math" panose="02040503050406030204" pitchFamily="18" charset="0"/>
+                          </a:rPr>
+                          <m:t>&lt;4&gt;</m:t>
+                        </m:r>
+                      </m:sup>
+                    </m:sSup>
+                  </m:oMath>
+                </a14:m>
+                <a:endParaRPr lang="hr-HR" b="0" dirty="0">
+                  <a:solidFill>
+                    <a:schemeClr val="bg1">
+                      <a:lumMod val="75000"/>
+                    </a:schemeClr>
+                  </a:solidFill>
+                </a:endParaRPr>
+              </a:p>
+              <a:p>
+                <a:pPr algn="ctr"/>
+                <a:r>
+                  <a:rPr lang="en-US" dirty="0" err="1">
+                    <a:solidFill>
+                      <a:schemeClr val="bg1">
+                        <a:lumMod val="75000"/>
+                      </a:schemeClr>
+                    </a:solidFill>
+                    <a:effectLst/>
+                  </a:rPr>
+                  <a:t>en</a:t>
+                </a:r>
+                <a:endParaRPr lang="en-US" dirty="0">
+                  <a:solidFill>
+                    <a:schemeClr val="bg1">
+                      <a:lumMod val="75000"/>
+                    </a:schemeClr>
+                  </a:solidFill>
+                  <a:effectLst/>
+                </a:endParaRPr>
+              </a:p>
+            </p:txBody>
+          </p:sp>
+        </mc:Choice>
+        <mc:Fallback xmlns="">
+          <p:sp>
+            <p:nvSpPr>
+              <p:cNvPr id="77" name="TextBox 76">
+                <a:extLst>
+                  <a:ext uri="{FF2B5EF4-FFF2-40B4-BE49-F238E27FC236}">
+                    <a16:creationId xmlns:a16="http://schemas.microsoft.com/office/drawing/2014/main" id="{7DEF813A-BC7B-BBFF-8026-8A49229AA279}"/>
+                  </a:ext>
+                </a:extLst>
+              </p:cNvPr>
+              <p:cNvSpPr txBox="1">
+                <a:spLocks noRot="1" noChangeAspect="1" noMove="1" noResize="1" noEditPoints="1" noAdjustHandles="1" noChangeArrowheads="1" noChangeShapeType="1" noTextEdit="1"/>
+              </p:cNvSpPr>
+              <p:nvPr/>
+            </p:nvSpPr>
+            <p:spPr>
+              <a:xfrm>
+                <a:off x="4133056" y="5144981"/>
+                <a:ext cx="1140056" cy="647421"/>
+              </a:xfrm>
+              <a:prstGeom prst="rect">
+                <a:avLst/>
+              </a:prstGeom>
+              <a:blipFill>
+                <a:blip r:embed="rId11"/>
+                <a:stretch>
+                  <a:fillRect b="-13462"/>
+                </a:stretch>
+              </a:blipFill>
+            </p:spPr>
+            <p:txBody>
+              <a:bodyPr/>
+              <a:lstStyle/>
+              <a:p>
+                <a:r>
+                  <a:rPr lang="en-HR">
+                    <a:noFill/>
+                  </a:rPr>
+                  <a:t> </a:t>
+                </a:r>
+              </a:p>
+            </p:txBody>
+          </p:sp>
+        </mc:Fallback>
+      </mc:AlternateContent>
+      <mc:AlternateContent xmlns:mc="http://schemas.openxmlformats.org/markup-compatibility/2006" xmlns:a14="http://schemas.microsoft.com/office/drawing/2010/main">
+        <mc:Choice Requires="a14">
+          <p:sp>
+            <p:nvSpPr>
+              <p:cNvPr id="78" name="TextBox 77">
+                <a:extLst>
+                  <a:ext uri="{FF2B5EF4-FFF2-40B4-BE49-F238E27FC236}">
+                    <a16:creationId xmlns:a16="http://schemas.microsoft.com/office/drawing/2014/main" id="{2B1CACA2-10EF-60D6-7B3B-378D21CA3C82}"/>
+                  </a:ext>
+                </a:extLst>
+              </p:cNvPr>
+              <p:cNvSpPr txBox="1"/>
+              <p:nvPr/>
+            </p:nvSpPr>
+            <p:spPr>
+              <a:xfrm>
+                <a:off x="4134172" y="4607340"/>
+                <a:ext cx="1140056" cy="278089"/>
+              </a:xfrm>
+              <a:prstGeom prst="rect">
+                <a:avLst/>
+              </a:prstGeom>
+              <a:noFill/>
+            </p:spPr>
+            <p:txBody>
+              <a:bodyPr wrap="none" lIns="0" tIns="46800" rIns="0" rtlCol="0">
+                <a:spAutoFit/>
+              </a:bodyPr>
+              <a:lstStyle/>
+              <a:p>
+                <a:pPr/>
+                <a14:m>
+                  <m:oMathPara xmlns:m="http://schemas.openxmlformats.org/officeDocument/2006/math">
+                    <m:oMathParaPr>
+                      <m:jc m:val="centerGroup"/>
+                    </m:oMathParaPr>
+                    <m:oMath xmlns:m="http://schemas.openxmlformats.org/officeDocument/2006/math">
+                      <m:sSup>
+                        <m:sSupPr>
+                          <m:ctrlPr>
+                            <a:rPr lang="hr-HR" sz="1200" b="0" i="1" smtClean="0">
+                              <a:latin typeface="Cambria Math" panose="02040503050406030204" pitchFamily="18" charset="0"/>
+                            </a:rPr>
+                          </m:ctrlPr>
+                        </m:sSupPr>
+                        <m:e>
+                          <m:r>
+                            <a:rPr lang="hr-HR" sz="1200" b="0" i="1" smtClean="0">
+                              <a:latin typeface="Cambria Math" panose="02040503050406030204" pitchFamily="18" charset="0"/>
+                            </a:rPr>
+                            <m:t>𝑞</m:t>
+                          </m:r>
+                        </m:e>
+                        <m:sup>
+                          <m:r>
+                            <a:rPr lang="hr-HR" sz="1200" b="0" i="1" smtClean="0">
+                              <a:latin typeface="Cambria Math" panose="02040503050406030204" pitchFamily="18" charset="0"/>
+                            </a:rPr>
+                            <m:t>&lt;1&gt;</m:t>
+                          </m:r>
+                        </m:sup>
+                      </m:sSup>
+                      <m:r>
+                        <a:rPr lang="hr-HR" sz="1200" b="0" i="1" smtClean="0">
+                          <a:latin typeface="Cambria Math" panose="02040503050406030204" pitchFamily="18" charset="0"/>
+                        </a:rPr>
+                        <m:t>,</m:t>
+                      </m:r>
+                      <m:sSup>
+                        <m:sSupPr>
+                          <m:ctrlPr>
+                            <a:rPr lang="hr-HR" sz="1200" i="1">
+                              <a:latin typeface="Cambria Math" panose="02040503050406030204" pitchFamily="18" charset="0"/>
+                            </a:rPr>
+                          </m:ctrlPr>
+                        </m:sSupPr>
+                        <m:e>
+                          <m:r>
+                            <a:rPr lang="hr-HR" sz="1200" b="0" i="1" smtClean="0">
+                              <a:latin typeface="Cambria Math" panose="02040503050406030204" pitchFamily="18" charset="0"/>
+                            </a:rPr>
+                            <m:t>𝑘</m:t>
+                          </m:r>
+                        </m:e>
+                        <m:sup>
+                          <m:r>
+                            <a:rPr lang="hr-HR" sz="1200" i="1">
+                              <a:latin typeface="Cambria Math" panose="02040503050406030204" pitchFamily="18" charset="0"/>
+                            </a:rPr>
+                            <m:t>&lt;1&gt;</m:t>
+                          </m:r>
+                        </m:sup>
+                      </m:sSup>
+                      <m:r>
+                        <a:rPr lang="hr-HR" sz="1200" b="0" i="1" smtClean="0">
+                          <a:latin typeface="Cambria Math" panose="02040503050406030204" pitchFamily="18" charset="0"/>
+                        </a:rPr>
+                        <m:t>,</m:t>
+                      </m:r>
+                      <m:sSup>
+                        <m:sSupPr>
+                          <m:ctrlPr>
+                            <a:rPr lang="hr-HR" sz="1200" i="1">
+                              <a:latin typeface="Cambria Math" panose="02040503050406030204" pitchFamily="18" charset="0"/>
+                            </a:rPr>
+                          </m:ctrlPr>
+                        </m:sSupPr>
+                        <m:e>
+                          <m:r>
+                            <a:rPr lang="hr-HR" sz="1200" b="0" i="1" smtClean="0">
+                              <a:latin typeface="Cambria Math" panose="02040503050406030204" pitchFamily="18" charset="0"/>
+                            </a:rPr>
+                            <m:t>𝑣</m:t>
+                          </m:r>
+                        </m:e>
+                        <m:sup>
+                          <m:r>
+                            <a:rPr lang="hr-HR" sz="1200" i="1">
+                              <a:latin typeface="Cambria Math" panose="02040503050406030204" pitchFamily="18" charset="0"/>
+                            </a:rPr>
+                            <m:t>&lt;1&gt;</m:t>
+                          </m:r>
+                        </m:sup>
+                      </m:sSup>
+                    </m:oMath>
+                  </m:oMathPara>
+                </a14:m>
+                <a:endParaRPr lang="en-HR" sz="1200" dirty="0"/>
+              </a:p>
+            </p:txBody>
+          </p:sp>
+        </mc:Choice>
+        <mc:Fallback xmlns="">
+          <p:sp>
+            <p:nvSpPr>
+              <p:cNvPr id="78" name="TextBox 77">
+                <a:extLst>
+                  <a:ext uri="{FF2B5EF4-FFF2-40B4-BE49-F238E27FC236}">
+                    <a16:creationId xmlns:a16="http://schemas.microsoft.com/office/drawing/2014/main" id="{2B1CACA2-10EF-60D6-7B3B-378D21CA3C82}"/>
+                  </a:ext>
+                </a:extLst>
+              </p:cNvPr>
+              <p:cNvSpPr txBox="1">
+                <a:spLocks noRot="1" noChangeAspect="1" noMove="1" noResize="1" noEditPoints="1" noAdjustHandles="1" noChangeArrowheads="1" noChangeShapeType="1" noTextEdit="1"/>
+              </p:cNvSpPr>
+              <p:nvPr/>
+            </p:nvSpPr>
+            <p:spPr>
+              <a:xfrm>
+                <a:off x="4134172" y="4607340"/>
+                <a:ext cx="1140056" cy="278089"/>
+              </a:xfrm>
+              <a:prstGeom prst="rect">
+                <a:avLst/>
+              </a:prstGeom>
+              <a:blipFill>
+                <a:blip r:embed="rId12"/>
+                <a:stretch>
+                  <a:fillRect l="-3297" r="-1099" b="-4348"/>
+                </a:stretch>
+              </a:blipFill>
+            </p:spPr>
+            <p:txBody>
+              <a:bodyPr/>
+              <a:lstStyle/>
+              <a:p>
+                <a:r>
+                  <a:rPr lang="en-HR">
+                    <a:noFill/>
+                  </a:rPr>
+                  <a:t> </a:t>
+                </a:r>
+              </a:p>
+            </p:txBody>
+          </p:sp>
+        </mc:Fallback>
+      </mc:AlternateContent>
+      <p:cxnSp>
+        <p:nvCxnSpPr>
+          <p:cNvPr id="79" name="Straight Arrow Connector 78">
+            <a:extLst>
+              <a:ext uri="{FF2B5EF4-FFF2-40B4-BE49-F238E27FC236}">
+                <a16:creationId xmlns:a16="http://schemas.microsoft.com/office/drawing/2014/main" id="{AD3544D2-ACA3-321A-E10A-011C30689489}"/>
+              </a:ext>
+            </a:extLst>
+          </p:cNvPr>
+          <p:cNvCxnSpPr>
+            <a:cxnSpLocks/>
+            <a:stCxn id="77" idx="0"/>
+            <a:endCxn id="78" idx="2"/>
+          </p:cNvCxnSpPr>
+          <p:nvPr/>
+        </p:nvCxnSpPr>
+        <p:spPr>
+          <a:xfrm flipV="1">
+            <a:off x="4703084" y="4885429"/>
+            <a:ext cx="1116" cy="259552"/>
+          </a:xfrm>
+          <a:prstGeom prst="straightConnector1">
+            <a:avLst/>
+          </a:prstGeom>
+          <a:ln>
+            <a:tailEnd type="triangle"/>
+          </a:ln>
+        </p:spPr>
+        <p:style>
+          <a:lnRef idx="1">
+            <a:schemeClr val="dk1"/>
+          </a:lnRef>
+          <a:fillRef idx="0">
+            <a:schemeClr val="dk1"/>
+          </a:fillRef>
+          <a:effectRef idx="0">
+            <a:schemeClr val="dk1"/>
+          </a:effectRef>
+          <a:fontRef idx="minor">
+            <a:schemeClr val="tx1"/>
+          </a:fontRef>
+        </p:style>
+      </p:cxnSp>
+      <mc:AlternateContent xmlns:mc="http://schemas.openxmlformats.org/markup-compatibility/2006" xmlns:a14="http://schemas.microsoft.com/office/drawing/2010/main">
+        <mc:Choice Requires="a14">
+          <p:sp>
+            <p:nvSpPr>
+              <p:cNvPr id="80" name="TextBox 79">
+                <a:extLst>
+                  <a:ext uri="{FF2B5EF4-FFF2-40B4-BE49-F238E27FC236}">
+                    <a16:creationId xmlns:a16="http://schemas.microsoft.com/office/drawing/2014/main" id="{E4D7893E-18B7-E162-CCA0-433E5194DFA3}"/>
+                  </a:ext>
+                </a:extLst>
+              </p:cNvPr>
+              <p:cNvSpPr txBox="1"/>
+              <p:nvPr/>
+            </p:nvSpPr>
+            <p:spPr>
+              <a:xfrm>
+                <a:off x="5461756" y="5144981"/>
+                <a:ext cx="1140056" cy="647421"/>
+              </a:xfrm>
+              <a:prstGeom prst="rect">
+                <a:avLst/>
+              </a:prstGeom>
+              <a:noFill/>
+            </p:spPr>
+            <p:txBody>
+              <a:bodyPr wrap="square" lIns="0" tIns="46800" rIns="0">
+                <a:spAutoFit/>
+              </a:bodyPr>
+              <a:lstStyle/>
+              <a:p>
+                <a:pPr algn="ctr"/>
+                <a:r>
+                  <a:rPr lang="en-US" dirty="0">
+                    <a:solidFill>
+                      <a:schemeClr val="bg1">
+                        <a:lumMod val="75000"/>
+                      </a:schemeClr>
+                    </a:solidFill>
+                  </a:rPr>
+                  <a:t> </a:t>
+                </a:r>
+                <a14:m>
+                  <m:oMath xmlns:m="http://schemas.openxmlformats.org/officeDocument/2006/math">
+                    <m:sSup>
+                      <m:sSupPr>
+                        <m:ctrlPr>
+                          <a:rPr lang="hr-HR" b="0" i="1" smtClean="0">
+                            <a:solidFill>
+                              <a:schemeClr val="bg1">
+                                <a:lumMod val="75000"/>
+                              </a:schemeClr>
+                            </a:solidFill>
+                            <a:latin typeface="Cambria Math" panose="02040503050406030204" pitchFamily="18" charset="0"/>
+                          </a:rPr>
+                        </m:ctrlPr>
+                      </m:sSupPr>
+                      <m:e>
+                        <m:r>
+                          <a:rPr lang="hr-HR" b="0" i="1" smtClean="0">
+                            <a:solidFill>
+                              <a:schemeClr val="bg1">
+                                <a:lumMod val="75000"/>
+                              </a:schemeClr>
+                            </a:solidFill>
+                            <a:latin typeface="Cambria Math" panose="02040503050406030204" pitchFamily="18" charset="0"/>
+                          </a:rPr>
+                          <m:t>𝑥</m:t>
+                        </m:r>
+                      </m:e>
+                      <m:sup>
+                        <m:r>
+                          <a:rPr lang="hr-HR" b="0" i="1" smtClean="0">
+                            <a:solidFill>
+                              <a:schemeClr val="bg1">
+                                <a:lumMod val="75000"/>
+                              </a:schemeClr>
+                            </a:solidFill>
+                            <a:latin typeface="Cambria Math" panose="02040503050406030204" pitchFamily="18" charset="0"/>
+                          </a:rPr>
+                          <m:t>&lt;5&gt;</m:t>
+                        </m:r>
+                      </m:sup>
+                    </m:sSup>
+                  </m:oMath>
+                </a14:m>
+                <a:endParaRPr lang="hr-HR" b="0" dirty="0">
+                  <a:solidFill>
+                    <a:schemeClr val="bg1">
+                      <a:lumMod val="75000"/>
+                    </a:schemeClr>
+                  </a:solidFill>
+                </a:endParaRPr>
+              </a:p>
+              <a:p>
+                <a:pPr algn="ctr"/>
+                <a:r>
+                  <a:rPr lang="en-US" dirty="0" err="1">
+                    <a:solidFill>
+                      <a:schemeClr val="bg1">
+                        <a:lumMod val="75000"/>
+                      </a:schemeClr>
+                    </a:solidFill>
+                    <a:effectLst/>
+                  </a:rPr>
+                  <a:t>septembre</a:t>
+                </a:r>
+                <a:endParaRPr lang="en-US" dirty="0">
+                  <a:solidFill>
+                    <a:schemeClr val="bg1">
+                      <a:lumMod val="75000"/>
+                    </a:schemeClr>
+                  </a:solidFill>
+                  <a:effectLst/>
+                </a:endParaRPr>
+              </a:p>
+            </p:txBody>
+          </p:sp>
+        </mc:Choice>
+        <mc:Fallback xmlns="">
+          <p:sp>
+            <p:nvSpPr>
+              <p:cNvPr id="80" name="TextBox 79">
+                <a:extLst>
+                  <a:ext uri="{FF2B5EF4-FFF2-40B4-BE49-F238E27FC236}">
+                    <a16:creationId xmlns:a16="http://schemas.microsoft.com/office/drawing/2014/main" id="{E4D7893E-18B7-E162-CCA0-433E5194DFA3}"/>
+                  </a:ext>
+                </a:extLst>
+              </p:cNvPr>
+              <p:cNvSpPr txBox="1">
+                <a:spLocks noRot="1" noChangeAspect="1" noMove="1" noResize="1" noEditPoints="1" noAdjustHandles="1" noChangeArrowheads="1" noChangeShapeType="1" noTextEdit="1"/>
+              </p:cNvSpPr>
+              <p:nvPr/>
+            </p:nvSpPr>
+            <p:spPr>
+              <a:xfrm>
+                <a:off x="5461756" y="5144981"/>
+                <a:ext cx="1140056" cy="647421"/>
+              </a:xfrm>
+              <a:prstGeom prst="rect">
+                <a:avLst/>
+              </a:prstGeom>
+              <a:blipFill>
+                <a:blip r:embed="rId13"/>
+                <a:stretch>
+                  <a:fillRect l="-6667" r="-6667" b="-15385"/>
+                </a:stretch>
+              </a:blipFill>
+            </p:spPr>
+            <p:txBody>
+              <a:bodyPr/>
+              <a:lstStyle/>
+              <a:p>
+                <a:r>
+                  <a:rPr lang="en-HR">
+                    <a:noFill/>
+                  </a:rPr>
+                  <a:t> </a:t>
+                </a:r>
+              </a:p>
+            </p:txBody>
+          </p:sp>
+        </mc:Fallback>
+      </mc:AlternateContent>
+      <mc:AlternateContent xmlns:mc="http://schemas.openxmlformats.org/markup-compatibility/2006" xmlns:a14="http://schemas.microsoft.com/office/drawing/2010/main">
+        <mc:Choice Requires="a14">
+          <p:sp>
+            <p:nvSpPr>
+              <p:cNvPr id="81" name="TextBox 80">
+                <a:extLst>
+                  <a:ext uri="{FF2B5EF4-FFF2-40B4-BE49-F238E27FC236}">
+                    <a16:creationId xmlns:a16="http://schemas.microsoft.com/office/drawing/2014/main" id="{C0D89142-D25F-6EA2-80EF-020E81EBC387}"/>
+                  </a:ext>
+                </a:extLst>
+              </p:cNvPr>
+              <p:cNvSpPr txBox="1"/>
+              <p:nvPr/>
+            </p:nvSpPr>
+            <p:spPr>
+              <a:xfrm>
+                <a:off x="5462872" y="4607340"/>
+                <a:ext cx="1140056" cy="278089"/>
+              </a:xfrm>
+              <a:prstGeom prst="rect">
+                <a:avLst/>
+              </a:prstGeom>
+              <a:noFill/>
+            </p:spPr>
+            <p:txBody>
+              <a:bodyPr wrap="none" lIns="0" tIns="46800" rIns="0" rtlCol="0">
+                <a:spAutoFit/>
+              </a:bodyPr>
+              <a:lstStyle/>
+              <a:p>
+                <a:pPr/>
+                <a14:m>
+                  <m:oMathPara xmlns:m="http://schemas.openxmlformats.org/officeDocument/2006/math">
+                    <m:oMathParaPr>
+                      <m:jc m:val="centerGroup"/>
+                    </m:oMathParaPr>
+                    <m:oMath xmlns:m="http://schemas.openxmlformats.org/officeDocument/2006/math">
+                      <m:sSup>
+                        <m:sSupPr>
+                          <m:ctrlPr>
+                            <a:rPr lang="hr-HR" sz="1200" b="0" i="1" smtClean="0">
+                              <a:latin typeface="Cambria Math" panose="02040503050406030204" pitchFamily="18" charset="0"/>
+                            </a:rPr>
+                          </m:ctrlPr>
+                        </m:sSupPr>
+                        <m:e>
+                          <m:r>
+                            <a:rPr lang="hr-HR" sz="1200" b="0" i="1" smtClean="0">
+                              <a:latin typeface="Cambria Math" panose="02040503050406030204" pitchFamily="18" charset="0"/>
+                            </a:rPr>
+                            <m:t>𝑞</m:t>
+                          </m:r>
+                        </m:e>
+                        <m:sup>
+                          <m:r>
+                            <a:rPr lang="hr-HR" sz="1200" b="0" i="1" smtClean="0">
+                              <a:latin typeface="Cambria Math" panose="02040503050406030204" pitchFamily="18" charset="0"/>
+                            </a:rPr>
+                            <m:t>&lt;1&gt;</m:t>
+                          </m:r>
+                        </m:sup>
+                      </m:sSup>
+                      <m:r>
+                        <a:rPr lang="hr-HR" sz="1200" b="0" i="1" smtClean="0">
+                          <a:latin typeface="Cambria Math" panose="02040503050406030204" pitchFamily="18" charset="0"/>
+                        </a:rPr>
+                        <m:t>,</m:t>
+                      </m:r>
+                      <m:sSup>
+                        <m:sSupPr>
+                          <m:ctrlPr>
+                            <a:rPr lang="hr-HR" sz="1200" i="1">
+                              <a:latin typeface="Cambria Math" panose="02040503050406030204" pitchFamily="18" charset="0"/>
+                            </a:rPr>
+                          </m:ctrlPr>
+                        </m:sSupPr>
+                        <m:e>
+                          <m:r>
+                            <a:rPr lang="hr-HR" sz="1200" b="0" i="1" smtClean="0">
+                              <a:latin typeface="Cambria Math" panose="02040503050406030204" pitchFamily="18" charset="0"/>
+                            </a:rPr>
+                            <m:t>𝑘</m:t>
+                          </m:r>
+                        </m:e>
+                        <m:sup>
+                          <m:r>
+                            <a:rPr lang="hr-HR" sz="1200" i="1">
+                              <a:latin typeface="Cambria Math" panose="02040503050406030204" pitchFamily="18" charset="0"/>
+                            </a:rPr>
+                            <m:t>&lt;1&gt;</m:t>
+                          </m:r>
+                        </m:sup>
+                      </m:sSup>
+                      <m:r>
+                        <a:rPr lang="hr-HR" sz="1200" b="0" i="1" smtClean="0">
+                          <a:latin typeface="Cambria Math" panose="02040503050406030204" pitchFamily="18" charset="0"/>
+                        </a:rPr>
+                        <m:t>,</m:t>
+                      </m:r>
+                      <m:sSup>
+                        <m:sSupPr>
+                          <m:ctrlPr>
+                            <a:rPr lang="hr-HR" sz="1200" i="1">
+                              <a:latin typeface="Cambria Math" panose="02040503050406030204" pitchFamily="18" charset="0"/>
+                            </a:rPr>
+                          </m:ctrlPr>
+                        </m:sSupPr>
+                        <m:e>
+                          <m:r>
+                            <a:rPr lang="hr-HR" sz="1200" b="0" i="1" smtClean="0">
+                              <a:latin typeface="Cambria Math" panose="02040503050406030204" pitchFamily="18" charset="0"/>
+                            </a:rPr>
+                            <m:t>𝑣</m:t>
+                          </m:r>
+                        </m:e>
+                        <m:sup>
+                          <m:r>
+                            <a:rPr lang="hr-HR" sz="1200" i="1">
+                              <a:latin typeface="Cambria Math" panose="02040503050406030204" pitchFamily="18" charset="0"/>
+                            </a:rPr>
+                            <m:t>&lt;1&gt;</m:t>
+                          </m:r>
+                        </m:sup>
+                      </m:sSup>
+                    </m:oMath>
+                  </m:oMathPara>
+                </a14:m>
+                <a:endParaRPr lang="en-HR" sz="1200" dirty="0"/>
+              </a:p>
+            </p:txBody>
+          </p:sp>
+        </mc:Choice>
+        <mc:Fallback xmlns="">
+          <p:sp>
+            <p:nvSpPr>
+              <p:cNvPr id="81" name="TextBox 80">
+                <a:extLst>
+                  <a:ext uri="{FF2B5EF4-FFF2-40B4-BE49-F238E27FC236}">
+                    <a16:creationId xmlns:a16="http://schemas.microsoft.com/office/drawing/2014/main" id="{C0D89142-D25F-6EA2-80EF-020E81EBC387}"/>
+                  </a:ext>
+                </a:extLst>
+              </p:cNvPr>
+              <p:cNvSpPr txBox="1">
+                <a:spLocks noRot="1" noChangeAspect="1" noMove="1" noResize="1" noEditPoints="1" noAdjustHandles="1" noChangeArrowheads="1" noChangeShapeType="1" noTextEdit="1"/>
+              </p:cNvSpPr>
+              <p:nvPr/>
+            </p:nvSpPr>
+            <p:spPr>
+              <a:xfrm>
+                <a:off x="5462872" y="4607340"/>
+                <a:ext cx="1140056" cy="278089"/>
+              </a:xfrm>
+              <a:prstGeom prst="rect">
+                <a:avLst/>
+              </a:prstGeom>
+              <a:blipFill>
+                <a:blip r:embed="rId14"/>
+                <a:stretch>
+                  <a:fillRect l="-3333" r="-1111" b="-4348"/>
+                </a:stretch>
+              </a:blipFill>
+            </p:spPr>
+            <p:txBody>
+              <a:bodyPr/>
+              <a:lstStyle/>
+              <a:p>
+                <a:r>
+                  <a:rPr lang="en-HR">
+                    <a:noFill/>
+                  </a:rPr>
+                  <a:t> </a:t>
+                </a:r>
+              </a:p>
+            </p:txBody>
+          </p:sp>
+        </mc:Fallback>
+      </mc:AlternateContent>
+      <p:cxnSp>
+        <p:nvCxnSpPr>
+          <p:cNvPr id="82" name="Straight Arrow Connector 81">
+            <a:extLst>
+              <a:ext uri="{FF2B5EF4-FFF2-40B4-BE49-F238E27FC236}">
+                <a16:creationId xmlns:a16="http://schemas.microsoft.com/office/drawing/2014/main" id="{8A9138A0-DB0D-9B18-EC85-EF1B294C09FD}"/>
+              </a:ext>
+            </a:extLst>
+          </p:cNvPr>
+          <p:cNvCxnSpPr>
+            <a:cxnSpLocks/>
+            <a:stCxn id="80" idx="0"/>
+            <a:endCxn id="81" idx="2"/>
+          </p:cNvCxnSpPr>
+          <p:nvPr/>
+        </p:nvCxnSpPr>
+        <p:spPr>
+          <a:xfrm flipV="1">
+            <a:off x="6031784" y="4885429"/>
+            <a:ext cx="1116" cy="259552"/>
+          </a:xfrm>
+          <a:prstGeom prst="straightConnector1">
+            <a:avLst/>
+          </a:prstGeom>
+          <a:ln>
+            <a:tailEnd type="triangle"/>
+          </a:ln>
+        </p:spPr>
+        <p:style>
+          <a:lnRef idx="1">
+            <a:schemeClr val="dk1"/>
+          </a:lnRef>
+          <a:fillRef idx="0">
+            <a:schemeClr val="dk1"/>
+          </a:fillRef>
+          <a:effectRef idx="0">
+            <a:schemeClr val="dk1"/>
+          </a:effectRef>
+          <a:fontRef idx="minor">
+            <a:schemeClr val="tx1"/>
+          </a:fontRef>
+        </p:style>
+      </p:cxnSp>
+      <mc:AlternateContent xmlns:mc="http://schemas.openxmlformats.org/markup-compatibility/2006" xmlns:a14="http://schemas.microsoft.com/office/drawing/2010/main">
+        <mc:Choice Requires="a14">
+          <p:sp>
+            <p:nvSpPr>
+              <p:cNvPr id="5" name="Rounded Rectangle 4">
+                <a:extLst>
+                  <a:ext uri="{FF2B5EF4-FFF2-40B4-BE49-F238E27FC236}">
+                    <a16:creationId xmlns:a16="http://schemas.microsoft.com/office/drawing/2014/main" id="{C4D63A23-8BB2-A172-85D5-98C214DC721D}"/>
+                  </a:ext>
+                </a:extLst>
+              </p:cNvPr>
+              <p:cNvSpPr/>
+              <p:nvPr/>
+            </p:nvSpPr>
+            <p:spPr>
+              <a:xfrm>
+                <a:off x="899592" y="3950477"/>
+                <a:ext cx="936000" cy="324000"/>
+              </a:xfrm>
+              <a:prstGeom prst="roundRect">
+                <a:avLst/>
+              </a:prstGeom>
+              <a:solidFill>
+                <a:schemeClr val="bg1"/>
+              </a:solidFill>
+              <a:ln>
+                <a:solidFill>
+                  <a:schemeClr val="tx1"/>
+                </a:solidFill>
+              </a:ln>
+            </p:spPr>
+            <p:style>
+              <a:lnRef idx="2">
+                <a:schemeClr val="accent6"/>
+              </a:lnRef>
+              <a:fillRef idx="1">
+                <a:schemeClr val="lt1"/>
+              </a:fillRef>
+              <a:effectRef idx="0">
+                <a:schemeClr val="accent6"/>
+              </a:effectRef>
+              <a:fontRef idx="minor">
+                <a:schemeClr val="dk1"/>
+              </a:fontRef>
+            </p:style>
+            <p:txBody>
+              <a:bodyPr lIns="0" rIns="0" rtlCol="0" anchor="ctr"/>
+              <a:lstStyle/>
+              <a:p>
+                <a:pPr algn="ctr"/>
+                <a14:m>
+                  <m:oMathPara xmlns:m="http://schemas.openxmlformats.org/officeDocument/2006/math">
+                    <m:oMathParaPr>
+                      <m:jc m:val="center"/>
+                    </m:oMathParaPr>
+                    <m:oMath xmlns:m="http://schemas.openxmlformats.org/officeDocument/2006/math">
+                      <m:sSup>
+                        <m:sSupPr>
+                          <m:ctrlPr>
+                            <a:rPr lang="hr-HR" sz="1200" b="0" i="1" smtClean="0">
+                              <a:latin typeface="Cambria Math" panose="02040503050406030204" pitchFamily="18" charset="0"/>
+                            </a:rPr>
+                          </m:ctrlPr>
+                        </m:sSupPr>
+                        <m:e>
+                          <m:r>
+                            <a:rPr lang="hr-HR" sz="1200" b="0" i="1" smtClean="0">
+                              <a:latin typeface="Cambria Math" panose="02040503050406030204" pitchFamily="18" charset="0"/>
+                            </a:rPr>
+                            <m:t>𝑞</m:t>
+                          </m:r>
+                        </m:e>
+                        <m:sup>
+                          <m:r>
+                            <a:rPr lang="hr-HR" sz="1200" b="0" i="1" smtClean="0">
+                              <a:latin typeface="Cambria Math" panose="02040503050406030204" pitchFamily="18" charset="0"/>
+                            </a:rPr>
+                            <m:t>&lt;3&gt;</m:t>
+                          </m:r>
+                        </m:sup>
+                      </m:sSup>
+                      <m:r>
+                        <a:rPr lang="hr-HR" sz="1200" b="0" i="1" smtClean="0">
+                          <a:latin typeface="Cambria Math" panose="02040503050406030204" pitchFamily="18" charset="0"/>
+                          <a:ea typeface="Cambria Math" panose="02040503050406030204" pitchFamily="18" charset="0"/>
+                        </a:rPr>
+                        <m:t>∙</m:t>
+                      </m:r>
+                      <m:sSup>
+                        <m:sSupPr>
+                          <m:ctrlPr>
+                            <a:rPr lang="hr-HR" sz="1200" b="0" i="1" smtClean="0">
+                              <a:latin typeface="Cambria Math" panose="02040503050406030204" pitchFamily="18" charset="0"/>
+                              <a:ea typeface="Cambria Math" panose="02040503050406030204" pitchFamily="18" charset="0"/>
+                            </a:rPr>
+                          </m:ctrlPr>
+                        </m:sSupPr>
+                        <m:e>
+                          <m:r>
+                            <a:rPr lang="hr-HR" sz="1200" b="0" i="1" smtClean="0">
+                              <a:latin typeface="Cambria Math" panose="02040503050406030204" pitchFamily="18" charset="0"/>
+                              <a:ea typeface="Cambria Math" panose="02040503050406030204" pitchFamily="18" charset="0"/>
+                            </a:rPr>
+                            <m:t>𝑘</m:t>
+                          </m:r>
+                        </m:e>
+                        <m:sup>
+                          <m:r>
+                            <a:rPr lang="hr-HR" sz="1200" b="0" i="1" smtClean="0">
+                              <a:latin typeface="Cambria Math" panose="02040503050406030204" pitchFamily="18" charset="0"/>
+                              <a:ea typeface="Cambria Math" panose="02040503050406030204" pitchFamily="18" charset="0"/>
+                            </a:rPr>
+                            <m:t>&lt;1&gt;</m:t>
+                          </m:r>
+                        </m:sup>
+                      </m:sSup>
+                      <m:r>
+                        <a:rPr lang="hr-HR" sz="1200" b="0" i="1" smtClean="0">
+                          <a:latin typeface="Cambria Math" panose="02040503050406030204" pitchFamily="18" charset="0"/>
+                          <a:ea typeface="Cambria Math" panose="02040503050406030204" pitchFamily="18" charset="0"/>
+                        </a:rPr>
+                        <m:t> </m:t>
+                      </m:r>
+                    </m:oMath>
+                  </m:oMathPara>
+                </a14:m>
+                <a:endParaRPr lang="en-HR" sz="1200" dirty="0"/>
+              </a:p>
+            </p:txBody>
+          </p:sp>
+        </mc:Choice>
+        <mc:Fallback xmlns="">
+          <p:sp>
+            <p:nvSpPr>
+              <p:cNvPr id="5" name="Rounded Rectangle 4">
+                <a:extLst>
+                  <a:ext uri="{FF2B5EF4-FFF2-40B4-BE49-F238E27FC236}">
+                    <a16:creationId xmlns:a16="http://schemas.microsoft.com/office/drawing/2014/main" id="{C4D63A23-8BB2-A172-85D5-98C214DC721D}"/>
+                  </a:ext>
+                </a:extLst>
+              </p:cNvPr>
+              <p:cNvSpPr>
+                <a:spLocks noRot="1" noChangeAspect="1" noMove="1" noResize="1" noEditPoints="1" noAdjustHandles="1" noChangeArrowheads="1" noChangeShapeType="1" noTextEdit="1"/>
+              </p:cNvSpPr>
+              <p:nvPr/>
+            </p:nvSpPr>
+            <p:spPr>
+              <a:xfrm>
+                <a:off x="899592" y="3950477"/>
+                <a:ext cx="936000" cy="324000"/>
+              </a:xfrm>
+              <a:prstGeom prst="roundRect">
+                <a:avLst/>
+              </a:prstGeom>
+              <a:blipFill>
+                <a:blip r:embed="rId15"/>
+                <a:stretch>
+                  <a:fillRect/>
+                </a:stretch>
+              </a:blipFill>
+              <a:ln>
+                <a:solidFill>
+                  <a:schemeClr val="tx1"/>
+                </a:solidFill>
+              </a:ln>
+            </p:spPr>
+            <p:txBody>
+              <a:bodyPr/>
+              <a:lstStyle/>
+              <a:p>
+                <a:r>
+                  <a:rPr lang="en-HR">
+                    <a:noFill/>
+                  </a:rPr>
+                  <a:t> </a:t>
+                </a:r>
+              </a:p>
+            </p:txBody>
+          </p:sp>
+        </mc:Fallback>
+      </mc:AlternateContent>
+      <p:sp>
+        <p:nvSpPr>
+          <p:cNvPr id="10" name="Oval 9">
+            <a:extLst>
+              <a:ext uri="{FF2B5EF4-FFF2-40B4-BE49-F238E27FC236}">
+                <a16:creationId xmlns:a16="http://schemas.microsoft.com/office/drawing/2014/main" id="{74294E03-37EB-D3F9-F60A-D646C95659B3}"/>
+              </a:ext>
+            </a:extLst>
+          </p:cNvPr>
+          <p:cNvSpPr/>
+          <p:nvPr/>
+        </p:nvSpPr>
+        <p:spPr>
+          <a:xfrm>
+            <a:off x="3207624" y="2780928"/>
+            <a:ext cx="333520" cy="333520"/>
+          </a:xfrm>
+          <a:prstGeom prst="ellipse">
+            <a:avLst/>
+          </a:prstGeom>
+          <a:ln>
+            <a:solidFill>
+              <a:schemeClr val="tx1"/>
+            </a:solidFill>
+          </a:ln>
+        </p:spPr>
+        <p:style>
+          <a:lnRef idx="2">
+            <a:schemeClr val="accent6"/>
+          </a:lnRef>
+          <a:fillRef idx="1">
+            <a:schemeClr val="lt1"/>
+          </a:fillRef>
+          <a:effectRef idx="0">
+            <a:schemeClr val="accent6"/>
+          </a:effectRef>
+          <a:fontRef idx="minor">
+            <a:schemeClr val="dk1"/>
+          </a:fontRef>
+        </p:style>
+        <p:txBody>
+          <a:bodyPr rtlCol="0" anchor="ctr"/>
+          <a:lstStyle/>
+          <a:p>
+            <a:pPr algn="ctr"/>
+            <a:r>
+              <a:rPr lang="en-HR" dirty="0"/>
+              <a:t>+</a:t>
+            </a:r>
+          </a:p>
+        </p:txBody>
+      </p:sp>
+      <p:sp>
+        <p:nvSpPr>
+          <p:cNvPr id="11" name="Oval 10">
+            <a:extLst>
+              <a:ext uri="{FF2B5EF4-FFF2-40B4-BE49-F238E27FC236}">
+                <a16:creationId xmlns:a16="http://schemas.microsoft.com/office/drawing/2014/main" id="{1F64396C-7C83-1BFF-4AFB-0080F3E0F06A}"/>
+              </a:ext>
+            </a:extLst>
+          </p:cNvPr>
+          <p:cNvSpPr/>
+          <p:nvPr/>
+        </p:nvSpPr>
+        <p:spPr>
+          <a:xfrm>
+            <a:off x="1200832" y="3364893"/>
+            <a:ext cx="333520" cy="333520"/>
+          </a:xfrm>
+          <a:prstGeom prst="ellipse">
+            <a:avLst/>
+          </a:prstGeom>
+          <a:ln>
+            <a:solidFill>
+              <a:schemeClr val="tx1"/>
+            </a:solidFill>
+          </a:ln>
+        </p:spPr>
+        <p:style>
+          <a:lnRef idx="2">
+            <a:schemeClr val="accent6"/>
+          </a:lnRef>
+          <a:fillRef idx="1">
+            <a:schemeClr val="lt1"/>
+          </a:fillRef>
+          <a:effectRef idx="0">
+            <a:schemeClr val="accent6"/>
+          </a:effectRef>
+          <a:fontRef idx="minor">
+            <a:schemeClr val="dk1"/>
+          </a:fontRef>
+        </p:style>
+        <p:txBody>
+          <a:bodyPr rtlCol="0" anchor="ctr"/>
+          <a:lstStyle/>
+          <a:p>
+            <a:pPr algn="ctr"/>
+            <a:r>
+              <a:rPr lang="en-HR" dirty="0"/>
+              <a:t>×</a:t>
+            </a:r>
+          </a:p>
+        </p:txBody>
+      </p:sp>
+      <p:cxnSp>
+        <p:nvCxnSpPr>
+          <p:cNvPr id="15" name="Straight Arrow Connector 14">
+            <a:extLst>
+              <a:ext uri="{FF2B5EF4-FFF2-40B4-BE49-F238E27FC236}">
+                <a16:creationId xmlns:a16="http://schemas.microsoft.com/office/drawing/2014/main" id="{D6E2B3B4-B082-A132-B045-59F58AE0C029}"/>
+              </a:ext>
+            </a:extLst>
+          </p:cNvPr>
+          <p:cNvCxnSpPr>
+            <a:cxnSpLocks/>
+            <a:stCxn id="5" idx="0"/>
+            <a:endCxn id="11" idx="4"/>
+          </p:cNvCxnSpPr>
+          <p:nvPr/>
+        </p:nvCxnSpPr>
+        <p:spPr>
+          <a:xfrm flipV="1">
+            <a:off x="1367592" y="3698413"/>
+            <a:ext cx="0" cy="252064"/>
+          </a:xfrm>
+          <a:prstGeom prst="straightConnector1">
+            <a:avLst/>
+          </a:prstGeom>
+          <a:ln>
+            <a:tailEnd type="triangle"/>
+          </a:ln>
+        </p:spPr>
+        <p:style>
+          <a:lnRef idx="1">
+            <a:schemeClr val="dk1"/>
+          </a:lnRef>
+          <a:fillRef idx="0">
+            <a:schemeClr val="dk1"/>
+          </a:fillRef>
+          <a:effectRef idx="0">
+            <a:schemeClr val="dk1"/>
+          </a:effectRef>
+          <a:fontRef idx="minor">
+            <a:schemeClr val="tx1"/>
+          </a:fontRef>
+        </p:style>
+      </p:cxnSp>
+      <p:cxnSp>
+        <p:nvCxnSpPr>
+          <p:cNvPr id="20" name="Straight Arrow Connector 19">
+            <a:extLst>
+              <a:ext uri="{FF2B5EF4-FFF2-40B4-BE49-F238E27FC236}">
+                <a16:creationId xmlns:a16="http://schemas.microsoft.com/office/drawing/2014/main" id="{0FF8A376-A33B-797E-B00A-868153DAFFB3}"/>
+              </a:ext>
+            </a:extLst>
+          </p:cNvPr>
+          <p:cNvCxnSpPr>
+            <a:cxnSpLocks/>
+            <a:stCxn id="75" idx="0"/>
+            <a:endCxn id="5" idx="2"/>
+          </p:cNvCxnSpPr>
+          <p:nvPr/>
+        </p:nvCxnSpPr>
+        <p:spPr>
+          <a:xfrm flipH="1" flipV="1">
+            <a:off x="1367592" y="4274477"/>
+            <a:ext cx="2007908" cy="332863"/>
+          </a:xfrm>
+          <a:prstGeom prst="straightConnector1">
+            <a:avLst/>
+          </a:prstGeom>
+          <a:ln>
+            <a:tailEnd type="triangle"/>
+          </a:ln>
+        </p:spPr>
+        <p:style>
+          <a:lnRef idx="1">
+            <a:schemeClr val="dk1"/>
+          </a:lnRef>
+          <a:fillRef idx="0">
+            <a:schemeClr val="dk1"/>
+          </a:fillRef>
+          <a:effectRef idx="0">
+            <a:schemeClr val="dk1"/>
+          </a:effectRef>
+          <a:fontRef idx="minor">
+            <a:schemeClr val="tx1"/>
+          </a:fontRef>
+        </p:style>
+      </p:cxnSp>
+      <p:cxnSp>
+        <p:nvCxnSpPr>
+          <p:cNvPr id="23" name="Straight Arrow Connector 22">
+            <a:extLst>
+              <a:ext uri="{FF2B5EF4-FFF2-40B4-BE49-F238E27FC236}">
+                <a16:creationId xmlns:a16="http://schemas.microsoft.com/office/drawing/2014/main" id="{0067985B-1190-BA52-8C61-535C0EE549AE}"/>
+              </a:ext>
+            </a:extLst>
+          </p:cNvPr>
+          <p:cNvCxnSpPr>
+            <a:cxnSpLocks/>
+            <a:stCxn id="3" idx="0"/>
+            <a:endCxn id="5" idx="2"/>
+          </p:cNvCxnSpPr>
+          <p:nvPr/>
+        </p:nvCxnSpPr>
+        <p:spPr>
+          <a:xfrm flipV="1">
+            <a:off x="718100" y="4274477"/>
+            <a:ext cx="649492" cy="332863"/>
+          </a:xfrm>
+          <a:prstGeom prst="straightConnector1">
+            <a:avLst/>
+          </a:prstGeom>
+          <a:ln>
+            <a:tailEnd type="triangle"/>
+          </a:ln>
+        </p:spPr>
+        <p:style>
+          <a:lnRef idx="1">
+            <a:schemeClr val="dk1"/>
+          </a:lnRef>
+          <a:fillRef idx="0">
+            <a:schemeClr val="dk1"/>
+          </a:fillRef>
+          <a:effectRef idx="0">
+            <a:schemeClr val="dk1"/>
+          </a:effectRef>
+          <a:fontRef idx="minor">
+            <a:schemeClr val="tx1"/>
+          </a:fontRef>
+        </p:style>
+      </p:cxnSp>
+      <mc:AlternateContent xmlns:mc="http://schemas.openxmlformats.org/markup-compatibility/2006" xmlns:a14="http://schemas.microsoft.com/office/drawing/2010/main">
+        <mc:Choice Requires="a14">
+          <p:sp>
+            <p:nvSpPr>
+              <p:cNvPr id="36" name="Rounded Rectangle 35">
+                <a:extLst>
+                  <a:ext uri="{FF2B5EF4-FFF2-40B4-BE49-F238E27FC236}">
+                    <a16:creationId xmlns:a16="http://schemas.microsoft.com/office/drawing/2014/main" id="{698672B5-B73E-9B8F-C9D7-F3CDBC2D9EB9}"/>
+                  </a:ext>
+                </a:extLst>
+              </p:cNvPr>
+              <p:cNvSpPr/>
+              <p:nvPr/>
+            </p:nvSpPr>
+            <p:spPr>
+              <a:xfrm>
+                <a:off x="2256514" y="3939061"/>
+                <a:ext cx="936000" cy="324000"/>
+              </a:xfrm>
+              <a:prstGeom prst="roundRect">
+                <a:avLst/>
+              </a:prstGeom>
+              <a:solidFill>
+                <a:schemeClr val="bg1"/>
+              </a:solidFill>
+              <a:ln>
+                <a:solidFill>
+                  <a:schemeClr val="tx1"/>
+                </a:solidFill>
+              </a:ln>
+            </p:spPr>
+            <p:style>
+              <a:lnRef idx="2">
+                <a:schemeClr val="accent6"/>
+              </a:lnRef>
+              <a:fillRef idx="1">
+                <a:schemeClr val="lt1"/>
+              </a:fillRef>
+              <a:effectRef idx="0">
+                <a:schemeClr val="accent6"/>
+              </a:effectRef>
+              <a:fontRef idx="minor">
+                <a:schemeClr val="dk1"/>
+              </a:fontRef>
+            </p:style>
+            <p:txBody>
+              <a:bodyPr lIns="0" rIns="0" rtlCol="0" anchor="ctr"/>
+              <a:lstStyle/>
+              <a:p>
+                <a:pPr algn="ctr"/>
+                <a14:m>
+                  <m:oMathPara xmlns:m="http://schemas.openxmlformats.org/officeDocument/2006/math">
+                    <m:oMathParaPr>
+                      <m:jc m:val="center"/>
+                    </m:oMathParaPr>
+                    <m:oMath xmlns:m="http://schemas.openxmlformats.org/officeDocument/2006/math">
+                      <m:sSup>
+                        <m:sSupPr>
+                          <m:ctrlPr>
+                            <a:rPr lang="hr-HR" sz="1200" b="0" i="1" smtClean="0">
+                              <a:latin typeface="Cambria Math" panose="02040503050406030204" pitchFamily="18" charset="0"/>
+                            </a:rPr>
+                          </m:ctrlPr>
+                        </m:sSupPr>
+                        <m:e>
+                          <m:r>
+                            <a:rPr lang="hr-HR" sz="1200" b="0" i="1" smtClean="0">
+                              <a:latin typeface="Cambria Math" panose="02040503050406030204" pitchFamily="18" charset="0"/>
+                            </a:rPr>
+                            <m:t>𝑞</m:t>
+                          </m:r>
+                        </m:e>
+                        <m:sup>
+                          <m:r>
+                            <a:rPr lang="hr-HR" sz="1200" b="0" i="1" smtClean="0">
+                              <a:latin typeface="Cambria Math" panose="02040503050406030204" pitchFamily="18" charset="0"/>
+                            </a:rPr>
+                            <m:t>&lt;3&gt;</m:t>
+                          </m:r>
+                        </m:sup>
+                      </m:sSup>
+                      <m:r>
+                        <a:rPr lang="hr-HR" sz="1200" b="0" i="1" smtClean="0">
+                          <a:latin typeface="Cambria Math" panose="02040503050406030204" pitchFamily="18" charset="0"/>
+                          <a:ea typeface="Cambria Math" panose="02040503050406030204" pitchFamily="18" charset="0"/>
+                        </a:rPr>
+                        <m:t>∙</m:t>
+                      </m:r>
+                      <m:sSup>
+                        <m:sSupPr>
+                          <m:ctrlPr>
+                            <a:rPr lang="hr-HR" sz="1200" b="0" i="1" smtClean="0">
+                              <a:latin typeface="Cambria Math" panose="02040503050406030204" pitchFamily="18" charset="0"/>
+                              <a:ea typeface="Cambria Math" panose="02040503050406030204" pitchFamily="18" charset="0"/>
+                            </a:rPr>
+                          </m:ctrlPr>
+                        </m:sSupPr>
+                        <m:e>
+                          <m:r>
+                            <a:rPr lang="hr-HR" sz="1200" b="0" i="1" smtClean="0">
+                              <a:latin typeface="Cambria Math" panose="02040503050406030204" pitchFamily="18" charset="0"/>
+                              <a:ea typeface="Cambria Math" panose="02040503050406030204" pitchFamily="18" charset="0"/>
+                            </a:rPr>
+                            <m:t>𝑘</m:t>
+                          </m:r>
+                        </m:e>
+                        <m:sup>
+                          <m:r>
+                            <a:rPr lang="hr-HR" sz="1200" b="0" i="1" smtClean="0">
+                              <a:latin typeface="Cambria Math" panose="02040503050406030204" pitchFamily="18" charset="0"/>
+                              <a:ea typeface="Cambria Math" panose="02040503050406030204" pitchFamily="18" charset="0"/>
+                            </a:rPr>
+                            <m:t>&lt;1&gt;</m:t>
+                          </m:r>
+                        </m:sup>
+                      </m:sSup>
+                      <m:r>
+                        <a:rPr lang="hr-HR" sz="1200" b="0" i="1" smtClean="0">
+                          <a:latin typeface="Cambria Math" panose="02040503050406030204" pitchFamily="18" charset="0"/>
+                          <a:ea typeface="Cambria Math" panose="02040503050406030204" pitchFamily="18" charset="0"/>
+                        </a:rPr>
+                        <m:t> </m:t>
+                      </m:r>
+                    </m:oMath>
+                  </m:oMathPara>
+                </a14:m>
+                <a:endParaRPr lang="en-HR" sz="1200" dirty="0"/>
+              </a:p>
+            </p:txBody>
+          </p:sp>
+        </mc:Choice>
+        <mc:Fallback xmlns="">
+          <p:sp>
+            <p:nvSpPr>
+              <p:cNvPr id="36" name="Rounded Rectangle 35">
+                <a:extLst>
+                  <a:ext uri="{FF2B5EF4-FFF2-40B4-BE49-F238E27FC236}">
+                    <a16:creationId xmlns:a16="http://schemas.microsoft.com/office/drawing/2014/main" id="{698672B5-B73E-9B8F-C9D7-F3CDBC2D9EB9}"/>
+                  </a:ext>
+                </a:extLst>
+              </p:cNvPr>
+              <p:cNvSpPr>
+                <a:spLocks noRot="1" noChangeAspect="1" noMove="1" noResize="1" noEditPoints="1" noAdjustHandles="1" noChangeArrowheads="1" noChangeShapeType="1" noTextEdit="1"/>
+              </p:cNvSpPr>
+              <p:nvPr/>
+            </p:nvSpPr>
+            <p:spPr>
+              <a:xfrm>
+                <a:off x="2256514" y="3939061"/>
+                <a:ext cx="936000" cy="324000"/>
+              </a:xfrm>
+              <a:prstGeom prst="roundRect">
+                <a:avLst/>
+              </a:prstGeom>
+              <a:blipFill>
+                <a:blip r:embed="rId16"/>
+                <a:stretch>
+                  <a:fillRect/>
+                </a:stretch>
+              </a:blipFill>
+              <a:ln>
+                <a:solidFill>
+                  <a:schemeClr val="tx1"/>
+                </a:solidFill>
+              </a:ln>
+            </p:spPr>
+            <p:txBody>
+              <a:bodyPr/>
+              <a:lstStyle/>
+              <a:p>
+                <a:r>
+                  <a:rPr lang="en-HR">
+                    <a:noFill/>
+                  </a:rPr>
+                  <a:t> </a:t>
+                </a:r>
+              </a:p>
+            </p:txBody>
+          </p:sp>
+        </mc:Fallback>
+      </mc:AlternateContent>
+      <p:sp>
+        <p:nvSpPr>
+          <p:cNvPr id="37" name="Oval 36">
+            <a:extLst>
+              <a:ext uri="{FF2B5EF4-FFF2-40B4-BE49-F238E27FC236}">
+                <a16:creationId xmlns:a16="http://schemas.microsoft.com/office/drawing/2014/main" id="{93FD6567-84A5-6ECE-A90D-43BA2211CB94}"/>
+              </a:ext>
+            </a:extLst>
+          </p:cNvPr>
+          <p:cNvSpPr/>
+          <p:nvPr/>
+        </p:nvSpPr>
+        <p:spPr>
+          <a:xfrm>
+            <a:off x="2557754" y="3353477"/>
+            <a:ext cx="333520" cy="333520"/>
+          </a:xfrm>
+          <a:prstGeom prst="ellipse">
+            <a:avLst/>
+          </a:prstGeom>
+          <a:ln>
+            <a:solidFill>
+              <a:schemeClr val="tx1"/>
+            </a:solidFill>
+          </a:ln>
+        </p:spPr>
+        <p:style>
+          <a:lnRef idx="2">
+            <a:schemeClr val="accent6"/>
+          </a:lnRef>
+          <a:fillRef idx="1">
+            <a:schemeClr val="lt1"/>
+          </a:fillRef>
+          <a:effectRef idx="0">
+            <a:schemeClr val="accent6"/>
+          </a:effectRef>
+          <a:fontRef idx="minor">
+            <a:schemeClr val="dk1"/>
+          </a:fontRef>
+        </p:style>
+        <p:txBody>
+          <a:bodyPr rtlCol="0" anchor="ctr"/>
+          <a:lstStyle/>
+          <a:p>
+            <a:pPr algn="ctr"/>
+            <a:r>
+              <a:rPr lang="en-HR" dirty="0"/>
+              <a:t>×</a:t>
+            </a:r>
+          </a:p>
+        </p:txBody>
+      </p:sp>
+      <p:cxnSp>
+        <p:nvCxnSpPr>
+          <p:cNvPr id="38" name="Straight Arrow Connector 37">
+            <a:extLst>
+              <a:ext uri="{FF2B5EF4-FFF2-40B4-BE49-F238E27FC236}">
+                <a16:creationId xmlns:a16="http://schemas.microsoft.com/office/drawing/2014/main" id="{B9D86E0D-4A13-AAFC-6510-D60E52C4CC7A}"/>
+              </a:ext>
+            </a:extLst>
+          </p:cNvPr>
+          <p:cNvCxnSpPr>
+            <a:cxnSpLocks/>
+            <a:stCxn id="36" idx="0"/>
+            <a:endCxn id="37" idx="4"/>
+          </p:cNvCxnSpPr>
+          <p:nvPr/>
+        </p:nvCxnSpPr>
+        <p:spPr>
+          <a:xfrm flipV="1">
+            <a:off x="2724514" y="3686997"/>
+            <a:ext cx="0" cy="252064"/>
+          </a:xfrm>
+          <a:prstGeom prst="straightConnector1">
+            <a:avLst/>
+          </a:prstGeom>
+          <a:ln w="19050">
+            <a:solidFill>
+              <a:srgbClr val="0070C0"/>
+            </a:solidFill>
+            <a:tailEnd type="triangle"/>
+          </a:ln>
+        </p:spPr>
+        <p:style>
+          <a:lnRef idx="1">
+            <a:schemeClr val="dk1"/>
+          </a:lnRef>
+          <a:fillRef idx="0">
+            <a:schemeClr val="dk1"/>
+          </a:fillRef>
+          <a:effectRef idx="0">
+            <a:schemeClr val="dk1"/>
+          </a:effectRef>
+          <a:fontRef idx="minor">
+            <a:schemeClr val="tx1"/>
+          </a:fontRef>
+        </p:style>
+      </p:cxnSp>
+      <mc:AlternateContent xmlns:mc="http://schemas.openxmlformats.org/markup-compatibility/2006" xmlns:a14="http://schemas.microsoft.com/office/drawing/2010/main">
+        <mc:Choice Requires="a14">
+          <p:sp>
+            <p:nvSpPr>
+              <p:cNvPr id="39" name="Rounded Rectangle 38">
+                <a:extLst>
+                  <a:ext uri="{FF2B5EF4-FFF2-40B4-BE49-F238E27FC236}">
+                    <a16:creationId xmlns:a16="http://schemas.microsoft.com/office/drawing/2014/main" id="{518A50B1-56F2-F26F-E4C4-F4FE384BD4AE}"/>
+                  </a:ext>
+                </a:extLst>
+              </p:cNvPr>
+              <p:cNvSpPr/>
+              <p:nvPr/>
+            </p:nvSpPr>
+            <p:spPr>
+              <a:xfrm>
+                <a:off x="3541144" y="3939061"/>
+                <a:ext cx="936000" cy="324000"/>
+              </a:xfrm>
+              <a:prstGeom prst="roundRect">
+                <a:avLst/>
+              </a:prstGeom>
+              <a:solidFill>
+                <a:schemeClr val="bg1"/>
+              </a:solidFill>
+              <a:ln>
+                <a:solidFill>
+                  <a:schemeClr val="tx1"/>
+                </a:solidFill>
+              </a:ln>
+            </p:spPr>
+            <p:style>
+              <a:lnRef idx="2">
+                <a:schemeClr val="accent6"/>
+              </a:lnRef>
+              <a:fillRef idx="1">
+                <a:schemeClr val="lt1"/>
+              </a:fillRef>
+              <a:effectRef idx="0">
+                <a:schemeClr val="accent6"/>
+              </a:effectRef>
+              <a:fontRef idx="minor">
+                <a:schemeClr val="dk1"/>
+              </a:fontRef>
+            </p:style>
+            <p:txBody>
+              <a:bodyPr lIns="0" rIns="0" rtlCol="0" anchor="ctr"/>
+              <a:lstStyle/>
+              <a:p>
+                <a:pPr algn="ctr"/>
+                <a14:m>
+                  <m:oMathPara xmlns:m="http://schemas.openxmlformats.org/officeDocument/2006/math">
+                    <m:oMathParaPr>
+                      <m:jc m:val="center"/>
+                    </m:oMathParaPr>
+                    <m:oMath xmlns:m="http://schemas.openxmlformats.org/officeDocument/2006/math">
+                      <m:sSup>
+                        <m:sSupPr>
+                          <m:ctrlPr>
+                            <a:rPr lang="hr-HR" sz="1200" b="0" i="1" smtClean="0">
+                              <a:latin typeface="Cambria Math" panose="02040503050406030204" pitchFamily="18" charset="0"/>
+                            </a:rPr>
+                          </m:ctrlPr>
+                        </m:sSupPr>
+                        <m:e>
+                          <m:r>
+                            <a:rPr lang="hr-HR" sz="1200" b="0" i="1" smtClean="0">
+                              <a:latin typeface="Cambria Math" panose="02040503050406030204" pitchFamily="18" charset="0"/>
+                            </a:rPr>
+                            <m:t>𝑞</m:t>
+                          </m:r>
+                        </m:e>
+                        <m:sup>
+                          <m:r>
+                            <a:rPr lang="hr-HR" sz="1200" b="0" i="1" smtClean="0">
+                              <a:latin typeface="Cambria Math" panose="02040503050406030204" pitchFamily="18" charset="0"/>
+                            </a:rPr>
+                            <m:t>&lt;3&gt;</m:t>
+                          </m:r>
+                        </m:sup>
+                      </m:sSup>
+                      <m:r>
+                        <a:rPr lang="hr-HR" sz="1200" b="0" i="1" smtClean="0">
+                          <a:latin typeface="Cambria Math" panose="02040503050406030204" pitchFamily="18" charset="0"/>
+                          <a:ea typeface="Cambria Math" panose="02040503050406030204" pitchFamily="18" charset="0"/>
+                        </a:rPr>
+                        <m:t>∙</m:t>
+                      </m:r>
+                      <m:sSup>
+                        <m:sSupPr>
+                          <m:ctrlPr>
+                            <a:rPr lang="hr-HR" sz="1200" b="0" i="1" smtClean="0">
+                              <a:latin typeface="Cambria Math" panose="02040503050406030204" pitchFamily="18" charset="0"/>
+                              <a:ea typeface="Cambria Math" panose="02040503050406030204" pitchFamily="18" charset="0"/>
+                            </a:rPr>
+                          </m:ctrlPr>
+                        </m:sSupPr>
+                        <m:e>
+                          <m:r>
+                            <a:rPr lang="hr-HR" sz="1200" b="0" i="1" smtClean="0">
+                              <a:latin typeface="Cambria Math" panose="02040503050406030204" pitchFamily="18" charset="0"/>
+                              <a:ea typeface="Cambria Math" panose="02040503050406030204" pitchFamily="18" charset="0"/>
+                            </a:rPr>
+                            <m:t>𝑘</m:t>
+                          </m:r>
+                        </m:e>
+                        <m:sup>
+                          <m:r>
+                            <a:rPr lang="hr-HR" sz="1200" b="0" i="1" smtClean="0">
+                              <a:latin typeface="Cambria Math" panose="02040503050406030204" pitchFamily="18" charset="0"/>
+                              <a:ea typeface="Cambria Math" panose="02040503050406030204" pitchFamily="18" charset="0"/>
+                            </a:rPr>
+                            <m:t>&lt;1&gt;</m:t>
+                          </m:r>
+                        </m:sup>
+                      </m:sSup>
+                      <m:r>
+                        <a:rPr lang="hr-HR" sz="1200" b="0" i="1" smtClean="0">
+                          <a:latin typeface="Cambria Math" panose="02040503050406030204" pitchFamily="18" charset="0"/>
+                          <a:ea typeface="Cambria Math" panose="02040503050406030204" pitchFamily="18" charset="0"/>
+                        </a:rPr>
+                        <m:t> </m:t>
+                      </m:r>
+                    </m:oMath>
+                  </m:oMathPara>
+                </a14:m>
+                <a:endParaRPr lang="en-HR" sz="1200" dirty="0"/>
+              </a:p>
+            </p:txBody>
+          </p:sp>
+        </mc:Choice>
+        <mc:Fallback xmlns="">
+          <p:sp>
+            <p:nvSpPr>
+              <p:cNvPr id="39" name="Rounded Rectangle 38">
+                <a:extLst>
+                  <a:ext uri="{FF2B5EF4-FFF2-40B4-BE49-F238E27FC236}">
+                    <a16:creationId xmlns:a16="http://schemas.microsoft.com/office/drawing/2014/main" id="{518A50B1-56F2-F26F-E4C4-F4FE384BD4AE}"/>
+                  </a:ext>
+                </a:extLst>
+              </p:cNvPr>
+              <p:cNvSpPr>
+                <a:spLocks noRot="1" noChangeAspect="1" noMove="1" noResize="1" noEditPoints="1" noAdjustHandles="1" noChangeArrowheads="1" noChangeShapeType="1" noTextEdit="1"/>
+              </p:cNvSpPr>
+              <p:nvPr/>
+            </p:nvSpPr>
+            <p:spPr>
+              <a:xfrm>
+                <a:off x="3541144" y="3939061"/>
+                <a:ext cx="936000" cy="324000"/>
+              </a:xfrm>
+              <a:prstGeom prst="roundRect">
+                <a:avLst/>
+              </a:prstGeom>
+              <a:blipFill>
+                <a:blip r:embed="rId17"/>
+                <a:stretch>
+                  <a:fillRect/>
+                </a:stretch>
+              </a:blipFill>
+              <a:ln>
+                <a:solidFill>
+                  <a:schemeClr val="tx1"/>
+                </a:solidFill>
+              </a:ln>
+            </p:spPr>
+            <p:txBody>
+              <a:bodyPr/>
+              <a:lstStyle/>
+              <a:p>
+                <a:r>
+                  <a:rPr lang="en-HR">
+                    <a:noFill/>
+                  </a:rPr>
+                  <a:t> </a:t>
+                </a:r>
+              </a:p>
+            </p:txBody>
+          </p:sp>
+        </mc:Fallback>
+      </mc:AlternateContent>
+      <p:sp>
+        <p:nvSpPr>
+          <p:cNvPr id="40" name="Oval 39">
+            <a:extLst>
+              <a:ext uri="{FF2B5EF4-FFF2-40B4-BE49-F238E27FC236}">
+                <a16:creationId xmlns:a16="http://schemas.microsoft.com/office/drawing/2014/main" id="{6D6FF6D5-EAC2-E10A-0493-B825BB3E4E55}"/>
+              </a:ext>
+            </a:extLst>
+          </p:cNvPr>
+          <p:cNvSpPr/>
+          <p:nvPr/>
+        </p:nvSpPr>
+        <p:spPr>
+          <a:xfrm>
+            <a:off x="3842384" y="3353477"/>
+            <a:ext cx="333520" cy="333520"/>
+          </a:xfrm>
+          <a:prstGeom prst="ellipse">
+            <a:avLst/>
+          </a:prstGeom>
+          <a:ln>
+            <a:solidFill>
+              <a:schemeClr val="tx1"/>
+            </a:solidFill>
+          </a:ln>
+        </p:spPr>
+        <p:style>
+          <a:lnRef idx="2">
+            <a:schemeClr val="accent6"/>
+          </a:lnRef>
+          <a:fillRef idx="1">
+            <a:schemeClr val="lt1"/>
+          </a:fillRef>
+          <a:effectRef idx="0">
+            <a:schemeClr val="accent6"/>
+          </a:effectRef>
+          <a:fontRef idx="minor">
+            <a:schemeClr val="dk1"/>
+          </a:fontRef>
+        </p:style>
+        <p:txBody>
+          <a:bodyPr rtlCol="0" anchor="ctr"/>
+          <a:lstStyle/>
+          <a:p>
+            <a:pPr algn="ctr"/>
+            <a:r>
+              <a:rPr lang="en-HR" dirty="0"/>
+              <a:t>×</a:t>
+            </a:r>
+          </a:p>
+        </p:txBody>
+      </p:sp>
+      <p:cxnSp>
+        <p:nvCxnSpPr>
+          <p:cNvPr id="41" name="Straight Arrow Connector 40">
+            <a:extLst>
+              <a:ext uri="{FF2B5EF4-FFF2-40B4-BE49-F238E27FC236}">
+                <a16:creationId xmlns:a16="http://schemas.microsoft.com/office/drawing/2014/main" id="{F13C6B93-0962-A712-5811-1EBB7E5FC45C}"/>
+              </a:ext>
+            </a:extLst>
+          </p:cNvPr>
+          <p:cNvCxnSpPr>
+            <a:cxnSpLocks/>
+            <a:stCxn id="39" idx="0"/>
+            <a:endCxn id="40" idx="4"/>
+          </p:cNvCxnSpPr>
+          <p:nvPr/>
+        </p:nvCxnSpPr>
+        <p:spPr>
+          <a:xfrm flipV="1">
+            <a:off x="4009144" y="3686997"/>
+            <a:ext cx="0" cy="252064"/>
+          </a:xfrm>
+          <a:prstGeom prst="straightConnector1">
+            <a:avLst/>
+          </a:prstGeom>
+          <a:ln>
+            <a:tailEnd type="triangle"/>
+          </a:ln>
+        </p:spPr>
+        <p:style>
+          <a:lnRef idx="1">
+            <a:schemeClr val="dk1"/>
+          </a:lnRef>
+          <a:fillRef idx="0">
+            <a:schemeClr val="dk1"/>
+          </a:fillRef>
+          <a:effectRef idx="0">
+            <a:schemeClr val="dk1"/>
+          </a:effectRef>
+          <a:fontRef idx="minor">
+            <a:schemeClr val="tx1"/>
+          </a:fontRef>
+        </p:style>
+      </p:cxnSp>
+      <mc:AlternateContent xmlns:mc="http://schemas.openxmlformats.org/markup-compatibility/2006" xmlns:a14="http://schemas.microsoft.com/office/drawing/2010/main">
+        <mc:Choice Requires="a14">
+          <p:sp>
+            <p:nvSpPr>
+              <p:cNvPr id="42" name="Rounded Rectangle 41">
+                <a:extLst>
+                  <a:ext uri="{FF2B5EF4-FFF2-40B4-BE49-F238E27FC236}">
+                    <a16:creationId xmlns:a16="http://schemas.microsoft.com/office/drawing/2014/main" id="{85BB08BB-1441-732E-8807-94827930EAF0}"/>
+                  </a:ext>
+                </a:extLst>
+              </p:cNvPr>
+              <p:cNvSpPr/>
+              <p:nvPr/>
+            </p:nvSpPr>
+            <p:spPr>
+              <a:xfrm>
+                <a:off x="4825774" y="3939061"/>
+                <a:ext cx="936000" cy="324000"/>
+              </a:xfrm>
+              <a:prstGeom prst="roundRect">
+                <a:avLst/>
+              </a:prstGeom>
+              <a:solidFill>
+                <a:schemeClr val="bg1"/>
+              </a:solidFill>
+              <a:ln>
+                <a:solidFill>
+                  <a:schemeClr val="tx1"/>
+                </a:solidFill>
+              </a:ln>
+            </p:spPr>
+            <p:style>
+              <a:lnRef idx="2">
+                <a:schemeClr val="accent6"/>
+              </a:lnRef>
+              <a:fillRef idx="1">
+                <a:schemeClr val="lt1"/>
+              </a:fillRef>
+              <a:effectRef idx="0">
+                <a:schemeClr val="accent6"/>
+              </a:effectRef>
+              <a:fontRef idx="minor">
+                <a:schemeClr val="dk1"/>
+              </a:fontRef>
+            </p:style>
+            <p:txBody>
+              <a:bodyPr lIns="0" rIns="0" rtlCol="0" anchor="ctr"/>
+              <a:lstStyle/>
+              <a:p>
+                <a:pPr algn="ctr"/>
+                <a14:m>
+                  <m:oMathPara xmlns:m="http://schemas.openxmlformats.org/officeDocument/2006/math">
+                    <m:oMathParaPr>
+                      <m:jc m:val="center"/>
+                    </m:oMathParaPr>
+                    <m:oMath xmlns:m="http://schemas.openxmlformats.org/officeDocument/2006/math">
+                      <m:sSup>
+                        <m:sSupPr>
+                          <m:ctrlPr>
+                            <a:rPr lang="hr-HR" sz="1200" b="0" i="1" smtClean="0">
+                              <a:latin typeface="Cambria Math" panose="02040503050406030204" pitchFamily="18" charset="0"/>
+                            </a:rPr>
+                          </m:ctrlPr>
+                        </m:sSupPr>
+                        <m:e>
+                          <m:r>
+                            <a:rPr lang="hr-HR" sz="1200" b="0" i="1" smtClean="0">
+                              <a:latin typeface="Cambria Math" panose="02040503050406030204" pitchFamily="18" charset="0"/>
+                            </a:rPr>
+                            <m:t>𝑞</m:t>
+                          </m:r>
+                        </m:e>
+                        <m:sup>
+                          <m:r>
+                            <a:rPr lang="hr-HR" sz="1200" b="0" i="1" smtClean="0">
+                              <a:latin typeface="Cambria Math" panose="02040503050406030204" pitchFamily="18" charset="0"/>
+                            </a:rPr>
+                            <m:t>&lt;3&gt;</m:t>
+                          </m:r>
+                        </m:sup>
+                      </m:sSup>
+                      <m:r>
+                        <a:rPr lang="hr-HR" sz="1200" b="0" i="1" smtClean="0">
+                          <a:latin typeface="Cambria Math" panose="02040503050406030204" pitchFamily="18" charset="0"/>
+                          <a:ea typeface="Cambria Math" panose="02040503050406030204" pitchFamily="18" charset="0"/>
+                        </a:rPr>
+                        <m:t>∙</m:t>
+                      </m:r>
+                      <m:sSup>
+                        <m:sSupPr>
+                          <m:ctrlPr>
+                            <a:rPr lang="hr-HR" sz="1200" b="0" i="1" smtClean="0">
+                              <a:latin typeface="Cambria Math" panose="02040503050406030204" pitchFamily="18" charset="0"/>
+                              <a:ea typeface="Cambria Math" panose="02040503050406030204" pitchFamily="18" charset="0"/>
+                            </a:rPr>
+                          </m:ctrlPr>
+                        </m:sSupPr>
+                        <m:e>
+                          <m:r>
+                            <a:rPr lang="hr-HR" sz="1200" b="0" i="1" smtClean="0">
+                              <a:latin typeface="Cambria Math" panose="02040503050406030204" pitchFamily="18" charset="0"/>
+                              <a:ea typeface="Cambria Math" panose="02040503050406030204" pitchFamily="18" charset="0"/>
+                            </a:rPr>
+                            <m:t>𝑘</m:t>
+                          </m:r>
+                        </m:e>
+                        <m:sup>
+                          <m:r>
+                            <a:rPr lang="hr-HR" sz="1200" b="0" i="1" smtClean="0">
+                              <a:latin typeface="Cambria Math" panose="02040503050406030204" pitchFamily="18" charset="0"/>
+                              <a:ea typeface="Cambria Math" panose="02040503050406030204" pitchFamily="18" charset="0"/>
+                            </a:rPr>
+                            <m:t>&lt;1&gt;</m:t>
+                          </m:r>
+                        </m:sup>
+                      </m:sSup>
+                      <m:r>
+                        <a:rPr lang="hr-HR" sz="1200" b="0" i="1" smtClean="0">
+                          <a:latin typeface="Cambria Math" panose="02040503050406030204" pitchFamily="18" charset="0"/>
+                          <a:ea typeface="Cambria Math" panose="02040503050406030204" pitchFamily="18" charset="0"/>
+                        </a:rPr>
+                        <m:t> </m:t>
+                      </m:r>
+                    </m:oMath>
+                  </m:oMathPara>
+                </a14:m>
+                <a:endParaRPr lang="en-HR" sz="1200" dirty="0"/>
+              </a:p>
+            </p:txBody>
+          </p:sp>
+        </mc:Choice>
+        <mc:Fallback xmlns="">
+          <p:sp>
+            <p:nvSpPr>
+              <p:cNvPr id="42" name="Rounded Rectangle 41">
+                <a:extLst>
+                  <a:ext uri="{FF2B5EF4-FFF2-40B4-BE49-F238E27FC236}">
+                    <a16:creationId xmlns:a16="http://schemas.microsoft.com/office/drawing/2014/main" id="{85BB08BB-1441-732E-8807-94827930EAF0}"/>
+                  </a:ext>
+                </a:extLst>
+              </p:cNvPr>
+              <p:cNvSpPr>
+                <a:spLocks noRot="1" noChangeAspect="1" noMove="1" noResize="1" noEditPoints="1" noAdjustHandles="1" noChangeArrowheads="1" noChangeShapeType="1" noTextEdit="1"/>
+              </p:cNvSpPr>
+              <p:nvPr/>
+            </p:nvSpPr>
+            <p:spPr>
+              <a:xfrm>
+                <a:off x="4825774" y="3939061"/>
+                <a:ext cx="936000" cy="324000"/>
+              </a:xfrm>
+              <a:prstGeom prst="roundRect">
+                <a:avLst/>
+              </a:prstGeom>
+              <a:blipFill>
+                <a:blip r:embed="rId18"/>
+                <a:stretch>
+                  <a:fillRect/>
+                </a:stretch>
+              </a:blipFill>
+              <a:ln>
+                <a:solidFill>
+                  <a:schemeClr val="tx1"/>
+                </a:solidFill>
+              </a:ln>
+            </p:spPr>
+            <p:txBody>
+              <a:bodyPr/>
+              <a:lstStyle/>
+              <a:p>
+                <a:r>
+                  <a:rPr lang="en-HR">
+                    <a:noFill/>
+                  </a:rPr>
+                  <a:t> </a:t>
+                </a:r>
+              </a:p>
+            </p:txBody>
+          </p:sp>
+        </mc:Fallback>
+      </mc:AlternateContent>
+      <p:sp>
+        <p:nvSpPr>
+          <p:cNvPr id="43" name="Oval 42">
+            <a:extLst>
+              <a:ext uri="{FF2B5EF4-FFF2-40B4-BE49-F238E27FC236}">
+                <a16:creationId xmlns:a16="http://schemas.microsoft.com/office/drawing/2014/main" id="{89B5FC58-1D67-E571-9B28-7BB554B8591E}"/>
+              </a:ext>
+            </a:extLst>
+          </p:cNvPr>
+          <p:cNvSpPr/>
+          <p:nvPr/>
+        </p:nvSpPr>
+        <p:spPr>
+          <a:xfrm>
+            <a:off x="5127014" y="3353477"/>
+            <a:ext cx="333520" cy="333520"/>
+          </a:xfrm>
+          <a:prstGeom prst="ellipse">
+            <a:avLst/>
+          </a:prstGeom>
+          <a:ln>
+            <a:solidFill>
+              <a:schemeClr val="tx1"/>
+            </a:solidFill>
+          </a:ln>
+        </p:spPr>
+        <p:style>
+          <a:lnRef idx="2">
+            <a:schemeClr val="accent6"/>
+          </a:lnRef>
+          <a:fillRef idx="1">
+            <a:schemeClr val="lt1"/>
+          </a:fillRef>
+          <a:effectRef idx="0">
+            <a:schemeClr val="accent6"/>
+          </a:effectRef>
+          <a:fontRef idx="minor">
+            <a:schemeClr val="dk1"/>
+          </a:fontRef>
+        </p:style>
+        <p:txBody>
+          <a:bodyPr rtlCol="0" anchor="ctr"/>
+          <a:lstStyle/>
+          <a:p>
+            <a:pPr algn="ctr"/>
+            <a:r>
+              <a:rPr lang="en-HR" dirty="0"/>
+              <a:t>×</a:t>
+            </a:r>
+          </a:p>
+        </p:txBody>
+      </p:sp>
+      <p:cxnSp>
+        <p:nvCxnSpPr>
+          <p:cNvPr id="44" name="Straight Arrow Connector 43">
+            <a:extLst>
+              <a:ext uri="{FF2B5EF4-FFF2-40B4-BE49-F238E27FC236}">
+                <a16:creationId xmlns:a16="http://schemas.microsoft.com/office/drawing/2014/main" id="{7804CE2F-E9CD-ABDC-CA2F-2B181A005BE8}"/>
+              </a:ext>
+            </a:extLst>
+          </p:cNvPr>
+          <p:cNvCxnSpPr>
+            <a:cxnSpLocks/>
+            <a:stCxn id="42" idx="0"/>
+            <a:endCxn id="43" idx="4"/>
+          </p:cNvCxnSpPr>
+          <p:nvPr/>
+        </p:nvCxnSpPr>
+        <p:spPr>
+          <a:xfrm flipV="1">
+            <a:off x="5293774" y="3686997"/>
+            <a:ext cx="0" cy="252064"/>
+          </a:xfrm>
+          <a:prstGeom prst="straightConnector1">
+            <a:avLst/>
+          </a:prstGeom>
+          <a:ln>
+            <a:tailEnd type="triangle"/>
+          </a:ln>
+        </p:spPr>
+        <p:style>
+          <a:lnRef idx="1">
+            <a:schemeClr val="dk1"/>
+          </a:lnRef>
+          <a:fillRef idx="0">
+            <a:schemeClr val="dk1"/>
+          </a:fillRef>
+          <a:effectRef idx="0">
+            <a:schemeClr val="dk1"/>
+          </a:effectRef>
+          <a:fontRef idx="minor">
+            <a:schemeClr val="tx1"/>
+          </a:fontRef>
+        </p:style>
+      </p:cxnSp>
+      <p:cxnSp>
+        <p:nvCxnSpPr>
+          <p:cNvPr id="45" name="Straight Arrow Connector 44">
+            <a:extLst>
+              <a:ext uri="{FF2B5EF4-FFF2-40B4-BE49-F238E27FC236}">
+                <a16:creationId xmlns:a16="http://schemas.microsoft.com/office/drawing/2014/main" id="{90C93418-3E21-3CC4-B822-238D4C506DA7}"/>
+              </a:ext>
+            </a:extLst>
+          </p:cNvPr>
+          <p:cNvCxnSpPr>
+            <a:cxnSpLocks/>
+            <a:stCxn id="75" idx="0"/>
+            <a:endCxn id="36" idx="2"/>
+          </p:cNvCxnSpPr>
+          <p:nvPr/>
+        </p:nvCxnSpPr>
+        <p:spPr>
+          <a:xfrm flipH="1" flipV="1">
+            <a:off x="2724514" y="4263061"/>
+            <a:ext cx="650986" cy="344279"/>
+          </a:xfrm>
+          <a:prstGeom prst="straightConnector1">
+            <a:avLst/>
+          </a:prstGeom>
+          <a:ln>
+            <a:tailEnd type="triangle"/>
+          </a:ln>
+        </p:spPr>
+        <p:style>
+          <a:lnRef idx="1">
+            <a:schemeClr val="dk1"/>
+          </a:lnRef>
+          <a:fillRef idx="0">
+            <a:schemeClr val="dk1"/>
+          </a:fillRef>
+          <a:effectRef idx="0">
+            <a:schemeClr val="dk1"/>
+          </a:effectRef>
+          <a:fontRef idx="minor">
+            <a:schemeClr val="tx1"/>
+          </a:fontRef>
+        </p:style>
+      </p:cxnSp>
+      <p:cxnSp>
+        <p:nvCxnSpPr>
+          <p:cNvPr id="55" name="Straight Arrow Connector 54">
+            <a:extLst>
+              <a:ext uri="{FF2B5EF4-FFF2-40B4-BE49-F238E27FC236}">
+                <a16:creationId xmlns:a16="http://schemas.microsoft.com/office/drawing/2014/main" id="{EEF3D42D-405E-5038-1ABC-B215B1AB15AC}"/>
+              </a:ext>
+            </a:extLst>
+          </p:cNvPr>
+          <p:cNvCxnSpPr>
+            <a:cxnSpLocks/>
+            <a:stCxn id="72" idx="0"/>
+            <a:endCxn id="36" idx="2"/>
+          </p:cNvCxnSpPr>
+          <p:nvPr/>
+        </p:nvCxnSpPr>
+        <p:spPr>
+          <a:xfrm flipV="1">
+            <a:off x="2046800" y="4263061"/>
+            <a:ext cx="677714" cy="344279"/>
+          </a:xfrm>
+          <a:prstGeom prst="straightConnector1">
+            <a:avLst/>
+          </a:prstGeom>
+          <a:ln>
+            <a:tailEnd type="triangle"/>
+          </a:ln>
+        </p:spPr>
+        <p:style>
+          <a:lnRef idx="1">
+            <a:schemeClr val="dk1"/>
+          </a:lnRef>
+          <a:fillRef idx="0">
+            <a:schemeClr val="dk1"/>
+          </a:fillRef>
+          <a:effectRef idx="0">
+            <a:schemeClr val="dk1"/>
+          </a:effectRef>
+          <a:fontRef idx="minor">
+            <a:schemeClr val="tx1"/>
+          </a:fontRef>
+        </p:style>
+      </p:cxnSp>
+      <p:cxnSp>
+        <p:nvCxnSpPr>
+          <p:cNvPr id="58" name="Straight Arrow Connector 57">
+            <a:extLst>
+              <a:ext uri="{FF2B5EF4-FFF2-40B4-BE49-F238E27FC236}">
+                <a16:creationId xmlns:a16="http://schemas.microsoft.com/office/drawing/2014/main" id="{6B3689D4-D0FE-1524-E31C-C09A83A0D7E7}"/>
+              </a:ext>
+            </a:extLst>
+          </p:cNvPr>
+          <p:cNvCxnSpPr>
+            <a:cxnSpLocks/>
+            <a:stCxn id="75" idx="0"/>
+            <a:endCxn id="39" idx="2"/>
+          </p:cNvCxnSpPr>
+          <p:nvPr/>
+        </p:nvCxnSpPr>
+        <p:spPr>
+          <a:xfrm flipV="1">
+            <a:off x="3375500" y="4263061"/>
+            <a:ext cx="633644" cy="344279"/>
+          </a:xfrm>
+          <a:prstGeom prst="straightConnector1">
+            <a:avLst/>
+          </a:prstGeom>
+          <a:ln>
+            <a:tailEnd type="triangle"/>
+          </a:ln>
+        </p:spPr>
+        <p:style>
+          <a:lnRef idx="1">
+            <a:schemeClr val="dk1"/>
+          </a:lnRef>
+          <a:fillRef idx="0">
+            <a:schemeClr val="dk1"/>
+          </a:fillRef>
+          <a:effectRef idx="0">
+            <a:schemeClr val="dk1"/>
+          </a:effectRef>
+          <a:fontRef idx="minor">
+            <a:schemeClr val="tx1"/>
+          </a:fontRef>
+        </p:style>
+      </p:cxnSp>
+      <p:cxnSp>
+        <p:nvCxnSpPr>
+          <p:cNvPr id="61" name="Straight Arrow Connector 60">
+            <a:extLst>
+              <a:ext uri="{FF2B5EF4-FFF2-40B4-BE49-F238E27FC236}">
+                <a16:creationId xmlns:a16="http://schemas.microsoft.com/office/drawing/2014/main" id="{079A9F3A-82A5-60AC-94A9-3FADF1198407}"/>
+              </a:ext>
+            </a:extLst>
+          </p:cNvPr>
+          <p:cNvCxnSpPr>
+            <a:cxnSpLocks/>
+            <a:stCxn id="75" idx="0"/>
+          </p:cNvCxnSpPr>
+          <p:nvPr/>
+        </p:nvCxnSpPr>
+        <p:spPr>
+          <a:xfrm flipV="1">
+            <a:off x="3375500" y="4263061"/>
+            <a:ext cx="1962344" cy="344279"/>
+          </a:xfrm>
+          <a:prstGeom prst="straightConnector1">
+            <a:avLst/>
+          </a:prstGeom>
+          <a:ln>
+            <a:tailEnd type="triangle"/>
+          </a:ln>
+        </p:spPr>
+        <p:style>
+          <a:lnRef idx="1">
+            <a:schemeClr val="dk1"/>
+          </a:lnRef>
+          <a:fillRef idx="0">
+            <a:schemeClr val="dk1"/>
+          </a:fillRef>
+          <a:effectRef idx="0">
+            <a:schemeClr val="dk1"/>
+          </a:effectRef>
+          <a:fontRef idx="minor">
+            <a:schemeClr val="tx1"/>
+          </a:fontRef>
+        </p:style>
+      </p:cxnSp>
+      <p:cxnSp>
+        <p:nvCxnSpPr>
+          <p:cNvPr id="63" name="Straight Arrow Connector 62">
+            <a:extLst>
+              <a:ext uri="{FF2B5EF4-FFF2-40B4-BE49-F238E27FC236}">
+                <a16:creationId xmlns:a16="http://schemas.microsoft.com/office/drawing/2014/main" id="{0202AB71-6064-A4BB-400E-5E46A11A8A87}"/>
+              </a:ext>
+            </a:extLst>
+          </p:cNvPr>
+          <p:cNvCxnSpPr>
+            <a:cxnSpLocks/>
+            <a:stCxn id="81" idx="0"/>
+            <a:endCxn id="42" idx="2"/>
+          </p:cNvCxnSpPr>
+          <p:nvPr/>
+        </p:nvCxnSpPr>
+        <p:spPr>
+          <a:xfrm flipH="1" flipV="1">
+            <a:off x="5293774" y="4263061"/>
+            <a:ext cx="739126" cy="344279"/>
+          </a:xfrm>
+          <a:prstGeom prst="straightConnector1">
+            <a:avLst/>
+          </a:prstGeom>
+          <a:ln>
+            <a:tailEnd type="triangle"/>
+          </a:ln>
+        </p:spPr>
+        <p:style>
+          <a:lnRef idx="1">
+            <a:schemeClr val="dk1"/>
+          </a:lnRef>
+          <a:fillRef idx="0">
+            <a:schemeClr val="dk1"/>
+          </a:fillRef>
+          <a:effectRef idx="0">
+            <a:schemeClr val="dk1"/>
+          </a:effectRef>
+          <a:fontRef idx="minor">
+            <a:schemeClr val="tx1"/>
+          </a:fontRef>
+        </p:style>
+      </p:cxnSp>
+      <p:cxnSp>
+        <p:nvCxnSpPr>
+          <p:cNvPr id="64" name="Straight Arrow Connector 63">
+            <a:extLst>
+              <a:ext uri="{FF2B5EF4-FFF2-40B4-BE49-F238E27FC236}">
+                <a16:creationId xmlns:a16="http://schemas.microsoft.com/office/drawing/2014/main" id="{CED92F5C-C686-4572-3BF5-F89CB8DB5E63}"/>
+              </a:ext>
+            </a:extLst>
+          </p:cNvPr>
+          <p:cNvCxnSpPr>
+            <a:cxnSpLocks/>
+            <a:stCxn id="78" idx="0"/>
+            <a:endCxn id="39" idx="2"/>
+          </p:cNvCxnSpPr>
+          <p:nvPr/>
+        </p:nvCxnSpPr>
+        <p:spPr>
+          <a:xfrm flipH="1" flipV="1">
+            <a:off x="4009144" y="4263061"/>
+            <a:ext cx="695056" cy="344279"/>
+          </a:xfrm>
+          <a:prstGeom prst="straightConnector1">
+            <a:avLst/>
+          </a:prstGeom>
+          <a:ln>
+            <a:tailEnd type="triangle"/>
+          </a:ln>
+        </p:spPr>
+        <p:style>
+          <a:lnRef idx="1">
+            <a:schemeClr val="dk1"/>
+          </a:lnRef>
+          <a:fillRef idx="0">
+            <a:schemeClr val="dk1"/>
+          </a:fillRef>
+          <a:effectRef idx="0">
+            <a:schemeClr val="dk1"/>
+          </a:effectRef>
+          <a:fontRef idx="minor">
+            <a:schemeClr val="tx1"/>
+          </a:fontRef>
+        </p:style>
+      </p:cxnSp>
+      <p:cxnSp>
+        <p:nvCxnSpPr>
+          <p:cNvPr id="84" name="Straight Arrow Connector 83">
+            <a:extLst>
+              <a:ext uri="{FF2B5EF4-FFF2-40B4-BE49-F238E27FC236}">
+                <a16:creationId xmlns:a16="http://schemas.microsoft.com/office/drawing/2014/main" id="{A88DA5B9-0E4A-42EF-7CF5-19214492D661}"/>
+              </a:ext>
+            </a:extLst>
+          </p:cNvPr>
+          <p:cNvCxnSpPr>
+            <a:cxnSpLocks/>
+            <a:stCxn id="75" idx="0"/>
+            <a:endCxn id="10" idx="4"/>
+          </p:cNvCxnSpPr>
+          <p:nvPr/>
+        </p:nvCxnSpPr>
+        <p:spPr>
+          <a:xfrm flipH="1" flipV="1">
+            <a:off x="3374384" y="3114448"/>
+            <a:ext cx="1116" cy="1492892"/>
+          </a:xfrm>
+          <a:prstGeom prst="straightConnector1">
+            <a:avLst/>
+          </a:prstGeom>
+          <a:ln>
+            <a:tailEnd type="triangle"/>
+          </a:ln>
+        </p:spPr>
+        <p:style>
+          <a:lnRef idx="1">
+            <a:schemeClr val="dk1"/>
+          </a:lnRef>
+          <a:fillRef idx="0">
+            <a:schemeClr val="dk1"/>
+          </a:fillRef>
+          <a:effectRef idx="0">
+            <a:schemeClr val="dk1"/>
+          </a:effectRef>
+          <a:fontRef idx="minor">
+            <a:schemeClr val="tx1"/>
+          </a:fontRef>
+        </p:style>
+      </p:cxnSp>
+      <p:cxnSp>
+        <p:nvCxnSpPr>
+          <p:cNvPr id="87" name="Straight Arrow Connector 86">
+            <a:extLst>
+              <a:ext uri="{FF2B5EF4-FFF2-40B4-BE49-F238E27FC236}">
+                <a16:creationId xmlns:a16="http://schemas.microsoft.com/office/drawing/2014/main" id="{C3917B7C-F777-4D62-1289-8D53B48E8215}"/>
+              </a:ext>
+            </a:extLst>
+          </p:cNvPr>
+          <p:cNvCxnSpPr>
+            <a:cxnSpLocks/>
+            <a:stCxn id="40" idx="0"/>
+            <a:endCxn id="10" idx="5"/>
+          </p:cNvCxnSpPr>
+          <p:nvPr/>
+        </p:nvCxnSpPr>
+        <p:spPr>
+          <a:xfrm flipH="1" flipV="1">
+            <a:off x="3492301" y="3065605"/>
+            <a:ext cx="516843" cy="287872"/>
+          </a:xfrm>
+          <a:prstGeom prst="straightConnector1">
+            <a:avLst/>
+          </a:prstGeom>
+          <a:ln>
+            <a:tailEnd type="triangle"/>
+          </a:ln>
+        </p:spPr>
+        <p:style>
+          <a:lnRef idx="1">
+            <a:schemeClr val="dk1"/>
+          </a:lnRef>
+          <a:fillRef idx="0">
+            <a:schemeClr val="dk1"/>
+          </a:fillRef>
+          <a:effectRef idx="0">
+            <a:schemeClr val="dk1"/>
+          </a:effectRef>
+          <a:fontRef idx="minor">
+            <a:schemeClr val="tx1"/>
+          </a:fontRef>
+        </p:style>
+      </p:cxnSp>
+      <p:cxnSp>
+        <p:nvCxnSpPr>
+          <p:cNvPr id="90" name="Straight Arrow Connector 89">
+            <a:extLst>
+              <a:ext uri="{FF2B5EF4-FFF2-40B4-BE49-F238E27FC236}">
+                <a16:creationId xmlns:a16="http://schemas.microsoft.com/office/drawing/2014/main" id="{80DC7F75-7AB9-F1E6-894D-9CAC9D684F87}"/>
+              </a:ext>
+            </a:extLst>
+          </p:cNvPr>
+          <p:cNvCxnSpPr>
+            <a:cxnSpLocks/>
+            <a:stCxn id="43" idx="1"/>
+            <a:endCxn id="10" idx="6"/>
+          </p:cNvCxnSpPr>
+          <p:nvPr/>
+        </p:nvCxnSpPr>
+        <p:spPr>
+          <a:xfrm flipH="1" flipV="1">
+            <a:off x="3541144" y="2947688"/>
+            <a:ext cx="1634713" cy="454632"/>
+          </a:xfrm>
+          <a:prstGeom prst="straightConnector1">
+            <a:avLst/>
+          </a:prstGeom>
+          <a:ln>
+            <a:tailEnd type="triangle"/>
+          </a:ln>
+        </p:spPr>
+        <p:style>
+          <a:lnRef idx="1">
+            <a:schemeClr val="dk1"/>
+          </a:lnRef>
+          <a:fillRef idx="0">
+            <a:schemeClr val="dk1"/>
+          </a:fillRef>
+          <a:effectRef idx="0">
+            <a:schemeClr val="dk1"/>
+          </a:effectRef>
+          <a:fontRef idx="minor">
+            <a:schemeClr val="tx1"/>
+          </a:fontRef>
+        </p:style>
+      </p:cxnSp>
+      <p:cxnSp>
+        <p:nvCxnSpPr>
+          <p:cNvPr id="93" name="Straight Arrow Connector 92">
+            <a:extLst>
+              <a:ext uri="{FF2B5EF4-FFF2-40B4-BE49-F238E27FC236}">
+                <a16:creationId xmlns:a16="http://schemas.microsoft.com/office/drawing/2014/main" id="{FE9469B6-31B1-FAA6-97A1-EDBFABC44504}"/>
+              </a:ext>
+            </a:extLst>
+          </p:cNvPr>
+          <p:cNvCxnSpPr>
+            <a:cxnSpLocks/>
+            <a:stCxn id="37" idx="0"/>
+            <a:endCxn id="10" idx="3"/>
+          </p:cNvCxnSpPr>
+          <p:nvPr/>
+        </p:nvCxnSpPr>
+        <p:spPr>
+          <a:xfrm flipV="1">
+            <a:off x="2724514" y="3065605"/>
+            <a:ext cx="531953" cy="287872"/>
+          </a:xfrm>
+          <a:prstGeom prst="straightConnector1">
+            <a:avLst/>
+          </a:prstGeom>
+          <a:ln w="19050">
+            <a:solidFill>
+              <a:srgbClr val="0070C0"/>
+            </a:solidFill>
+            <a:tailEnd type="triangle"/>
+          </a:ln>
+        </p:spPr>
+        <p:style>
+          <a:lnRef idx="1">
+            <a:schemeClr val="dk1"/>
+          </a:lnRef>
+          <a:fillRef idx="0">
+            <a:schemeClr val="dk1"/>
+          </a:fillRef>
+          <a:effectRef idx="0">
+            <a:schemeClr val="dk1"/>
+          </a:effectRef>
+          <a:fontRef idx="minor">
+            <a:schemeClr val="tx1"/>
+          </a:fontRef>
+        </p:style>
+      </p:cxnSp>
+      <p:cxnSp>
+        <p:nvCxnSpPr>
+          <p:cNvPr id="97" name="Straight Arrow Connector 96">
+            <a:extLst>
+              <a:ext uri="{FF2B5EF4-FFF2-40B4-BE49-F238E27FC236}">
+                <a16:creationId xmlns:a16="http://schemas.microsoft.com/office/drawing/2014/main" id="{25C10A8D-2825-52FF-A121-6280819148FE}"/>
+              </a:ext>
+            </a:extLst>
+          </p:cNvPr>
+          <p:cNvCxnSpPr>
+            <a:cxnSpLocks/>
+            <a:stCxn id="11" idx="7"/>
+            <a:endCxn id="10" idx="2"/>
+          </p:cNvCxnSpPr>
+          <p:nvPr/>
+        </p:nvCxnSpPr>
+        <p:spPr>
+          <a:xfrm flipV="1">
+            <a:off x="1485509" y="2947688"/>
+            <a:ext cx="1722115" cy="466048"/>
+          </a:xfrm>
+          <a:prstGeom prst="straightConnector1">
+            <a:avLst/>
+          </a:prstGeom>
+          <a:ln>
+            <a:tailEnd type="triangle"/>
+          </a:ln>
+        </p:spPr>
+        <p:style>
+          <a:lnRef idx="1">
+            <a:schemeClr val="dk1"/>
+          </a:lnRef>
+          <a:fillRef idx="0">
+            <a:schemeClr val="dk1"/>
+          </a:fillRef>
+          <a:effectRef idx="0">
+            <a:schemeClr val="dk1"/>
+          </a:effectRef>
+          <a:fontRef idx="minor">
+            <a:schemeClr val="tx1"/>
+          </a:fontRef>
+        </p:style>
+      </p:cxnSp>
+      <p:cxnSp>
+        <p:nvCxnSpPr>
+          <p:cNvPr id="100" name="Straight Arrow Connector 99">
+            <a:extLst>
+              <a:ext uri="{FF2B5EF4-FFF2-40B4-BE49-F238E27FC236}">
+                <a16:creationId xmlns:a16="http://schemas.microsoft.com/office/drawing/2014/main" id="{C0F2FD1F-686C-1B38-0E0D-83E413FEB6FF}"/>
+              </a:ext>
+            </a:extLst>
+          </p:cNvPr>
+          <p:cNvCxnSpPr>
+            <a:cxnSpLocks/>
+            <a:stCxn id="72" idx="0"/>
+            <a:endCxn id="37" idx="2"/>
+          </p:cNvCxnSpPr>
+          <p:nvPr/>
+        </p:nvCxnSpPr>
+        <p:spPr>
+          <a:xfrm rot="5400000" flipH="1" flipV="1">
+            <a:off x="1758726" y="3808312"/>
+            <a:ext cx="1087103" cy="510954"/>
+          </a:xfrm>
+          <a:prstGeom prst="curvedConnector2">
+            <a:avLst/>
+          </a:prstGeom>
+          <a:ln>
+            <a:tailEnd type="triangle"/>
+          </a:ln>
+        </p:spPr>
+        <p:style>
+          <a:lnRef idx="1">
+            <a:schemeClr val="dk1"/>
+          </a:lnRef>
+          <a:fillRef idx="0">
+            <a:schemeClr val="dk1"/>
+          </a:fillRef>
+          <a:effectRef idx="0">
+            <a:schemeClr val="dk1"/>
+          </a:effectRef>
+          <a:fontRef idx="minor">
+            <a:schemeClr val="tx1"/>
+          </a:fontRef>
+        </p:style>
+      </p:cxnSp>
+      <p:cxnSp>
+        <p:nvCxnSpPr>
+          <p:cNvPr id="103" name="Straight Arrow Connector 99">
+            <a:extLst>
+              <a:ext uri="{FF2B5EF4-FFF2-40B4-BE49-F238E27FC236}">
+                <a16:creationId xmlns:a16="http://schemas.microsoft.com/office/drawing/2014/main" id="{2A372CD2-3CC2-3B02-9FAE-7C64CDF314A4}"/>
+              </a:ext>
+            </a:extLst>
+          </p:cNvPr>
+          <p:cNvCxnSpPr>
+            <a:cxnSpLocks/>
+            <a:stCxn id="3" idx="0"/>
+            <a:endCxn id="11" idx="2"/>
+          </p:cNvCxnSpPr>
+          <p:nvPr/>
+        </p:nvCxnSpPr>
+        <p:spPr>
+          <a:xfrm rot="5400000" flipH="1" flipV="1">
+            <a:off x="421623" y="3828131"/>
+            <a:ext cx="1075687" cy="482732"/>
+          </a:xfrm>
+          <a:prstGeom prst="curvedConnector2">
+            <a:avLst/>
+          </a:prstGeom>
+          <a:ln>
+            <a:tailEnd type="triangle"/>
+          </a:ln>
+        </p:spPr>
+        <p:style>
+          <a:lnRef idx="1">
+            <a:schemeClr val="dk1"/>
+          </a:lnRef>
+          <a:fillRef idx="0">
+            <a:schemeClr val="dk1"/>
+          </a:fillRef>
+          <a:effectRef idx="0">
+            <a:schemeClr val="dk1"/>
+          </a:effectRef>
+          <a:fontRef idx="minor">
+            <a:schemeClr val="tx1"/>
+          </a:fontRef>
+        </p:style>
+      </p:cxnSp>
+      <p:cxnSp>
+        <p:nvCxnSpPr>
+          <p:cNvPr id="106" name="Straight Arrow Connector 99">
+            <a:extLst>
+              <a:ext uri="{FF2B5EF4-FFF2-40B4-BE49-F238E27FC236}">
+                <a16:creationId xmlns:a16="http://schemas.microsoft.com/office/drawing/2014/main" id="{DD5BF0A8-ACD8-E702-E08E-9BD637E6CCF1}"/>
+              </a:ext>
+            </a:extLst>
+          </p:cNvPr>
+          <p:cNvCxnSpPr>
+            <a:cxnSpLocks/>
+            <a:stCxn id="78" idx="0"/>
+            <a:endCxn id="40" idx="6"/>
+          </p:cNvCxnSpPr>
+          <p:nvPr/>
+        </p:nvCxnSpPr>
+        <p:spPr>
+          <a:xfrm rot="16200000" flipV="1">
+            <a:off x="3896501" y="3799641"/>
+            <a:ext cx="1087103" cy="528296"/>
+          </a:xfrm>
+          <a:prstGeom prst="curvedConnector2">
+            <a:avLst/>
+          </a:prstGeom>
+          <a:ln>
+            <a:tailEnd type="triangle"/>
+          </a:ln>
+        </p:spPr>
+        <p:style>
+          <a:lnRef idx="1">
+            <a:schemeClr val="dk1"/>
+          </a:lnRef>
+          <a:fillRef idx="0">
+            <a:schemeClr val="dk1"/>
+          </a:fillRef>
+          <a:effectRef idx="0">
+            <a:schemeClr val="dk1"/>
+          </a:effectRef>
+          <a:fontRef idx="minor">
+            <a:schemeClr val="tx1"/>
+          </a:fontRef>
+        </p:style>
+      </p:cxnSp>
+      <p:cxnSp>
+        <p:nvCxnSpPr>
+          <p:cNvPr id="109" name="Straight Arrow Connector 99">
+            <a:extLst>
+              <a:ext uri="{FF2B5EF4-FFF2-40B4-BE49-F238E27FC236}">
+                <a16:creationId xmlns:a16="http://schemas.microsoft.com/office/drawing/2014/main" id="{22038ACA-07AA-08B7-AF4B-5F273D60C63A}"/>
+              </a:ext>
+            </a:extLst>
+          </p:cNvPr>
+          <p:cNvCxnSpPr>
+            <a:cxnSpLocks/>
+            <a:stCxn id="81" idx="0"/>
+            <a:endCxn id="43" idx="6"/>
+          </p:cNvCxnSpPr>
+          <p:nvPr/>
+        </p:nvCxnSpPr>
+        <p:spPr>
+          <a:xfrm rot="16200000" flipV="1">
+            <a:off x="5203166" y="3777606"/>
+            <a:ext cx="1087103" cy="572366"/>
+          </a:xfrm>
+          <a:prstGeom prst="curvedConnector2">
+            <a:avLst/>
+          </a:prstGeom>
+          <a:ln>
+            <a:tailEnd type="triangle"/>
+          </a:ln>
+        </p:spPr>
+        <p:style>
+          <a:lnRef idx="1">
+            <a:schemeClr val="dk1"/>
+          </a:lnRef>
+          <a:fillRef idx="0">
+            <a:schemeClr val="dk1"/>
+          </a:fillRef>
+          <a:effectRef idx="0">
+            <a:schemeClr val="dk1"/>
+          </a:effectRef>
+          <a:fontRef idx="minor">
+            <a:schemeClr val="tx1"/>
+          </a:fontRef>
+        </p:style>
+      </p:cxnSp>
+      <mc:AlternateContent xmlns:mc="http://schemas.openxmlformats.org/markup-compatibility/2006" xmlns:a14="http://schemas.microsoft.com/office/drawing/2010/main">
+        <mc:Choice Requires="a14">
+          <p:sp>
+            <p:nvSpPr>
+              <p:cNvPr id="113" name="TextBox 112">
+                <a:extLst>
+                  <a:ext uri="{FF2B5EF4-FFF2-40B4-BE49-F238E27FC236}">
+                    <a16:creationId xmlns:a16="http://schemas.microsoft.com/office/drawing/2014/main" id="{0AC7452F-02CE-057B-0AAA-5DDC2E34642B}"/>
+                  </a:ext>
+                </a:extLst>
+              </p:cNvPr>
+              <p:cNvSpPr txBox="1"/>
+              <p:nvPr/>
+            </p:nvSpPr>
+            <p:spPr>
+              <a:xfrm>
+                <a:off x="556401" y="3440566"/>
+                <a:ext cx="572382" cy="276999"/>
+              </a:xfrm>
+              <a:prstGeom prst="rect">
+                <a:avLst/>
+              </a:prstGeom>
+              <a:noFill/>
+            </p:spPr>
+            <p:txBody>
+              <a:bodyPr wrap="square">
+                <a:spAutoFit/>
+              </a:bodyPr>
+              <a:lstStyle/>
+              <a:p>
+                <a:pPr/>
+                <a14:m>
+                  <m:oMathPara xmlns:m="http://schemas.openxmlformats.org/officeDocument/2006/math">
+                    <m:oMathParaPr>
+                      <m:jc m:val="center"/>
+                    </m:oMathParaPr>
+                    <m:oMath xmlns:m="http://schemas.openxmlformats.org/officeDocument/2006/math">
+                      <m:sSup>
+                        <m:sSupPr>
+                          <m:ctrlPr>
+                            <a:rPr lang="hr-HR" sz="1200" i="1" smtClean="0">
+                              <a:latin typeface="Cambria Math" panose="02040503050406030204" pitchFamily="18" charset="0"/>
+                            </a:rPr>
+                          </m:ctrlPr>
+                        </m:sSupPr>
+                        <m:e>
+                          <m:r>
+                            <a:rPr lang="hr-HR" sz="1200" b="0" i="1" smtClean="0">
+                              <a:latin typeface="Cambria Math" panose="02040503050406030204" pitchFamily="18" charset="0"/>
+                            </a:rPr>
+                            <m:t>𝑣</m:t>
+                          </m:r>
+                        </m:e>
+                        <m:sup>
+                          <m:r>
+                            <a:rPr lang="hr-HR" sz="1200" i="1">
+                              <a:latin typeface="Cambria Math" panose="02040503050406030204" pitchFamily="18" charset="0"/>
+                            </a:rPr>
+                            <m:t>&lt;1&gt;</m:t>
+                          </m:r>
+                        </m:sup>
+                      </m:sSup>
+                    </m:oMath>
+                  </m:oMathPara>
+                </a14:m>
+                <a:endParaRPr lang="en-HR" sz="1200" dirty="0"/>
+              </a:p>
+            </p:txBody>
+          </p:sp>
+        </mc:Choice>
+        <mc:Fallback xmlns="">
+          <p:sp>
+            <p:nvSpPr>
+              <p:cNvPr id="113" name="TextBox 112">
+                <a:extLst>
+                  <a:ext uri="{FF2B5EF4-FFF2-40B4-BE49-F238E27FC236}">
+                    <a16:creationId xmlns:a16="http://schemas.microsoft.com/office/drawing/2014/main" id="{0AC7452F-02CE-057B-0AAA-5DDC2E34642B}"/>
+                  </a:ext>
+                </a:extLst>
+              </p:cNvPr>
+              <p:cNvSpPr txBox="1">
+                <a:spLocks noRot="1" noChangeAspect="1" noMove="1" noResize="1" noEditPoints="1" noAdjustHandles="1" noChangeArrowheads="1" noChangeShapeType="1" noTextEdit="1"/>
+              </p:cNvSpPr>
+              <p:nvPr/>
+            </p:nvSpPr>
+            <p:spPr>
+              <a:xfrm>
+                <a:off x="556401" y="3440566"/>
+                <a:ext cx="572382" cy="276999"/>
+              </a:xfrm>
+              <a:prstGeom prst="rect">
+                <a:avLst/>
+              </a:prstGeom>
+              <a:blipFill>
+                <a:blip r:embed="rId19"/>
+                <a:stretch>
+                  <a:fillRect/>
+                </a:stretch>
+              </a:blipFill>
+            </p:spPr>
+            <p:txBody>
+              <a:bodyPr/>
+              <a:lstStyle/>
+              <a:p>
+                <a:r>
+                  <a:rPr lang="en-HR">
+                    <a:noFill/>
+                  </a:rPr>
+                  <a:t> </a:t>
+                </a:r>
+              </a:p>
+            </p:txBody>
+          </p:sp>
+        </mc:Fallback>
+      </mc:AlternateContent>
+      <mc:AlternateContent xmlns:mc="http://schemas.openxmlformats.org/markup-compatibility/2006" xmlns:a14="http://schemas.microsoft.com/office/drawing/2010/main">
+        <mc:Choice Requires="a14">
+          <p:sp>
+            <p:nvSpPr>
+              <p:cNvPr id="114" name="TextBox 113">
+                <a:extLst>
+                  <a:ext uri="{FF2B5EF4-FFF2-40B4-BE49-F238E27FC236}">
+                    <a16:creationId xmlns:a16="http://schemas.microsoft.com/office/drawing/2014/main" id="{D941AEE4-833B-5A92-CE0E-E9162261299B}"/>
+                  </a:ext>
+                </a:extLst>
+              </p:cNvPr>
+              <p:cNvSpPr txBox="1"/>
+              <p:nvPr/>
+            </p:nvSpPr>
+            <p:spPr>
+              <a:xfrm>
+                <a:off x="1892219" y="3418501"/>
+                <a:ext cx="572382" cy="276999"/>
+              </a:xfrm>
+              <a:prstGeom prst="rect">
+                <a:avLst/>
+              </a:prstGeom>
+              <a:noFill/>
+            </p:spPr>
+            <p:txBody>
+              <a:bodyPr wrap="square">
+                <a:spAutoFit/>
+              </a:bodyPr>
+              <a:lstStyle/>
+              <a:p>
+                <a:pPr/>
+                <a14:m>
+                  <m:oMathPara xmlns:m="http://schemas.openxmlformats.org/officeDocument/2006/math">
+                    <m:oMathParaPr>
+                      <m:jc m:val="center"/>
+                    </m:oMathParaPr>
+                    <m:oMath xmlns:m="http://schemas.openxmlformats.org/officeDocument/2006/math">
+                      <m:sSup>
+                        <m:sSupPr>
+                          <m:ctrlPr>
+                            <a:rPr lang="hr-HR" sz="1200" i="1" smtClean="0">
+                              <a:latin typeface="Cambria Math" panose="02040503050406030204" pitchFamily="18" charset="0"/>
+                            </a:rPr>
+                          </m:ctrlPr>
+                        </m:sSupPr>
+                        <m:e>
+                          <m:r>
+                            <a:rPr lang="hr-HR" sz="1200" b="0" i="1" smtClean="0">
+                              <a:latin typeface="Cambria Math" panose="02040503050406030204" pitchFamily="18" charset="0"/>
+                            </a:rPr>
+                            <m:t>𝑣</m:t>
+                          </m:r>
+                        </m:e>
+                        <m:sup>
+                          <m:r>
+                            <a:rPr lang="hr-HR" sz="1200" i="1">
+                              <a:latin typeface="Cambria Math" panose="02040503050406030204" pitchFamily="18" charset="0"/>
+                            </a:rPr>
+                            <m:t>&lt;</m:t>
+                          </m:r>
+                          <m:r>
+                            <a:rPr lang="hr-HR" sz="1200" b="0" i="1" smtClean="0">
+                              <a:latin typeface="Cambria Math" panose="02040503050406030204" pitchFamily="18" charset="0"/>
+                            </a:rPr>
+                            <m:t>2</m:t>
+                          </m:r>
+                          <m:r>
+                            <a:rPr lang="hr-HR" sz="1200" i="1">
+                              <a:latin typeface="Cambria Math" panose="02040503050406030204" pitchFamily="18" charset="0"/>
+                            </a:rPr>
+                            <m:t>&gt;</m:t>
+                          </m:r>
+                        </m:sup>
+                      </m:sSup>
+                    </m:oMath>
+                  </m:oMathPara>
+                </a14:m>
+                <a:endParaRPr lang="en-HR" sz="1200" dirty="0"/>
+              </a:p>
+            </p:txBody>
+          </p:sp>
+        </mc:Choice>
+        <mc:Fallback xmlns="">
+          <p:sp>
+            <p:nvSpPr>
+              <p:cNvPr id="114" name="TextBox 113">
+                <a:extLst>
+                  <a:ext uri="{FF2B5EF4-FFF2-40B4-BE49-F238E27FC236}">
+                    <a16:creationId xmlns:a16="http://schemas.microsoft.com/office/drawing/2014/main" id="{D941AEE4-833B-5A92-CE0E-E9162261299B}"/>
+                  </a:ext>
+                </a:extLst>
+              </p:cNvPr>
+              <p:cNvSpPr txBox="1">
+                <a:spLocks noRot="1" noChangeAspect="1" noMove="1" noResize="1" noEditPoints="1" noAdjustHandles="1" noChangeArrowheads="1" noChangeShapeType="1" noTextEdit="1"/>
+              </p:cNvSpPr>
+              <p:nvPr/>
+            </p:nvSpPr>
+            <p:spPr>
+              <a:xfrm>
+                <a:off x="1892219" y="3418501"/>
+                <a:ext cx="572382" cy="276999"/>
+              </a:xfrm>
+              <a:prstGeom prst="rect">
+                <a:avLst/>
+              </a:prstGeom>
+              <a:blipFill>
+                <a:blip r:embed="rId20"/>
+                <a:stretch>
+                  <a:fillRect/>
+                </a:stretch>
+              </a:blipFill>
+            </p:spPr>
+            <p:txBody>
+              <a:bodyPr/>
+              <a:lstStyle/>
+              <a:p>
+                <a:r>
+                  <a:rPr lang="en-HR">
+                    <a:noFill/>
+                  </a:rPr>
+                  <a:t> </a:t>
+                </a:r>
+              </a:p>
+            </p:txBody>
+          </p:sp>
+        </mc:Fallback>
+      </mc:AlternateContent>
+      <mc:AlternateContent xmlns:mc="http://schemas.openxmlformats.org/markup-compatibility/2006" xmlns:a14="http://schemas.microsoft.com/office/drawing/2010/main">
+        <mc:Choice Requires="a14">
+          <p:sp>
+            <p:nvSpPr>
+              <p:cNvPr id="115" name="TextBox 114">
+                <a:extLst>
+                  <a:ext uri="{FF2B5EF4-FFF2-40B4-BE49-F238E27FC236}">
+                    <a16:creationId xmlns:a16="http://schemas.microsoft.com/office/drawing/2014/main" id="{518CA714-5D5E-5A56-24AA-EAFB05FCBC15}"/>
+                  </a:ext>
+                </a:extLst>
+              </p:cNvPr>
+              <p:cNvSpPr txBox="1"/>
+              <p:nvPr/>
+            </p:nvSpPr>
+            <p:spPr>
+              <a:xfrm>
+                <a:off x="4319984" y="3396436"/>
+                <a:ext cx="572382" cy="276999"/>
+              </a:xfrm>
+              <a:prstGeom prst="rect">
+                <a:avLst/>
+              </a:prstGeom>
+              <a:noFill/>
+            </p:spPr>
+            <p:txBody>
+              <a:bodyPr wrap="square">
+                <a:spAutoFit/>
+              </a:bodyPr>
+              <a:lstStyle/>
+              <a:p>
+                <a:pPr/>
+                <a14:m>
+                  <m:oMathPara xmlns:m="http://schemas.openxmlformats.org/officeDocument/2006/math">
+                    <m:oMathParaPr>
+                      <m:jc m:val="center"/>
+                    </m:oMathParaPr>
+                    <m:oMath xmlns:m="http://schemas.openxmlformats.org/officeDocument/2006/math">
+                      <m:sSup>
+                        <m:sSupPr>
+                          <m:ctrlPr>
+                            <a:rPr lang="hr-HR" sz="1200" i="1" smtClean="0">
+                              <a:latin typeface="Cambria Math" panose="02040503050406030204" pitchFamily="18" charset="0"/>
+                            </a:rPr>
+                          </m:ctrlPr>
+                        </m:sSupPr>
+                        <m:e>
+                          <m:r>
+                            <a:rPr lang="hr-HR" sz="1200" b="0" i="1" smtClean="0">
+                              <a:latin typeface="Cambria Math" panose="02040503050406030204" pitchFamily="18" charset="0"/>
+                            </a:rPr>
+                            <m:t>𝑣</m:t>
+                          </m:r>
+                        </m:e>
+                        <m:sup>
+                          <m:r>
+                            <a:rPr lang="hr-HR" sz="1200" i="1">
+                              <a:latin typeface="Cambria Math" panose="02040503050406030204" pitchFamily="18" charset="0"/>
+                            </a:rPr>
+                            <m:t>&lt;</m:t>
+                          </m:r>
+                          <m:r>
+                            <a:rPr lang="hr-HR" sz="1200" b="0" i="1" smtClean="0">
+                              <a:latin typeface="Cambria Math" panose="02040503050406030204" pitchFamily="18" charset="0"/>
+                            </a:rPr>
+                            <m:t>4</m:t>
+                          </m:r>
+                          <m:r>
+                            <a:rPr lang="hr-HR" sz="1200" i="1">
+                              <a:latin typeface="Cambria Math" panose="02040503050406030204" pitchFamily="18" charset="0"/>
+                            </a:rPr>
+                            <m:t>&gt;</m:t>
+                          </m:r>
+                        </m:sup>
+                      </m:sSup>
+                    </m:oMath>
+                  </m:oMathPara>
+                </a14:m>
+                <a:endParaRPr lang="en-HR" sz="1200" dirty="0"/>
+              </a:p>
+            </p:txBody>
+          </p:sp>
+        </mc:Choice>
+        <mc:Fallback xmlns="">
+          <p:sp>
+            <p:nvSpPr>
+              <p:cNvPr id="115" name="TextBox 114">
+                <a:extLst>
+                  <a:ext uri="{FF2B5EF4-FFF2-40B4-BE49-F238E27FC236}">
+                    <a16:creationId xmlns:a16="http://schemas.microsoft.com/office/drawing/2014/main" id="{518CA714-5D5E-5A56-24AA-EAFB05FCBC15}"/>
+                  </a:ext>
+                </a:extLst>
+              </p:cNvPr>
+              <p:cNvSpPr txBox="1">
+                <a:spLocks noRot="1" noChangeAspect="1" noMove="1" noResize="1" noEditPoints="1" noAdjustHandles="1" noChangeArrowheads="1" noChangeShapeType="1" noTextEdit="1"/>
+              </p:cNvSpPr>
+              <p:nvPr/>
+            </p:nvSpPr>
+            <p:spPr>
+              <a:xfrm>
+                <a:off x="4319984" y="3396436"/>
+                <a:ext cx="572382" cy="276999"/>
+              </a:xfrm>
+              <a:prstGeom prst="rect">
+                <a:avLst/>
+              </a:prstGeom>
+              <a:blipFill>
+                <a:blip r:embed="rId21"/>
+                <a:stretch>
+                  <a:fillRect/>
+                </a:stretch>
+              </a:blipFill>
+            </p:spPr>
+            <p:txBody>
+              <a:bodyPr/>
+              <a:lstStyle/>
+              <a:p>
+                <a:r>
+                  <a:rPr lang="en-HR">
+                    <a:noFill/>
+                  </a:rPr>
+                  <a:t> </a:t>
+                </a:r>
+              </a:p>
+            </p:txBody>
+          </p:sp>
+        </mc:Fallback>
+      </mc:AlternateContent>
+      <mc:AlternateContent xmlns:mc="http://schemas.openxmlformats.org/markup-compatibility/2006" xmlns:a14="http://schemas.microsoft.com/office/drawing/2010/main">
+        <mc:Choice Requires="a14">
+          <p:sp>
+            <p:nvSpPr>
+              <p:cNvPr id="116" name="TextBox 115">
+                <a:extLst>
+                  <a:ext uri="{FF2B5EF4-FFF2-40B4-BE49-F238E27FC236}">
+                    <a16:creationId xmlns:a16="http://schemas.microsoft.com/office/drawing/2014/main" id="{C61A3349-AB46-BE5B-B4D8-0A6B64963FD7}"/>
+                  </a:ext>
+                </a:extLst>
+              </p:cNvPr>
+              <p:cNvSpPr txBox="1"/>
+              <p:nvPr/>
+            </p:nvSpPr>
+            <p:spPr>
+              <a:xfrm>
+                <a:off x="5655802" y="3374371"/>
+                <a:ext cx="572382" cy="276999"/>
+              </a:xfrm>
+              <a:prstGeom prst="rect">
+                <a:avLst/>
+              </a:prstGeom>
+              <a:noFill/>
+            </p:spPr>
+            <p:txBody>
+              <a:bodyPr wrap="square">
+                <a:spAutoFit/>
+              </a:bodyPr>
+              <a:lstStyle/>
+              <a:p>
+                <a:pPr/>
+                <a14:m>
+                  <m:oMathPara xmlns:m="http://schemas.openxmlformats.org/officeDocument/2006/math">
+                    <m:oMathParaPr>
+                      <m:jc m:val="center"/>
+                    </m:oMathParaPr>
+                    <m:oMath xmlns:m="http://schemas.openxmlformats.org/officeDocument/2006/math">
+                      <m:sSup>
+                        <m:sSupPr>
+                          <m:ctrlPr>
+                            <a:rPr lang="hr-HR" sz="1200" i="1" smtClean="0">
+                              <a:latin typeface="Cambria Math" panose="02040503050406030204" pitchFamily="18" charset="0"/>
+                            </a:rPr>
+                          </m:ctrlPr>
+                        </m:sSupPr>
+                        <m:e>
+                          <m:r>
+                            <a:rPr lang="hr-HR" sz="1200" b="0" i="1" smtClean="0">
+                              <a:latin typeface="Cambria Math" panose="02040503050406030204" pitchFamily="18" charset="0"/>
+                            </a:rPr>
+                            <m:t>𝑣</m:t>
+                          </m:r>
+                        </m:e>
+                        <m:sup>
+                          <m:r>
+                            <a:rPr lang="hr-HR" sz="1200" i="1">
+                              <a:latin typeface="Cambria Math" panose="02040503050406030204" pitchFamily="18" charset="0"/>
+                            </a:rPr>
+                            <m:t>&lt;</m:t>
+                          </m:r>
+                          <m:r>
+                            <a:rPr lang="hr-HR" sz="1200" b="0" i="1" smtClean="0">
+                              <a:latin typeface="Cambria Math" panose="02040503050406030204" pitchFamily="18" charset="0"/>
+                            </a:rPr>
+                            <m:t>5</m:t>
+                          </m:r>
+                          <m:r>
+                            <a:rPr lang="hr-HR" sz="1200" i="1">
+                              <a:latin typeface="Cambria Math" panose="02040503050406030204" pitchFamily="18" charset="0"/>
+                            </a:rPr>
+                            <m:t>&gt;</m:t>
+                          </m:r>
+                        </m:sup>
+                      </m:sSup>
+                    </m:oMath>
+                  </m:oMathPara>
+                </a14:m>
+                <a:endParaRPr lang="en-HR" sz="1200" dirty="0"/>
+              </a:p>
+            </p:txBody>
+          </p:sp>
+        </mc:Choice>
+        <mc:Fallback xmlns="">
+          <p:sp>
+            <p:nvSpPr>
+              <p:cNvPr id="116" name="TextBox 115">
+                <a:extLst>
+                  <a:ext uri="{FF2B5EF4-FFF2-40B4-BE49-F238E27FC236}">
+                    <a16:creationId xmlns:a16="http://schemas.microsoft.com/office/drawing/2014/main" id="{C61A3349-AB46-BE5B-B4D8-0A6B64963FD7}"/>
+                  </a:ext>
+                </a:extLst>
+              </p:cNvPr>
+              <p:cNvSpPr txBox="1">
+                <a:spLocks noRot="1" noChangeAspect="1" noMove="1" noResize="1" noEditPoints="1" noAdjustHandles="1" noChangeArrowheads="1" noChangeShapeType="1" noTextEdit="1"/>
+              </p:cNvSpPr>
+              <p:nvPr/>
+            </p:nvSpPr>
+            <p:spPr>
+              <a:xfrm>
+                <a:off x="5655802" y="3374371"/>
+                <a:ext cx="572382" cy="276999"/>
+              </a:xfrm>
+              <a:prstGeom prst="rect">
+                <a:avLst/>
+              </a:prstGeom>
+              <a:blipFill>
+                <a:blip r:embed="rId22"/>
+                <a:stretch>
+                  <a:fillRect/>
+                </a:stretch>
+              </a:blipFill>
+            </p:spPr>
+            <p:txBody>
+              <a:bodyPr/>
+              <a:lstStyle/>
+              <a:p>
+                <a:r>
+                  <a:rPr lang="en-HR">
+                    <a:noFill/>
+                  </a:rPr>
+                  <a:t> </a:t>
+                </a:r>
+              </a:p>
+            </p:txBody>
+          </p:sp>
+        </mc:Fallback>
+      </mc:AlternateContent>
+      <mc:AlternateContent xmlns:mc="http://schemas.openxmlformats.org/markup-compatibility/2006" xmlns:a14="http://schemas.microsoft.com/office/drawing/2010/main">
+        <mc:Choice Requires="a14">
+          <p:sp>
+            <p:nvSpPr>
+              <p:cNvPr id="117" name="Rounded Rectangle 116">
+                <a:extLst>
+                  <a:ext uri="{FF2B5EF4-FFF2-40B4-BE49-F238E27FC236}">
+                    <a16:creationId xmlns:a16="http://schemas.microsoft.com/office/drawing/2014/main" id="{EE02EE7B-FE2E-CB69-F4DC-B246B6B98F00}"/>
+                  </a:ext>
+                </a:extLst>
+              </p:cNvPr>
+              <p:cNvSpPr/>
+              <p:nvPr/>
+            </p:nvSpPr>
+            <p:spPr>
+              <a:xfrm>
+                <a:off x="422056" y="1346802"/>
+                <a:ext cx="5904656" cy="531562"/>
+              </a:xfrm>
+              <a:prstGeom prst="roundRect">
+                <a:avLst/>
+              </a:prstGeom>
+              <a:solidFill>
+                <a:schemeClr val="bg1"/>
+              </a:solidFill>
+              <a:ln>
+                <a:solidFill>
+                  <a:srgbClr val="0070C0"/>
+                </a:solidFill>
+              </a:ln>
+            </p:spPr>
+            <p:style>
+              <a:lnRef idx="2">
+                <a:schemeClr val="accent6"/>
+              </a:lnRef>
+              <a:fillRef idx="1">
+                <a:schemeClr val="lt1"/>
+              </a:fillRef>
+              <a:effectRef idx="0">
+                <a:schemeClr val="accent6"/>
+              </a:effectRef>
+              <a:fontRef idx="minor">
+                <a:schemeClr val="dk1"/>
+              </a:fontRef>
+            </p:style>
+            <p:txBody>
+              <a:bodyPr lIns="0" rIns="0" rtlCol="0" anchor="ctr"/>
+              <a:lstStyle/>
+              <a:p>
+                <a:pPr algn="ctr"/>
+                <a14:m>
+                  <m:oMathPara xmlns:m="http://schemas.openxmlformats.org/officeDocument/2006/math">
+                    <m:oMathParaPr>
+                      <m:jc m:val="center"/>
+                    </m:oMathParaPr>
+                    <m:oMath xmlns:m="http://schemas.openxmlformats.org/officeDocument/2006/math">
+                      <m:r>
+                        <m:rPr>
+                          <m:nor/>
+                        </m:rPr>
+                        <a:rPr lang="hr-HR" sz="1200">
+                          <a:latin typeface="Cambria Math" panose="02040503050406030204" pitchFamily="18" charset="0"/>
+                        </a:rPr>
+                        <m:t>Attention</m:t>
+                      </m:r>
+                      <m:r>
+                        <a:rPr lang="hr-HR" sz="1200" i="1">
+                          <a:latin typeface="Cambria Math" panose="02040503050406030204" pitchFamily="18" charset="0"/>
+                        </a:rPr>
+                        <m:t>(</m:t>
+                      </m:r>
+                      <m:r>
+                        <a:rPr lang="hr-HR" sz="1200" i="1">
+                          <a:latin typeface="Cambria Math" panose="02040503050406030204" pitchFamily="18" charset="0"/>
+                        </a:rPr>
+                        <m:t>𝑄</m:t>
+                      </m:r>
+                      <m:r>
+                        <a:rPr lang="hr-HR" sz="1200" i="1">
+                          <a:latin typeface="Cambria Math" panose="02040503050406030204" pitchFamily="18" charset="0"/>
+                        </a:rPr>
+                        <m:t>,</m:t>
+                      </m:r>
+                      <m:r>
+                        <a:rPr lang="hr-HR" sz="1200" i="1">
+                          <a:latin typeface="Cambria Math" panose="02040503050406030204" pitchFamily="18" charset="0"/>
+                        </a:rPr>
+                        <m:t>𝐾</m:t>
+                      </m:r>
+                      <m:r>
+                        <a:rPr lang="hr-HR" sz="1200" i="1">
+                          <a:latin typeface="Cambria Math" panose="02040503050406030204" pitchFamily="18" charset="0"/>
+                        </a:rPr>
+                        <m:t>,</m:t>
+                      </m:r>
+                      <m:r>
+                        <a:rPr lang="hr-HR" sz="1200" i="1">
+                          <a:latin typeface="Cambria Math" panose="02040503050406030204" pitchFamily="18" charset="0"/>
+                        </a:rPr>
+                        <m:t>𝑉</m:t>
+                      </m:r>
+                      <m:r>
+                        <a:rPr lang="hr-HR" sz="1200" i="1">
+                          <a:latin typeface="Cambria Math" panose="02040503050406030204" pitchFamily="18" charset="0"/>
+                        </a:rPr>
+                        <m:t>)</m:t>
+                      </m:r>
+                      <m:r>
+                        <m:rPr>
+                          <m:nor/>
+                        </m:rPr>
+                        <a:rPr lang="en-HR" sz="1200" dirty="0"/>
+                        <m:t> = </m:t>
+                      </m:r>
+                      <m:r>
+                        <m:rPr>
+                          <m:nor/>
+                        </m:rPr>
+                        <a:rPr lang="hr-HR" sz="1200" dirty="0">
+                          <a:latin typeface="Cambria Math" panose="02040503050406030204" pitchFamily="18" charset="0"/>
+                        </a:rPr>
+                        <m:t>softmax</m:t>
+                      </m:r>
+                      <m:d>
+                        <m:dPr>
+                          <m:ctrlPr>
+                            <a:rPr lang="hr-HR" sz="1200" i="1" dirty="0">
+                              <a:latin typeface="Cambria Math" panose="02040503050406030204" pitchFamily="18" charset="0"/>
+                            </a:rPr>
+                          </m:ctrlPr>
+                        </m:dPr>
+                        <m:e>
+                          <m:f>
+                            <m:fPr>
+                              <m:ctrlPr>
+                                <a:rPr lang="hr-HR" sz="1200" i="1" dirty="0">
+                                  <a:latin typeface="Cambria Math" panose="02040503050406030204" pitchFamily="18" charset="0"/>
+                                </a:rPr>
+                              </m:ctrlPr>
+                            </m:fPr>
+                            <m:num>
+                              <m:r>
+                                <a:rPr lang="hr-HR" sz="1200" i="1" dirty="0">
+                                  <a:latin typeface="Cambria Math" panose="02040503050406030204" pitchFamily="18" charset="0"/>
+                                </a:rPr>
+                                <m:t>𝑄</m:t>
+                              </m:r>
+                              <m:sSup>
+                                <m:sSupPr>
+                                  <m:ctrlPr>
+                                    <a:rPr lang="hr-HR" sz="1200" i="1" dirty="0">
+                                      <a:latin typeface="Cambria Math" panose="02040503050406030204" pitchFamily="18" charset="0"/>
+                                    </a:rPr>
+                                  </m:ctrlPr>
+                                </m:sSupPr>
+                                <m:e>
+                                  <m:r>
+                                    <a:rPr lang="hr-HR" sz="1200" i="1" dirty="0">
+                                      <a:latin typeface="Cambria Math" panose="02040503050406030204" pitchFamily="18" charset="0"/>
+                                    </a:rPr>
+                                    <m:t>𝐾</m:t>
+                                  </m:r>
+                                </m:e>
+                                <m:sup>
+                                  <m:r>
+                                    <a:rPr lang="hr-HR" sz="1200" i="1" dirty="0">
+                                      <a:latin typeface="Cambria Math" panose="02040503050406030204" pitchFamily="18" charset="0"/>
+                                    </a:rPr>
+                                    <m:t>𝑇</m:t>
+                                  </m:r>
+                                </m:sup>
+                              </m:sSup>
+                            </m:num>
+                            <m:den>
+                              <m:rad>
+                                <m:radPr>
+                                  <m:degHide m:val="on"/>
+                                  <m:ctrlPr>
+                                    <a:rPr lang="hr-HR" sz="1200" i="1" dirty="0">
+                                      <a:latin typeface="Cambria Math" panose="02040503050406030204" pitchFamily="18" charset="0"/>
+                                    </a:rPr>
+                                  </m:ctrlPr>
+                                </m:radPr>
+                                <m:deg/>
+                                <m:e>
+                                  <m:sSub>
+                                    <m:sSubPr>
+                                      <m:ctrlPr>
+                                        <a:rPr lang="hr-HR" sz="1200" i="1" dirty="0">
+                                          <a:latin typeface="Cambria Math" panose="02040503050406030204" pitchFamily="18" charset="0"/>
+                                        </a:rPr>
+                                      </m:ctrlPr>
+                                    </m:sSubPr>
+                                    <m:e>
+                                      <m:r>
+                                        <a:rPr lang="hr-HR" sz="1200" i="1" dirty="0">
+                                          <a:latin typeface="Cambria Math" panose="02040503050406030204" pitchFamily="18" charset="0"/>
+                                        </a:rPr>
+                                        <m:t>𝑑</m:t>
+                                      </m:r>
+                                    </m:e>
+                                    <m:sub>
+                                      <m:r>
+                                        <a:rPr lang="hr-HR" sz="1200" i="1" dirty="0">
+                                          <a:latin typeface="Cambria Math" panose="02040503050406030204" pitchFamily="18" charset="0"/>
+                                        </a:rPr>
+                                        <m:t>𝑘</m:t>
+                                      </m:r>
+                                    </m:sub>
+                                  </m:sSub>
+                                </m:e>
+                              </m:rad>
+                            </m:den>
+                          </m:f>
+                        </m:e>
+                      </m:d>
+                      <m:r>
+                        <a:rPr lang="hr-HR" sz="1200" i="1" dirty="0">
+                          <a:latin typeface="Cambria Math" panose="02040503050406030204" pitchFamily="18" charset="0"/>
+                        </a:rPr>
+                        <m:t>𝑉</m:t>
+                      </m:r>
+                    </m:oMath>
+                  </m:oMathPara>
+                </a14:m>
+                <a:endParaRPr lang="en-HR" sz="1200" dirty="0"/>
+              </a:p>
+            </p:txBody>
+          </p:sp>
+        </mc:Choice>
+        <mc:Fallback xmlns="">
+          <p:sp>
+            <p:nvSpPr>
+              <p:cNvPr id="117" name="Rounded Rectangle 116">
+                <a:extLst>
+                  <a:ext uri="{FF2B5EF4-FFF2-40B4-BE49-F238E27FC236}">
+                    <a16:creationId xmlns:a16="http://schemas.microsoft.com/office/drawing/2014/main" id="{EE02EE7B-FE2E-CB69-F4DC-B246B6B98F00}"/>
+                  </a:ext>
+                </a:extLst>
+              </p:cNvPr>
+              <p:cNvSpPr>
+                <a:spLocks noRot="1" noChangeAspect="1" noMove="1" noResize="1" noEditPoints="1" noAdjustHandles="1" noChangeArrowheads="1" noChangeShapeType="1" noTextEdit="1"/>
+              </p:cNvSpPr>
+              <p:nvPr/>
+            </p:nvSpPr>
+            <p:spPr>
+              <a:xfrm>
+                <a:off x="422056" y="1346802"/>
+                <a:ext cx="5904656" cy="531562"/>
+              </a:xfrm>
+              <a:prstGeom prst="roundRect">
+                <a:avLst/>
+              </a:prstGeom>
+              <a:blipFill>
+                <a:blip r:embed="rId23"/>
+                <a:stretch>
+                  <a:fillRect/>
+                </a:stretch>
+              </a:blipFill>
+              <a:ln>
+                <a:solidFill>
+                  <a:srgbClr val="0070C0"/>
+                </a:solidFill>
+              </a:ln>
+            </p:spPr>
+            <p:txBody>
+              <a:bodyPr/>
+              <a:lstStyle/>
+              <a:p>
+                <a:r>
+                  <a:rPr lang="en-HR">
+                    <a:noFill/>
+                  </a:rPr>
+                  <a:t> </a:t>
+                </a:r>
+              </a:p>
+            </p:txBody>
+          </p:sp>
+        </mc:Fallback>
+      </mc:AlternateContent>
+      <mc:AlternateContent xmlns:mc="http://schemas.openxmlformats.org/markup-compatibility/2006" xmlns:a14="http://schemas.microsoft.com/office/drawing/2010/main">
+        <mc:Choice Requires="a14">
+          <p:sp>
+            <p:nvSpPr>
+              <p:cNvPr id="118" name="TextBox 117">
+                <a:extLst>
+                  <a:ext uri="{FF2B5EF4-FFF2-40B4-BE49-F238E27FC236}">
+                    <a16:creationId xmlns:a16="http://schemas.microsoft.com/office/drawing/2014/main" id="{467B368E-7C10-2146-4792-24AC834E020D}"/>
+                  </a:ext>
+                </a:extLst>
+              </p:cNvPr>
+              <p:cNvSpPr txBox="1"/>
+              <p:nvPr/>
+            </p:nvSpPr>
+            <p:spPr>
+              <a:xfrm>
+                <a:off x="146956" y="2132856"/>
+                <a:ext cx="1140056" cy="370422"/>
+              </a:xfrm>
+              <a:prstGeom prst="rect">
+                <a:avLst/>
+              </a:prstGeom>
+              <a:noFill/>
+            </p:spPr>
+            <p:txBody>
+              <a:bodyPr wrap="square" lIns="0" tIns="46800" rIns="0">
+                <a:spAutoFit/>
+              </a:bodyPr>
+              <a:lstStyle/>
+              <a:p>
+                <a:pPr algn="ctr"/>
+                <a:r>
+                  <a:rPr lang="en-US" dirty="0">
+                    <a:solidFill>
+                      <a:schemeClr val="tx1"/>
+                    </a:solidFill>
+                  </a:rPr>
+                  <a:t> </a:t>
+                </a:r>
+                <a14:m>
+                  <m:oMath xmlns:m="http://schemas.openxmlformats.org/officeDocument/2006/math">
+                    <m:sSup>
+                      <m:sSupPr>
+                        <m:ctrlPr>
+                          <a:rPr lang="hr-HR" b="0" i="1" smtClean="0">
+                            <a:solidFill>
+                              <a:schemeClr val="tx1"/>
+                            </a:solidFill>
+                            <a:latin typeface="Cambria Math" panose="02040503050406030204" pitchFamily="18" charset="0"/>
+                          </a:rPr>
+                        </m:ctrlPr>
+                      </m:sSupPr>
+                      <m:e>
+                        <m:r>
+                          <a:rPr lang="hr-HR" b="0" i="1" smtClean="0">
+                            <a:solidFill>
+                              <a:schemeClr val="tx1"/>
+                            </a:solidFill>
+                            <a:latin typeface="Cambria Math" panose="02040503050406030204" pitchFamily="18" charset="0"/>
+                          </a:rPr>
+                          <m:t>𝐴</m:t>
+                        </m:r>
+                      </m:e>
+                      <m:sup>
+                        <m:r>
+                          <a:rPr lang="hr-HR" b="0" i="1" smtClean="0">
+                            <a:solidFill>
+                              <a:schemeClr val="tx1"/>
+                            </a:solidFill>
+                            <a:latin typeface="Cambria Math" panose="02040503050406030204" pitchFamily="18" charset="0"/>
+                          </a:rPr>
+                          <m:t>&lt;1&gt;</m:t>
+                        </m:r>
+                      </m:sup>
+                    </m:sSup>
+                  </m:oMath>
+                </a14:m>
+                <a:endParaRPr lang="hr-HR" b="0" dirty="0">
+                  <a:solidFill>
+                    <a:schemeClr val="tx1"/>
+                  </a:solidFill>
+                </a:endParaRPr>
+              </a:p>
+            </p:txBody>
+          </p:sp>
+        </mc:Choice>
+        <mc:Fallback xmlns="">
+          <p:sp>
+            <p:nvSpPr>
+              <p:cNvPr id="118" name="TextBox 117">
+                <a:extLst>
+                  <a:ext uri="{FF2B5EF4-FFF2-40B4-BE49-F238E27FC236}">
+                    <a16:creationId xmlns:a16="http://schemas.microsoft.com/office/drawing/2014/main" id="{467B368E-7C10-2146-4792-24AC834E020D}"/>
+                  </a:ext>
+                </a:extLst>
+              </p:cNvPr>
+              <p:cNvSpPr txBox="1">
+                <a:spLocks noRot="1" noChangeAspect="1" noMove="1" noResize="1" noEditPoints="1" noAdjustHandles="1" noChangeArrowheads="1" noChangeShapeType="1" noTextEdit="1"/>
+              </p:cNvSpPr>
+              <p:nvPr/>
+            </p:nvSpPr>
+            <p:spPr>
+              <a:xfrm>
+                <a:off x="146956" y="2132856"/>
+                <a:ext cx="1140056" cy="370422"/>
+              </a:xfrm>
+              <a:prstGeom prst="rect">
+                <a:avLst/>
+              </a:prstGeom>
+              <a:blipFill>
+                <a:blip r:embed="rId24"/>
+                <a:stretch>
+                  <a:fillRect/>
+                </a:stretch>
+              </a:blipFill>
+            </p:spPr>
+            <p:txBody>
+              <a:bodyPr/>
+              <a:lstStyle/>
+              <a:p>
+                <a:r>
+                  <a:rPr lang="en-HR">
+                    <a:noFill/>
+                  </a:rPr>
+                  <a:t> </a:t>
+                </a:r>
+              </a:p>
+            </p:txBody>
+          </p:sp>
+        </mc:Fallback>
+      </mc:AlternateContent>
+      <mc:AlternateContent xmlns:mc="http://schemas.openxmlformats.org/markup-compatibility/2006" xmlns:a14="http://schemas.microsoft.com/office/drawing/2010/main">
+        <mc:Choice Requires="a14">
+          <p:sp>
+            <p:nvSpPr>
+              <p:cNvPr id="119" name="TextBox 118">
+                <a:extLst>
+                  <a:ext uri="{FF2B5EF4-FFF2-40B4-BE49-F238E27FC236}">
+                    <a16:creationId xmlns:a16="http://schemas.microsoft.com/office/drawing/2014/main" id="{0F4095E0-AA55-3DD1-2962-1DE4CC14A46D}"/>
+                  </a:ext>
+                </a:extLst>
+              </p:cNvPr>
+              <p:cNvSpPr txBox="1"/>
+              <p:nvPr/>
+            </p:nvSpPr>
+            <p:spPr>
+              <a:xfrm>
+                <a:off x="1475656" y="2132856"/>
+                <a:ext cx="1140056" cy="370422"/>
+              </a:xfrm>
+              <a:prstGeom prst="rect">
+                <a:avLst/>
+              </a:prstGeom>
+              <a:noFill/>
+            </p:spPr>
+            <p:txBody>
+              <a:bodyPr wrap="square" lIns="0" tIns="46800" rIns="0">
+                <a:spAutoFit/>
+              </a:bodyPr>
+              <a:lstStyle/>
+              <a:p>
+                <a:pPr algn="ctr"/>
+                <a:r>
+                  <a:rPr lang="en-US" dirty="0">
+                    <a:solidFill>
+                      <a:schemeClr val="tx1"/>
+                    </a:solidFill>
+                  </a:rPr>
+                  <a:t> </a:t>
+                </a:r>
+                <a14:m>
+                  <m:oMath xmlns:m="http://schemas.openxmlformats.org/officeDocument/2006/math">
+                    <m:sSup>
+                      <m:sSupPr>
+                        <m:ctrlPr>
+                          <a:rPr lang="hr-HR" b="0" i="1" smtClean="0">
+                            <a:solidFill>
+                              <a:schemeClr val="tx1"/>
+                            </a:solidFill>
+                            <a:latin typeface="Cambria Math" panose="02040503050406030204" pitchFamily="18" charset="0"/>
+                          </a:rPr>
+                        </m:ctrlPr>
+                      </m:sSupPr>
+                      <m:e>
+                        <m:r>
+                          <a:rPr lang="hr-HR" b="0" i="1" smtClean="0">
+                            <a:solidFill>
+                              <a:schemeClr val="tx1"/>
+                            </a:solidFill>
+                            <a:latin typeface="Cambria Math" panose="02040503050406030204" pitchFamily="18" charset="0"/>
+                          </a:rPr>
+                          <m:t>𝐴</m:t>
+                        </m:r>
+                      </m:e>
+                      <m:sup>
+                        <m:r>
+                          <a:rPr lang="hr-HR" b="0" i="1" smtClean="0">
+                            <a:solidFill>
+                              <a:schemeClr val="tx1"/>
+                            </a:solidFill>
+                            <a:latin typeface="Cambria Math" panose="02040503050406030204" pitchFamily="18" charset="0"/>
+                          </a:rPr>
+                          <m:t>&lt;2&gt;</m:t>
+                        </m:r>
+                      </m:sup>
+                    </m:sSup>
+                  </m:oMath>
+                </a14:m>
+                <a:endParaRPr lang="hr-HR" b="0" dirty="0">
+                  <a:solidFill>
+                    <a:schemeClr val="tx1"/>
+                  </a:solidFill>
+                </a:endParaRPr>
+              </a:p>
+            </p:txBody>
+          </p:sp>
+        </mc:Choice>
+        <mc:Fallback xmlns="">
+          <p:sp>
+            <p:nvSpPr>
+              <p:cNvPr id="119" name="TextBox 118">
+                <a:extLst>
+                  <a:ext uri="{FF2B5EF4-FFF2-40B4-BE49-F238E27FC236}">
+                    <a16:creationId xmlns:a16="http://schemas.microsoft.com/office/drawing/2014/main" id="{0F4095E0-AA55-3DD1-2962-1DE4CC14A46D}"/>
+                  </a:ext>
+                </a:extLst>
+              </p:cNvPr>
+              <p:cNvSpPr txBox="1">
+                <a:spLocks noRot="1" noChangeAspect="1" noMove="1" noResize="1" noEditPoints="1" noAdjustHandles="1" noChangeArrowheads="1" noChangeShapeType="1" noTextEdit="1"/>
+              </p:cNvSpPr>
+              <p:nvPr/>
+            </p:nvSpPr>
+            <p:spPr>
+              <a:xfrm>
+                <a:off x="1475656" y="2132856"/>
+                <a:ext cx="1140056" cy="370422"/>
+              </a:xfrm>
+              <a:prstGeom prst="rect">
+                <a:avLst/>
+              </a:prstGeom>
+              <a:blipFill>
+                <a:blip r:embed="rId25"/>
+                <a:stretch>
+                  <a:fillRect/>
+                </a:stretch>
+              </a:blipFill>
+            </p:spPr>
+            <p:txBody>
+              <a:bodyPr/>
+              <a:lstStyle/>
+              <a:p>
+                <a:r>
+                  <a:rPr lang="en-HR">
+                    <a:noFill/>
+                  </a:rPr>
+                  <a:t> </a:t>
+                </a:r>
+              </a:p>
+            </p:txBody>
+          </p:sp>
+        </mc:Fallback>
+      </mc:AlternateContent>
+      <mc:AlternateContent xmlns:mc="http://schemas.openxmlformats.org/markup-compatibility/2006" xmlns:a14="http://schemas.microsoft.com/office/drawing/2010/main">
+        <mc:Choice Requires="a14">
+          <p:sp>
+            <p:nvSpPr>
+              <p:cNvPr id="120" name="TextBox 119">
+                <a:extLst>
+                  <a:ext uri="{FF2B5EF4-FFF2-40B4-BE49-F238E27FC236}">
+                    <a16:creationId xmlns:a16="http://schemas.microsoft.com/office/drawing/2014/main" id="{9375B254-4518-082A-B75C-DB7DBF82FF15}"/>
+                  </a:ext>
+                </a:extLst>
+              </p:cNvPr>
+              <p:cNvSpPr txBox="1"/>
+              <p:nvPr/>
+            </p:nvSpPr>
+            <p:spPr>
+              <a:xfrm>
+                <a:off x="2804356" y="2132856"/>
+                <a:ext cx="1140056" cy="370422"/>
+              </a:xfrm>
+              <a:prstGeom prst="rect">
+                <a:avLst/>
+              </a:prstGeom>
+              <a:noFill/>
+            </p:spPr>
+            <p:txBody>
+              <a:bodyPr wrap="square" lIns="0" tIns="46800" rIns="0">
+                <a:spAutoFit/>
+              </a:bodyPr>
+              <a:lstStyle/>
+              <a:p>
+                <a:pPr algn="ctr"/>
+                <a:r>
+                  <a:rPr lang="en-US" dirty="0">
+                    <a:solidFill>
+                      <a:schemeClr val="tx1"/>
+                    </a:solidFill>
+                  </a:rPr>
+                  <a:t> </a:t>
+                </a:r>
+                <a14:m>
+                  <m:oMath xmlns:m="http://schemas.openxmlformats.org/officeDocument/2006/math">
+                    <m:sSup>
+                      <m:sSupPr>
+                        <m:ctrlPr>
+                          <a:rPr lang="hr-HR" b="0" i="1" smtClean="0">
+                            <a:solidFill>
+                              <a:schemeClr val="tx1"/>
+                            </a:solidFill>
+                            <a:latin typeface="Cambria Math" panose="02040503050406030204" pitchFamily="18" charset="0"/>
+                          </a:rPr>
+                        </m:ctrlPr>
+                      </m:sSupPr>
+                      <m:e>
+                        <m:r>
+                          <a:rPr lang="hr-HR" b="0" i="1" smtClean="0">
+                            <a:solidFill>
+                              <a:schemeClr val="tx1"/>
+                            </a:solidFill>
+                            <a:latin typeface="Cambria Math" panose="02040503050406030204" pitchFamily="18" charset="0"/>
+                          </a:rPr>
+                          <m:t>𝐴</m:t>
+                        </m:r>
+                      </m:e>
+                      <m:sup>
+                        <m:r>
+                          <a:rPr lang="hr-HR" b="0" i="1" smtClean="0">
+                            <a:solidFill>
+                              <a:schemeClr val="tx1"/>
+                            </a:solidFill>
+                            <a:latin typeface="Cambria Math" panose="02040503050406030204" pitchFamily="18" charset="0"/>
+                          </a:rPr>
+                          <m:t>&lt;3&gt;</m:t>
+                        </m:r>
+                      </m:sup>
+                    </m:sSup>
+                  </m:oMath>
+                </a14:m>
+                <a:endParaRPr lang="hr-HR" b="0" dirty="0">
+                  <a:solidFill>
+                    <a:schemeClr val="tx1"/>
+                  </a:solidFill>
+                </a:endParaRPr>
+              </a:p>
+            </p:txBody>
+          </p:sp>
+        </mc:Choice>
+        <mc:Fallback xmlns="">
+          <p:sp>
+            <p:nvSpPr>
+              <p:cNvPr id="120" name="TextBox 119">
+                <a:extLst>
+                  <a:ext uri="{FF2B5EF4-FFF2-40B4-BE49-F238E27FC236}">
+                    <a16:creationId xmlns:a16="http://schemas.microsoft.com/office/drawing/2014/main" id="{9375B254-4518-082A-B75C-DB7DBF82FF15}"/>
+                  </a:ext>
+                </a:extLst>
+              </p:cNvPr>
+              <p:cNvSpPr txBox="1">
+                <a:spLocks noRot="1" noChangeAspect="1" noMove="1" noResize="1" noEditPoints="1" noAdjustHandles="1" noChangeArrowheads="1" noChangeShapeType="1" noTextEdit="1"/>
+              </p:cNvSpPr>
+              <p:nvPr/>
+            </p:nvSpPr>
+            <p:spPr>
+              <a:xfrm>
+                <a:off x="2804356" y="2132856"/>
+                <a:ext cx="1140056" cy="370422"/>
+              </a:xfrm>
+              <a:prstGeom prst="rect">
+                <a:avLst/>
+              </a:prstGeom>
+              <a:blipFill>
+                <a:blip r:embed="rId26"/>
+                <a:stretch>
+                  <a:fillRect/>
+                </a:stretch>
+              </a:blipFill>
+            </p:spPr>
+            <p:txBody>
+              <a:bodyPr/>
+              <a:lstStyle/>
+              <a:p>
+                <a:r>
+                  <a:rPr lang="en-HR">
+                    <a:noFill/>
+                  </a:rPr>
+                  <a:t> </a:t>
+                </a:r>
+              </a:p>
+            </p:txBody>
+          </p:sp>
+        </mc:Fallback>
+      </mc:AlternateContent>
+      <mc:AlternateContent xmlns:mc="http://schemas.openxmlformats.org/markup-compatibility/2006" xmlns:a14="http://schemas.microsoft.com/office/drawing/2010/main">
+        <mc:Choice Requires="a14">
+          <p:sp>
+            <p:nvSpPr>
+              <p:cNvPr id="121" name="TextBox 120">
+                <a:extLst>
+                  <a:ext uri="{FF2B5EF4-FFF2-40B4-BE49-F238E27FC236}">
+                    <a16:creationId xmlns:a16="http://schemas.microsoft.com/office/drawing/2014/main" id="{0D9D052F-1553-68DF-AA0D-F56B62659074}"/>
+                  </a:ext>
+                </a:extLst>
+              </p:cNvPr>
+              <p:cNvSpPr txBox="1"/>
+              <p:nvPr/>
+            </p:nvSpPr>
+            <p:spPr>
+              <a:xfrm>
+                <a:off x="4133056" y="2132856"/>
+                <a:ext cx="1140056" cy="370422"/>
+              </a:xfrm>
+              <a:prstGeom prst="rect">
+                <a:avLst/>
+              </a:prstGeom>
+              <a:noFill/>
+            </p:spPr>
+            <p:txBody>
+              <a:bodyPr wrap="square" lIns="0" tIns="46800" rIns="0">
+                <a:spAutoFit/>
+              </a:bodyPr>
+              <a:lstStyle/>
+              <a:p>
+                <a:pPr algn="ctr"/>
+                <a:r>
+                  <a:rPr lang="en-US" dirty="0">
+                    <a:solidFill>
+                      <a:schemeClr val="tx1"/>
+                    </a:solidFill>
+                  </a:rPr>
+                  <a:t> </a:t>
+                </a:r>
+                <a14:m>
+                  <m:oMath xmlns:m="http://schemas.openxmlformats.org/officeDocument/2006/math">
+                    <m:sSup>
+                      <m:sSupPr>
+                        <m:ctrlPr>
+                          <a:rPr lang="hr-HR" b="0" i="1" smtClean="0">
+                            <a:solidFill>
+                              <a:schemeClr val="tx1"/>
+                            </a:solidFill>
+                            <a:latin typeface="Cambria Math" panose="02040503050406030204" pitchFamily="18" charset="0"/>
+                          </a:rPr>
+                        </m:ctrlPr>
+                      </m:sSupPr>
+                      <m:e>
+                        <m:r>
+                          <a:rPr lang="hr-HR" b="0" i="1" smtClean="0">
+                            <a:solidFill>
+                              <a:schemeClr val="tx1"/>
+                            </a:solidFill>
+                            <a:latin typeface="Cambria Math" panose="02040503050406030204" pitchFamily="18" charset="0"/>
+                          </a:rPr>
+                          <m:t>𝐴</m:t>
+                        </m:r>
+                      </m:e>
+                      <m:sup>
+                        <m:r>
+                          <a:rPr lang="hr-HR" b="0" i="1" smtClean="0">
+                            <a:solidFill>
+                              <a:schemeClr val="tx1"/>
+                            </a:solidFill>
+                            <a:latin typeface="Cambria Math" panose="02040503050406030204" pitchFamily="18" charset="0"/>
+                          </a:rPr>
+                          <m:t>&lt;4&gt;</m:t>
+                        </m:r>
+                      </m:sup>
+                    </m:sSup>
+                  </m:oMath>
+                </a14:m>
+                <a:endParaRPr lang="hr-HR" b="0" dirty="0">
+                  <a:solidFill>
+                    <a:schemeClr val="tx1"/>
+                  </a:solidFill>
+                </a:endParaRPr>
+              </a:p>
+            </p:txBody>
+          </p:sp>
+        </mc:Choice>
+        <mc:Fallback xmlns="">
+          <p:sp>
+            <p:nvSpPr>
+              <p:cNvPr id="121" name="TextBox 120">
+                <a:extLst>
+                  <a:ext uri="{FF2B5EF4-FFF2-40B4-BE49-F238E27FC236}">
+                    <a16:creationId xmlns:a16="http://schemas.microsoft.com/office/drawing/2014/main" id="{0D9D052F-1553-68DF-AA0D-F56B62659074}"/>
+                  </a:ext>
+                </a:extLst>
+              </p:cNvPr>
+              <p:cNvSpPr txBox="1">
+                <a:spLocks noRot="1" noChangeAspect="1" noMove="1" noResize="1" noEditPoints="1" noAdjustHandles="1" noChangeArrowheads="1" noChangeShapeType="1" noTextEdit="1"/>
+              </p:cNvSpPr>
+              <p:nvPr/>
+            </p:nvSpPr>
+            <p:spPr>
+              <a:xfrm>
+                <a:off x="4133056" y="2132856"/>
+                <a:ext cx="1140056" cy="370422"/>
+              </a:xfrm>
+              <a:prstGeom prst="rect">
+                <a:avLst/>
+              </a:prstGeom>
+              <a:blipFill>
+                <a:blip r:embed="rId27"/>
+                <a:stretch>
+                  <a:fillRect/>
+                </a:stretch>
+              </a:blipFill>
+            </p:spPr>
+            <p:txBody>
+              <a:bodyPr/>
+              <a:lstStyle/>
+              <a:p>
+                <a:r>
+                  <a:rPr lang="en-HR">
+                    <a:noFill/>
+                  </a:rPr>
+                  <a:t> </a:t>
+                </a:r>
+              </a:p>
+            </p:txBody>
+          </p:sp>
+        </mc:Fallback>
+      </mc:AlternateContent>
+      <mc:AlternateContent xmlns:mc="http://schemas.openxmlformats.org/markup-compatibility/2006" xmlns:a14="http://schemas.microsoft.com/office/drawing/2010/main">
+        <mc:Choice Requires="a14">
+          <p:sp>
+            <p:nvSpPr>
+              <p:cNvPr id="122" name="TextBox 121">
+                <a:extLst>
+                  <a:ext uri="{FF2B5EF4-FFF2-40B4-BE49-F238E27FC236}">
+                    <a16:creationId xmlns:a16="http://schemas.microsoft.com/office/drawing/2014/main" id="{DCDFED9D-FE2D-A13E-2645-E6BE2679DACC}"/>
+                  </a:ext>
+                </a:extLst>
+              </p:cNvPr>
+              <p:cNvSpPr txBox="1"/>
+              <p:nvPr/>
+            </p:nvSpPr>
+            <p:spPr>
+              <a:xfrm>
+                <a:off x="5461756" y="2132856"/>
+                <a:ext cx="1140056" cy="373500"/>
+              </a:xfrm>
+              <a:prstGeom prst="rect">
+                <a:avLst/>
+              </a:prstGeom>
+              <a:noFill/>
+            </p:spPr>
+            <p:txBody>
+              <a:bodyPr wrap="square" lIns="0" tIns="46800" rIns="0">
+                <a:spAutoFit/>
+              </a:bodyPr>
+              <a:lstStyle/>
+              <a:p>
+                <a:pPr algn="ctr"/>
+                <a:r>
+                  <a:rPr lang="en-US" dirty="0">
+                    <a:solidFill>
+                      <a:schemeClr val="tx1"/>
+                    </a:solidFill>
+                  </a:rPr>
+                  <a:t> </a:t>
+                </a:r>
+                <a14:m>
+                  <m:oMath xmlns:m="http://schemas.openxmlformats.org/officeDocument/2006/math">
+                    <m:sSup>
+                      <m:sSupPr>
+                        <m:ctrlPr>
+                          <a:rPr lang="hr-HR" b="0" i="1" smtClean="0">
+                            <a:solidFill>
+                              <a:schemeClr val="tx1"/>
+                            </a:solidFill>
+                            <a:latin typeface="Cambria Math" panose="02040503050406030204" pitchFamily="18" charset="0"/>
+                          </a:rPr>
+                        </m:ctrlPr>
+                      </m:sSupPr>
+                      <m:e>
+                        <m:r>
+                          <a:rPr lang="hr-HR" b="0" i="1" smtClean="0">
+                            <a:solidFill>
+                              <a:schemeClr val="tx1"/>
+                            </a:solidFill>
+                            <a:latin typeface="Cambria Math" panose="02040503050406030204" pitchFamily="18" charset="0"/>
+                          </a:rPr>
+                          <m:t>𝐴</m:t>
+                        </m:r>
+                      </m:e>
+                      <m:sup>
+                        <m:r>
+                          <a:rPr lang="hr-HR" b="0" i="1" smtClean="0">
+                            <a:solidFill>
+                              <a:schemeClr val="tx1"/>
+                            </a:solidFill>
+                            <a:latin typeface="Cambria Math" panose="02040503050406030204" pitchFamily="18" charset="0"/>
+                          </a:rPr>
+                          <m:t>&lt;5&gt;</m:t>
+                        </m:r>
+                      </m:sup>
+                    </m:sSup>
+                  </m:oMath>
+                </a14:m>
+                <a:endParaRPr lang="hr-HR" b="0" dirty="0">
+                  <a:solidFill>
+                    <a:schemeClr val="tx1"/>
+                  </a:solidFill>
+                </a:endParaRPr>
+              </a:p>
+            </p:txBody>
+          </p:sp>
+        </mc:Choice>
+        <mc:Fallback xmlns="">
+          <p:sp>
+            <p:nvSpPr>
+              <p:cNvPr id="122" name="TextBox 121">
+                <a:extLst>
+                  <a:ext uri="{FF2B5EF4-FFF2-40B4-BE49-F238E27FC236}">
+                    <a16:creationId xmlns:a16="http://schemas.microsoft.com/office/drawing/2014/main" id="{DCDFED9D-FE2D-A13E-2645-E6BE2679DACC}"/>
+                  </a:ext>
+                </a:extLst>
+              </p:cNvPr>
+              <p:cNvSpPr txBox="1">
+                <a:spLocks noRot="1" noChangeAspect="1" noMove="1" noResize="1" noEditPoints="1" noAdjustHandles="1" noChangeArrowheads="1" noChangeShapeType="1" noTextEdit="1"/>
+              </p:cNvSpPr>
+              <p:nvPr/>
+            </p:nvSpPr>
+            <p:spPr>
+              <a:xfrm>
+                <a:off x="5461756" y="2132856"/>
+                <a:ext cx="1140056" cy="373500"/>
+              </a:xfrm>
+              <a:prstGeom prst="rect">
+                <a:avLst/>
+              </a:prstGeom>
+              <a:blipFill>
+                <a:blip r:embed="rId28"/>
+                <a:stretch>
+                  <a:fillRect/>
+                </a:stretch>
+              </a:blipFill>
+            </p:spPr>
+            <p:txBody>
+              <a:bodyPr/>
+              <a:lstStyle/>
+              <a:p>
+                <a:r>
+                  <a:rPr lang="en-HR">
+                    <a:noFill/>
+                  </a:rPr>
+                  <a:t> </a:t>
+                </a:r>
+              </a:p>
+            </p:txBody>
+          </p:sp>
+        </mc:Fallback>
+      </mc:AlternateContent>
+      <p:cxnSp>
+        <p:nvCxnSpPr>
+          <p:cNvPr id="123" name="Straight Arrow Connector 122">
+            <a:extLst>
+              <a:ext uri="{FF2B5EF4-FFF2-40B4-BE49-F238E27FC236}">
+                <a16:creationId xmlns:a16="http://schemas.microsoft.com/office/drawing/2014/main" id="{79AFB89D-E750-66D3-686F-735D545E0A02}"/>
+              </a:ext>
+            </a:extLst>
+          </p:cNvPr>
+          <p:cNvCxnSpPr>
+            <a:cxnSpLocks/>
+            <a:stCxn id="10" idx="0"/>
+            <a:endCxn id="120" idx="2"/>
+          </p:cNvCxnSpPr>
+          <p:nvPr/>
+        </p:nvCxnSpPr>
+        <p:spPr>
+          <a:xfrm flipV="1">
+            <a:off x="3374384" y="2503278"/>
+            <a:ext cx="0" cy="277650"/>
+          </a:xfrm>
+          <a:prstGeom prst="straightConnector1">
+            <a:avLst/>
+          </a:prstGeom>
+          <a:ln>
+            <a:tailEnd type="triangle"/>
+          </a:ln>
+        </p:spPr>
+        <p:style>
+          <a:lnRef idx="1">
+            <a:schemeClr val="dk1"/>
+          </a:lnRef>
+          <a:fillRef idx="0">
+            <a:schemeClr val="dk1"/>
+          </a:fillRef>
+          <a:effectRef idx="0">
+            <a:schemeClr val="dk1"/>
+          </a:effectRef>
+          <a:fontRef idx="minor">
+            <a:schemeClr val="tx1"/>
+          </a:fontRef>
+        </p:style>
+      </p:cxnSp>
+      <p:cxnSp>
+        <p:nvCxnSpPr>
+          <p:cNvPr id="126" name="Straight Arrow Connector 125">
+            <a:extLst>
+              <a:ext uri="{FF2B5EF4-FFF2-40B4-BE49-F238E27FC236}">
+                <a16:creationId xmlns:a16="http://schemas.microsoft.com/office/drawing/2014/main" id="{38027D91-6740-1756-1D76-BFB2CF439377}"/>
+              </a:ext>
+            </a:extLst>
+          </p:cNvPr>
+          <p:cNvCxnSpPr>
+            <a:cxnSpLocks/>
+            <a:endCxn id="119" idx="2"/>
+          </p:cNvCxnSpPr>
+          <p:nvPr/>
+        </p:nvCxnSpPr>
+        <p:spPr>
+          <a:xfrm flipV="1">
+            <a:off x="2045684" y="2503278"/>
+            <a:ext cx="0" cy="277200"/>
+          </a:xfrm>
+          <a:prstGeom prst="straightConnector1">
+            <a:avLst/>
+          </a:prstGeom>
+          <a:ln>
+            <a:tailEnd type="triangle"/>
+          </a:ln>
+        </p:spPr>
+        <p:style>
+          <a:lnRef idx="1">
+            <a:schemeClr val="dk1"/>
+          </a:lnRef>
+          <a:fillRef idx="0">
+            <a:schemeClr val="dk1"/>
+          </a:fillRef>
+          <a:effectRef idx="0">
+            <a:schemeClr val="dk1"/>
+          </a:effectRef>
+          <a:fontRef idx="minor">
+            <a:schemeClr val="tx1"/>
+          </a:fontRef>
+        </p:style>
+      </p:cxnSp>
+      <p:cxnSp>
+        <p:nvCxnSpPr>
+          <p:cNvPr id="129" name="Straight Arrow Connector 128">
+            <a:extLst>
+              <a:ext uri="{FF2B5EF4-FFF2-40B4-BE49-F238E27FC236}">
+                <a16:creationId xmlns:a16="http://schemas.microsoft.com/office/drawing/2014/main" id="{AEBCD631-8ED3-9020-5309-930020C2A35F}"/>
+              </a:ext>
+            </a:extLst>
+          </p:cNvPr>
+          <p:cNvCxnSpPr>
+            <a:cxnSpLocks/>
+            <a:endCxn id="118" idx="2"/>
+          </p:cNvCxnSpPr>
+          <p:nvPr/>
+        </p:nvCxnSpPr>
+        <p:spPr>
+          <a:xfrm flipV="1">
+            <a:off x="716984" y="2503278"/>
+            <a:ext cx="0" cy="271796"/>
+          </a:xfrm>
+          <a:prstGeom prst="straightConnector1">
+            <a:avLst/>
+          </a:prstGeom>
+          <a:ln>
+            <a:tailEnd type="triangle"/>
+          </a:ln>
+        </p:spPr>
+        <p:style>
+          <a:lnRef idx="1">
+            <a:schemeClr val="dk1"/>
+          </a:lnRef>
+          <a:fillRef idx="0">
+            <a:schemeClr val="dk1"/>
+          </a:fillRef>
+          <a:effectRef idx="0">
+            <a:schemeClr val="dk1"/>
+          </a:effectRef>
+          <a:fontRef idx="minor">
+            <a:schemeClr val="tx1"/>
+          </a:fontRef>
+        </p:style>
+      </p:cxnSp>
+      <p:cxnSp>
+        <p:nvCxnSpPr>
+          <p:cNvPr id="130" name="Straight Arrow Connector 129">
+            <a:extLst>
+              <a:ext uri="{FF2B5EF4-FFF2-40B4-BE49-F238E27FC236}">
+                <a16:creationId xmlns:a16="http://schemas.microsoft.com/office/drawing/2014/main" id="{D2D0BAC0-68E1-3247-3123-AFA54928FAE7}"/>
+              </a:ext>
+            </a:extLst>
+          </p:cNvPr>
+          <p:cNvCxnSpPr>
+            <a:cxnSpLocks/>
+            <a:endCxn id="121" idx="2"/>
+          </p:cNvCxnSpPr>
+          <p:nvPr/>
+        </p:nvCxnSpPr>
+        <p:spPr>
+          <a:xfrm flipH="1" flipV="1">
+            <a:off x="4703084" y="2503278"/>
+            <a:ext cx="0" cy="271796"/>
+          </a:xfrm>
+          <a:prstGeom prst="straightConnector1">
+            <a:avLst/>
+          </a:prstGeom>
+          <a:ln>
+            <a:tailEnd type="triangle"/>
+          </a:ln>
+        </p:spPr>
+        <p:style>
+          <a:lnRef idx="1">
+            <a:schemeClr val="dk1"/>
+          </a:lnRef>
+          <a:fillRef idx="0">
+            <a:schemeClr val="dk1"/>
+          </a:fillRef>
+          <a:effectRef idx="0">
+            <a:schemeClr val="dk1"/>
+          </a:effectRef>
+          <a:fontRef idx="minor">
+            <a:schemeClr val="tx1"/>
+          </a:fontRef>
+        </p:style>
+      </p:cxnSp>
+      <p:cxnSp>
+        <p:nvCxnSpPr>
+          <p:cNvPr id="131" name="Straight Arrow Connector 130">
+            <a:extLst>
+              <a:ext uri="{FF2B5EF4-FFF2-40B4-BE49-F238E27FC236}">
+                <a16:creationId xmlns:a16="http://schemas.microsoft.com/office/drawing/2014/main" id="{233EDE11-A56E-3ADF-28E0-2B58420250A2}"/>
+              </a:ext>
+            </a:extLst>
+          </p:cNvPr>
+          <p:cNvCxnSpPr>
+            <a:cxnSpLocks/>
+            <a:endCxn id="122" idx="2"/>
+          </p:cNvCxnSpPr>
+          <p:nvPr/>
+        </p:nvCxnSpPr>
+        <p:spPr>
+          <a:xfrm flipV="1">
+            <a:off x="6031784" y="2506356"/>
+            <a:ext cx="0" cy="257786"/>
+          </a:xfrm>
+          <a:prstGeom prst="straightConnector1">
+            <a:avLst/>
+          </a:prstGeom>
+          <a:ln>
+            <a:tailEnd type="triangle"/>
+          </a:ln>
+        </p:spPr>
+        <p:style>
+          <a:lnRef idx="1">
+            <a:schemeClr val="dk1"/>
+          </a:lnRef>
+          <a:fillRef idx="0">
+            <a:schemeClr val="dk1"/>
+          </a:fillRef>
+          <a:effectRef idx="0">
+            <a:schemeClr val="dk1"/>
+          </a:effectRef>
+          <a:fontRef idx="minor">
+            <a:schemeClr val="tx1"/>
+          </a:fontRef>
+        </p:style>
+      </p:cxnSp>
+      <mc:AlternateContent xmlns:mc="http://schemas.openxmlformats.org/markup-compatibility/2006" xmlns:a14="http://schemas.microsoft.com/office/drawing/2010/main">
+        <mc:Choice Requires="a14">
+          <p:sp>
+            <p:nvSpPr>
+              <p:cNvPr id="136" name="TextBox 135">
+                <a:extLst>
+                  <a:ext uri="{FF2B5EF4-FFF2-40B4-BE49-F238E27FC236}">
+                    <a16:creationId xmlns:a16="http://schemas.microsoft.com/office/drawing/2014/main" id="{1D03D5D5-1ECA-EF92-386F-03679C92B10F}"/>
+                  </a:ext>
+                </a:extLst>
+              </p:cNvPr>
+              <p:cNvSpPr txBox="1"/>
+              <p:nvPr/>
+            </p:nvSpPr>
+            <p:spPr>
+              <a:xfrm>
+                <a:off x="5337844" y="545667"/>
+                <a:ext cx="3708673" cy="832536"/>
+              </a:xfrm>
+              <a:prstGeom prst="rect">
+                <a:avLst/>
+              </a:prstGeom>
+              <a:noFill/>
+            </p:spPr>
+            <p:txBody>
+              <a:bodyPr wrap="square">
+                <a:spAutoFit/>
+              </a:bodyPr>
+              <a:lstStyle/>
+              <a:p>
+                <a14:m>
+                  <m:oMath xmlns:m="http://schemas.openxmlformats.org/officeDocument/2006/math">
+                    <m:r>
+                      <a:rPr lang="hr-HR" sz="2000" b="0" i="1" smtClean="0">
+                        <a:latin typeface="Cambria Math" panose="02040503050406030204" pitchFamily="18" charset="0"/>
+                      </a:rPr>
+                      <m:t>𝐴</m:t>
+                    </m:r>
+                    <m:r>
+                      <a:rPr lang="hr-HR" sz="2000" b="0" i="1" smtClean="0">
+                        <a:latin typeface="Cambria Math" panose="02040503050406030204" pitchFamily="18" charset="0"/>
+                      </a:rPr>
+                      <m:t>(</m:t>
+                    </m:r>
+                    <m:r>
+                      <a:rPr lang="hr-HR" sz="2000" b="0" i="1" smtClean="0">
+                        <a:latin typeface="Cambria Math" panose="02040503050406030204" pitchFamily="18" charset="0"/>
+                      </a:rPr>
+                      <m:t>𝑞</m:t>
+                    </m:r>
+                    <m:r>
+                      <a:rPr lang="hr-HR" sz="2000" b="0" i="1" smtClean="0">
+                        <a:latin typeface="Cambria Math" panose="02040503050406030204" pitchFamily="18" charset="0"/>
+                      </a:rPr>
+                      <m:t>,</m:t>
+                    </m:r>
+                    <m:r>
+                      <a:rPr lang="hr-HR" sz="2000" b="0" i="1" smtClean="0">
+                        <a:latin typeface="Cambria Math" panose="02040503050406030204" pitchFamily="18" charset="0"/>
+                      </a:rPr>
+                      <m:t>𝐾</m:t>
+                    </m:r>
+                    <m:r>
+                      <a:rPr lang="hr-HR" sz="2000" b="0" i="1" smtClean="0">
+                        <a:latin typeface="Cambria Math" panose="02040503050406030204" pitchFamily="18" charset="0"/>
+                      </a:rPr>
+                      <m:t>,</m:t>
+                    </m:r>
+                    <m:r>
+                      <a:rPr lang="hr-HR" sz="2000" b="0" i="1" smtClean="0">
+                        <a:latin typeface="Cambria Math" panose="02040503050406030204" pitchFamily="18" charset="0"/>
+                      </a:rPr>
+                      <m:t>𝑉</m:t>
+                    </m:r>
+                    <m:r>
+                      <a:rPr lang="hr-HR" sz="2000" b="0" i="1" smtClean="0">
+                        <a:latin typeface="Cambria Math" panose="02040503050406030204" pitchFamily="18" charset="0"/>
+                      </a:rPr>
+                      <m:t>)</m:t>
+                    </m:r>
+                  </m:oMath>
+                </a14:m>
+                <a:r>
+                  <a:rPr lang="en-HR" sz="2000" dirty="0"/>
+                  <a:t>=</a:t>
+                </a:r>
+                <a14:m>
+                  <m:oMath xmlns:m="http://schemas.openxmlformats.org/officeDocument/2006/math">
+                    <m:nary>
+                      <m:naryPr>
+                        <m:chr m:val="∑"/>
+                        <m:supHide m:val="on"/>
+                        <m:ctrlPr>
+                          <a:rPr lang="en-HR" sz="2000" i="1" dirty="0" smtClean="0">
+                            <a:latin typeface="Cambria Math" panose="02040503050406030204" pitchFamily="18" charset="0"/>
+                          </a:rPr>
+                        </m:ctrlPr>
+                      </m:naryPr>
+                      <m:sub>
+                        <m:r>
+                          <a:rPr lang="hr-HR" sz="2000" b="0" i="1" dirty="0" smtClean="0">
+                            <a:latin typeface="Cambria Math" panose="02040503050406030204" pitchFamily="18" charset="0"/>
+                          </a:rPr>
+                          <m:t>𝑖</m:t>
+                        </m:r>
+                      </m:sub>
+                      <m:sup/>
+                      <m:e>
+                        <m:f>
+                          <m:fPr>
+                            <m:ctrlPr>
+                              <a:rPr lang="en-HR" sz="2000" i="1" dirty="0">
+                                <a:latin typeface="Cambria Math" panose="02040503050406030204" pitchFamily="18" charset="0"/>
+                              </a:rPr>
+                            </m:ctrlPr>
+                          </m:fPr>
+                          <m:num>
+                            <m:func>
+                              <m:funcPr>
+                                <m:ctrlPr>
+                                  <a:rPr lang="hr-HR" sz="2000" i="1" dirty="0">
+                                    <a:latin typeface="Cambria Math" panose="02040503050406030204" pitchFamily="18" charset="0"/>
+                                  </a:rPr>
+                                </m:ctrlPr>
+                              </m:funcPr>
+                              <m:fName>
+                                <m:r>
+                                  <m:rPr>
+                                    <m:sty m:val="p"/>
+                                  </m:rPr>
+                                  <a:rPr lang="hr-HR" sz="2000" dirty="0">
+                                    <a:latin typeface="Cambria Math" panose="02040503050406030204" pitchFamily="18" charset="0"/>
+                                  </a:rPr>
+                                  <m:t>exp</m:t>
+                                </m:r>
+                              </m:fName>
+                              <m:e>
+                                <m:d>
+                                  <m:dPr>
+                                    <m:ctrlPr>
+                                      <a:rPr lang="hr-HR" sz="2000" i="1" dirty="0">
+                                        <a:latin typeface="Cambria Math" panose="02040503050406030204" pitchFamily="18" charset="0"/>
+                                      </a:rPr>
+                                    </m:ctrlPr>
+                                  </m:dPr>
+                                  <m:e>
+                                    <m:sSup>
+                                      <m:sSupPr>
+                                        <m:ctrlPr>
+                                          <a:rPr lang="hr-HR" sz="2000" i="1">
+                                            <a:latin typeface="Cambria Math" panose="02040503050406030204" pitchFamily="18" charset="0"/>
+                                          </a:rPr>
+                                        </m:ctrlPr>
+                                      </m:sSupPr>
+                                      <m:e>
+                                        <m:r>
+                                          <a:rPr lang="hr-HR" sz="2000" i="1">
+                                            <a:latin typeface="Cambria Math" panose="02040503050406030204" pitchFamily="18" charset="0"/>
+                                          </a:rPr>
+                                          <m:t>𝑒</m:t>
+                                        </m:r>
+                                      </m:e>
+                                      <m:sup>
+                                        <m:r>
+                                          <a:rPr lang="hr-HR" sz="2000" i="1">
+                                            <a:latin typeface="Cambria Math" panose="02040503050406030204" pitchFamily="18" charset="0"/>
+                                          </a:rPr>
+                                          <m:t>&lt;</m:t>
+                                        </m:r>
+                                        <m:r>
+                                          <a:rPr lang="hr-HR" sz="2000" b="0" i="1" smtClean="0">
+                                            <a:latin typeface="Cambria Math" panose="02040503050406030204" pitchFamily="18" charset="0"/>
+                                          </a:rPr>
+                                          <m:t>𝑞</m:t>
+                                        </m:r>
+                                        <m:r>
+                                          <a:rPr lang="hr-HR" sz="2000" i="1">
+                                            <a:latin typeface="Cambria Math" panose="02040503050406030204" pitchFamily="18" charset="0"/>
+                                            <a:ea typeface="Cambria Math" panose="02040503050406030204" pitchFamily="18" charset="0"/>
+                                          </a:rPr>
+                                          <m:t>∙</m:t>
+                                        </m:r>
+                                        <m:sSup>
+                                          <m:sSupPr>
+                                            <m:ctrlPr>
+                                              <a:rPr lang="hr-HR" sz="2000" b="0" i="1" smtClean="0">
+                                                <a:latin typeface="Cambria Math" panose="02040503050406030204" pitchFamily="18" charset="0"/>
+                                              </a:rPr>
+                                            </m:ctrlPr>
+                                          </m:sSupPr>
+                                          <m:e>
+                                            <m:r>
+                                              <a:rPr lang="hr-HR" sz="2000" b="0" i="1" smtClean="0">
+                                                <a:latin typeface="Cambria Math" panose="02040503050406030204" pitchFamily="18" charset="0"/>
+                                              </a:rPr>
+                                              <m:t>𝑘</m:t>
+                                            </m:r>
+                                          </m:e>
+                                          <m:sup>
+                                            <m:r>
+                                              <a:rPr lang="hr-HR" sz="2000" b="0" i="1" smtClean="0">
+                                                <a:latin typeface="Cambria Math" panose="02040503050406030204" pitchFamily="18" charset="0"/>
+                                              </a:rPr>
+                                              <m:t>&lt;</m:t>
+                                            </m:r>
+                                            <m:r>
+                                              <a:rPr lang="hr-HR" sz="2000" b="0" i="1" smtClean="0">
+                                                <a:latin typeface="Cambria Math" panose="02040503050406030204" pitchFamily="18" charset="0"/>
+                                              </a:rPr>
+                                              <m:t>𝑖</m:t>
+                                            </m:r>
+                                            <m:r>
+                                              <a:rPr lang="hr-HR" sz="2000" b="0" i="1" smtClean="0">
+                                                <a:latin typeface="Cambria Math" panose="02040503050406030204" pitchFamily="18" charset="0"/>
+                                              </a:rPr>
+                                              <m:t>&gt;</m:t>
+                                            </m:r>
+                                          </m:sup>
+                                        </m:sSup>
+                                        <m:r>
+                                          <a:rPr lang="hr-HR" sz="2000" i="1">
+                                            <a:latin typeface="Cambria Math" panose="02040503050406030204" pitchFamily="18" charset="0"/>
+                                          </a:rPr>
+                                          <m:t>&gt;</m:t>
+                                        </m:r>
+                                      </m:sup>
+                                    </m:sSup>
+                                  </m:e>
+                                </m:d>
+                              </m:e>
+                            </m:func>
+                          </m:num>
+                          <m:den>
+                            <m:nary>
+                              <m:naryPr>
+                                <m:chr m:val="∑"/>
+                                <m:supHide m:val="on"/>
+                                <m:ctrlPr>
+                                  <a:rPr lang="hr-HR" sz="2000" i="1" smtClean="0">
+                                    <a:latin typeface="Cambria Math" panose="02040503050406030204" pitchFamily="18" charset="0"/>
+                                  </a:rPr>
+                                </m:ctrlPr>
+                              </m:naryPr>
+                              <m:sub>
+                                <m:r>
+                                  <m:rPr>
+                                    <m:brk m:alnAt="7"/>
+                                  </m:rPr>
+                                  <a:rPr lang="hr-HR" sz="2000" b="0" i="1" smtClean="0">
+                                    <a:latin typeface="Cambria Math" panose="02040503050406030204" pitchFamily="18" charset="0"/>
+                                  </a:rPr>
+                                  <m:t>𝑗</m:t>
+                                </m:r>
+                              </m:sub>
+                              <m:sup/>
+                              <m:e>
+                                <m:func>
+                                  <m:funcPr>
+                                    <m:ctrlPr>
+                                      <a:rPr lang="hr-HR" sz="2000" i="1" dirty="0">
+                                        <a:latin typeface="Cambria Math" panose="02040503050406030204" pitchFamily="18" charset="0"/>
+                                      </a:rPr>
+                                    </m:ctrlPr>
+                                  </m:funcPr>
+                                  <m:fName>
+                                    <m:r>
+                                      <m:rPr>
+                                        <m:sty m:val="p"/>
+                                      </m:rPr>
+                                      <a:rPr lang="hr-HR" sz="2000" dirty="0">
+                                        <a:latin typeface="Cambria Math" panose="02040503050406030204" pitchFamily="18" charset="0"/>
+                                      </a:rPr>
+                                      <m:t>exp</m:t>
+                                    </m:r>
+                                  </m:fName>
+                                  <m:e>
+                                    <m:d>
+                                      <m:dPr>
+                                        <m:ctrlPr>
+                                          <a:rPr lang="hr-HR" sz="2000" i="1" dirty="0">
+                                            <a:latin typeface="Cambria Math" panose="02040503050406030204" pitchFamily="18" charset="0"/>
+                                          </a:rPr>
+                                        </m:ctrlPr>
+                                      </m:dPr>
+                                      <m:e>
+                                        <m:sSup>
+                                          <m:sSupPr>
+                                            <m:ctrlPr>
+                                              <a:rPr lang="hr-HR" sz="2000" i="1">
+                                                <a:latin typeface="Cambria Math" panose="02040503050406030204" pitchFamily="18" charset="0"/>
+                                              </a:rPr>
+                                            </m:ctrlPr>
+                                          </m:sSupPr>
+                                          <m:e>
+                                            <m:r>
+                                              <a:rPr lang="hr-HR" sz="2000" i="1">
+                                                <a:latin typeface="Cambria Math" panose="02040503050406030204" pitchFamily="18" charset="0"/>
+                                              </a:rPr>
+                                              <m:t>𝑒</m:t>
+                                            </m:r>
+                                          </m:e>
+                                          <m:sup>
+                                            <m:r>
+                                              <a:rPr lang="hr-HR" sz="2000" i="1">
+                                                <a:latin typeface="Cambria Math" panose="02040503050406030204" pitchFamily="18" charset="0"/>
+                                              </a:rPr>
+                                              <m:t>&lt;</m:t>
+                                            </m:r>
+                                            <m:r>
+                                              <a:rPr lang="hr-HR" sz="2000" i="1">
+                                                <a:latin typeface="Cambria Math" panose="02040503050406030204" pitchFamily="18" charset="0"/>
+                                              </a:rPr>
+                                              <m:t>𝑞</m:t>
+                                            </m:r>
+                                            <m:r>
+                                              <a:rPr lang="hr-HR" sz="2000" i="1">
+                                                <a:latin typeface="Cambria Math" panose="02040503050406030204" pitchFamily="18" charset="0"/>
+                                                <a:ea typeface="Cambria Math" panose="02040503050406030204" pitchFamily="18" charset="0"/>
+                                              </a:rPr>
+                                              <m:t>∙</m:t>
+                                            </m:r>
+                                            <m:sSup>
+                                              <m:sSupPr>
+                                                <m:ctrlPr>
+                                                  <a:rPr lang="hr-HR" sz="2000" i="1">
+                                                    <a:latin typeface="Cambria Math" panose="02040503050406030204" pitchFamily="18" charset="0"/>
+                                                  </a:rPr>
+                                                </m:ctrlPr>
+                                              </m:sSupPr>
+                                              <m:e>
+                                                <m:r>
+                                                  <a:rPr lang="hr-HR" sz="2000" i="1">
+                                                    <a:latin typeface="Cambria Math" panose="02040503050406030204" pitchFamily="18" charset="0"/>
+                                                  </a:rPr>
+                                                  <m:t>𝑘</m:t>
+                                                </m:r>
+                                              </m:e>
+                                              <m:sup>
+                                                <m:r>
+                                                  <a:rPr lang="hr-HR" sz="2000" i="1">
+                                                    <a:latin typeface="Cambria Math" panose="02040503050406030204" pitchFamily="18" charset="0"/>
+                                                  </a:rPr>
+                                                  <m:t>&lt;</m:t>
+                                                </m:r>
+                                                <m:r>
+                                                  <a:rPr lang="hr-HR" sz="2000" b="0" i="1" smtClean="0">
+                                                    <a:latin typeface="Cambria Math" panose="02040503050406030204" pitchFamily="18" charset="0"/>
+                                                  </a:rPr>
+                                                  <m:t>𝑗</m:t>
+                                                </m:r>
+                                                <m:r>
+                                                  <a:rPr lang="hr-HR" sz="2000" i="1">
+                                                    <a:latin typeface="Cambria Math" panose="02040503050406030204" pitchFamily="18" charset="0"/>
+                                                  </a:rPr>
+                                                  <m:t>&gt;</m:t>
+                                                </m:r>
+                                              </m:sup>
+                                            </m:sSup>
+                                            <m:r>
+                                              <a:rPr lang="hr-HR" sz="2000" i="1">
+                                                <a:latin typeface="Cambria Math" panose="02040503050406030204" pitchFamily="18" charset="0"/>
+                                              </a:rPr>
+                                              <m:t>&gt;</m:t>
+                                            </m:r>
+                                          </m:sup>
+                                        </m:sSup>
+                                      </m:e>
+                                    </m:d>
+                                  </m:e>
+                                </m:func>
+                              </m:e>
+                            </m:nary>
+                          </m:den>
+                        </m:f>
+                        <m:sSup>
+                          <m:sSupPr>
+                            <m:ctrlPr>
+                              <a:rPr lang="hr-HR" sz="2000" b="0" i="1" smtClean="0">
+                                <a:latin typeface="Cambria Math" panose="02040503050406030204" pitchFamily="18" charset="0"/>
+                              </a:rPr>
+                            </m:ctrlPr>
+                          </m:sSupPr>
+                          <m:e>
+                            <m:r>
+                              <a:rPr lang="hr-HR" sz="2000" b="0" i="1" smtClean="0">
+                                <a:latin typeface="Cambria Math" panose="02040503050406030204" pitchFamily="18" charset="0"/>
+                              </a:rPr>
+                              <m:t>𝑣</m:t>
+                            </m:r>
+                          </m:e>
+                          <m:sup>
+                            <m:r>
+                              <a:rPr lang="hr-HR" sz="2000" b="0" i="1" smtClean="0">
+                                <a:latin typeface="Cambria Math" panose="02040503050406030204" pitchFamily="18" charset="0"/>
+                              </a:rPr>
+                              <m:t>𝑖</m:t>
+                            </m:r>
+                          </m:sup>
+                        </m:sSup>
+                      </m:e>
+                    </m:nary>
+                  </m:oMath>
+                </a14:m>
+                <a:endParaRPr lang="en-HR" sz="2000" dirty="0"/>
+              </a:p>
+            </p:txBody>
+          </p:sp>
+        </mc:Choice>
+        <mc:Fallback xmlns="">
+          <p:sp>
+            <p:nvSpPr>
+              <p:cNvPr id="136" name="TextBox 135">
+                <a:extLst>
+                  <a:ext uri="{FF2B5EF4-FFF2-40B4-BE49-F238E27FC236}">
+                    <a16:creationId xmlns:a16="http://schemas.microsoft.com/office/drawing/2014/main" id="{1D03D5D5-1ECA-EF92-386F-03679C92B10F}"/>
+                  </a:ext>
+                </a:extLst>
+              </p:cNvPr>
+              <p:cNvSpPr txBox="1">
+                <a:spLocks noRot="1" noChangeAspect="1" noMove="1" noResize="1" noEditPoints="1" noAdjustHandles="1" noChangeArrowheads="1" noChangeShapeType="1" noTextEdit="1"/>
+              </p:cNvSpPr>
+              <p:nvPr/>
+            </p:nvSpPr>
+            <p:spPr>
+              <a:xfrm>
+                <a:off x="5337844" y="545667"/>
+                <a:ext cx="3708673" cy="832536"/>
+              </a:xfrm>
+              <a:prstGeom prst="rect">
+                <a:avLst/>
+              </a:prstGeom>
+              <a:blipFill>
+                <a:blip r:embed="rId29"/>
+                <a:stretch>
+                  <a:fillRect t="-30303" b="-62121"/>
+                </a:stretch>
+              </a:blipFill>
+            </p:spPr>
+            <p:txBody>
+              <a:bodyPr/>
+              <a:lstStyle/>
+              <a:p>
+                <a:r>
+                  <a:rPr lang="en-HR">
+                    <a:noFill/>
+                  </a:rPr>
+                  <a:t> </a:t>
+                </a:r>
+              </a:p>
+            </p:txBody>
+          </p:sp>
+        </mc:Fallback>
+      </mc:AlternateContent>
+      <mc:AlternateContent xmlns:mc="http://schemas.openxmlformats.org/markup-compatibility/2006">
+        <mc:Choice xmlns:a14="http://schemas.microsoft.com/office/drawing/2010/main" Requires="a14">
+          <p:sp>
+            <p:nvSpPr>
+              <p:cNvPr id="137" name="TextBox 136">
+                <a:extLst>
+                  <a:ext uri="{FF2B5EF4-FFF2-40B4-BE49-F238E27FC236}">
+                    <a16:creationId xmlns:a16="http://schemas.microsoft.com/office/drawing/2014/main" id="{BCEB20F7-75E4-E054-F499-EDFBB62B9957}"/>
+                  </a:ext>
+                </a:extLst>
+              </p:cNvPr>
+              <p:cNvSpPr txBox="1"/>
+              <p:nvPr/>
+            </p:nvSpPr>
+            <p:spPr>
+              <a:xfrm>
+                <a:off x="6342098" y="2800291"/>
+                <a:ext cx="1015663" cy="1634294"/>
+              </a:xfrm>
+              <a:prstGeom prst="rect">
+                <a:avLst/>
+              </a:prstGeom>
+              <a:noFill/>
+            </p:spPr>
+            <p:txBody>
+              <a:bodyPr wrap="none" rtlCol="0">
+                <a:spAutoFit/>
+              </a:bodyPr>
+              <a:lstStyle/>
+              <a:p>
+                <a:pPr algn="ctr"/>
+                <a:r>
+                  <a:rPr lang="en-HR" sz="1600" dirty="0"/>
+                  <a:t>Query (</a:t>
+                </a:r>
+                <a14:m>
+                  <m:oMath xmlns:m="http://schemas.openxmlformats.org/officeDocument/2006/math">
+                    <m:r>
+                      <a:rPr lang="hr-HR" sz="1600" b="0" i="1" dirty="0" smtClean="0">
+                        <a:latin typeface="Cambria Math" panose="02040503050406030204" pitchFamily="18" charset="0"/>
+                      </a:rPr>
+                      <m:t>𝑄</m:t>
+                    </m:r>
+                  </m:oMath>
+                </a14:m>
+                <a:r>
+                  <a:rPr lang="en-HR" sz="1600" dirty="0"/>
+                  <a:t>)</a:t>
+                </a:r>
+              </a:p>
+              <a:p>
+                <a:pPr algn="ctr"/>
+                <a14:m>
+                  <m:oMathPara xmlns:m="http://schemas.openxmlformats.org/officeDocument/2006/math">
+                    <m:oMathParaPr>
+                      <m:jc m:val="centerGroup"/>
+                    </m:oMathParaPr>
+                    <m:oMath xmlns:m="http://schemas.openxmlformats.org/officeDocument/2006/math">
+                      <m:sSup>
+                        <m:sSupPr>
+                          <m:ctrlPr>
+                            <a:rPr lang="hr-HR" sz="1600" b="0" i="1" dirty="0" smtClean="0">
+                              <a:latin typeface="Cambria Math" panose="02040503050406030204" pitchFamily="18" charset="0"/>
+                            </a:rPr>
+                          </m:ctrlPr>
+                        </m:sSupPr>
+                        <m:e>
+                          <m:r>
+                            <a:rPr lang="hr-HR" sz="1600" b="0" i="1" dirty="0" smtClean="0">
+                              <a:latin typeface="Cambria Math" panose="02040503050406030204" pitchFamily="18" charset="0"/>
+                            </a:rPr>
+                            <m:t>𝑞</m:t>
+                          </m:r>
+                        </m:e>
+                        <m:sup>
+                          <m:r>
+                            <a:rPr lang="hr-HR" sz="1600" b="0" i="1" dirty="0" smtClean="0">
+                              <a:latin typeface="Cambria Math" panose="02040503050406030204" pitchFamily="18" charset="0"/>
+                            </a:rPr>
+                            <m:t>&lt;1&gt;</m:t>
+                          </m:r>
+                        </m:sup>
+                      </m:sSup>
+                    </m:oMath>
+                  </m:oMathPara>
+                </a14:m>
+                <a:endParaRPr lang="en-HR" sz="1600" dirty="0"/>
+              </a:p>
+              <a:p>
+                <a:pPr algn="ctr"/>
+                <a14:m>
+                  <m:oMathPara xmlns:m="http://schemas.openxmlformats.org/officeDocument/2006/math">
+                    <m:oMathParaPr>
+                      <m:jc m:val="centerGroup"/>
+                    </m:oMathParaPr>
+                    <m:oMath xmlns:m="http://schemas.openxmlformats.org/officeDocument/2006/math">
+                      <m:sSup>
+                        <m:sSupPr>
+                          <m:ctrlPr>
+                            <a:rPr lang="hr-HR" sz="1600" b="0" i="1" dirty="0" smtClean="0">
+                              <a:latin typeface="Cambria Math" panose="02040503050406030204" pitchFamily="18" charset="0"/>
+                            </a:rPr>
+                          </m:ctrlPr>
+                        </m:sSupPr>
+                        <m:e>
+                          <m:r>
+                            <a:rPr lang="hr-HR" sz="1600" b="0" i="1" dirty="0" smtClean="0">
+                              <a:latin typeface="Cambria Math" panose="02040503050406030204" pitchFamily="18" charset="0"/>
+                            </a:rPr>
+                            <m:t>𝑞</m:t>
+                          </m:r>
+                        </m:e>
+                        <m:sup>
+                          <m:r>
+                            <a:rPr lang="hr-HR" sz="1600" b="0" i="1" dirty="0" smtClean="0">
+                              <a:latin typeface="Cambria Math" panose="02040503050406030204" pitchFamily="18" charset="0"/>
+                            </a:rPr>
+                            <m:t>&lt;2&gt;</m:t>
+                          </m:r>
+                        </m:sup>
+                      </m:sSup>
+                    </m:oMath>
+                  </m:oMathPara>
+                </a14:m>
+                <a:endParaRPr lang="en-HR" sz="1600" dirty="0"/>
+              </a:p>
+              <a:p>
+                <a:pPr algn="ctr"/>
+                <a14:m>
+                  <m:oMathPara xmlns:m="http://schemas.openxmlformats.org/officeDocument/2006/math">
+                    <m:oMathParaPr>
+                      <m:jc m:val="centerGroup"/>
+                    </m:oMathParaPr>
+                    <m:oMath xmlns:m="http://schemas.openxmlformats.org/officeDocument/2006/math">
+                      <m:sSup>
+                        <m:sSupPr>
+                          <m:ctrlPr>
+                            <a:rPr lang="hr-HR" sz="1600" b="0" i="1" dirty="0" smtClean="0">
+                              <a:latin typeface="Cambria Math" panose="02040503050406030204" pitchFamily="18" charset="0"/>
+                            </a:rPr>
+                          </m:ctrlPr>
+                        </m:sSupPr>
+                        <m:e>
+                          <m:r>
+                            <a:rPr lang="hr-HR" sz="1600" b="0" i="1" dirty="0" smtClean="0">
+                              <a:latin typeface="Cambria Math" panose="02040503050406030204" pitchFamily="18" charset="0"/>
+                            </a:rPr>
+                            <m:t>𝑞</m:t>
+                          </m:r>
+                        </m:e>
+                        <m:sup>
+                          <m:r>
+                            <a:rPr lang="hr-HR" sz="1600" b="0" i="1" dirty="0" smtClean="0">
+                              <a:latin typeface="Cambria Math" panose="02040503050406030204" pitchFamily="18" charset="0"/>
+                            </a:rPr>
+                            <m:t>&lt;3&gt;</m:t>
+                          </m:r>
+                        </m:sup>
+                      </m:sSup>
+                    </m:oMath>
+                  </m:oMathPara>
+                </a14:m>
+                <a:endParaRPr lang="en-HR" sz="1600" dirty="0"/>
+              </a:p>
+              <a:p>
+                <a:pPr algn="ctr"/>
+                <a14:m>
+                  <m:oMathPara xmlns:m="http://schemas.openxmlformats.org/officeDocument/2006/math">
+                    <m:oMathParaPr>
+                      <m:jc m:val="centerGroup"/>
+                    </m:oMathParaPr>
+                    <m:oMath xmlns:m="http://schemas.openxmlformats.org/officeDocument/2006/math">
+                      <m:sSup>
+                        <m:sSupPr>
+                          <m:ctrlPr>
+                            <a:rPr lang="hr-HR" sz="1600" b="0" i="1" dirty="0" smtClean="0">
+                              <a:latin typeface="Cambria Math" panose="02040503050406030204" pitchFamily="18" charset="0"/>
+                            </a:rPr>
+                          </m:ctrlPr>
+                        </m:sSupPr>
+                        <m:e>
+                          <m:r>
+                            <a:rPr lang="hr-HR" sz="1600" b="0" i="1" dirty="0" smtClean="0">
+                              <a:latin typeface="Cambria Math" panose="02040503050406030204" pitchFamily="18" charset="0"/>
+                            </a:rPr>
+                            <m:t>𝑞</m:t>
+                          </m:r>
+                        </m:e>
+                        <m:sup>
+                          <m:r>
+                            <a:rPr lang="hr-HR" sz="1600" b="0" i="1" dirty="0" smtClean="0">
+                              <a:latin typeface="Cambria Math" panose="02040503050406030204" pitchFamily="18" charset="0"/>
+                            </a:rPr>
+                            <m:t>&lt;4&gt;</m:t>
+                          </m:r>
+                        </m:sup>
+                      </m:sSup>
+                    </m:oMath>
+                  </m:oMathPara>
+                </a14:m>
+                <a:endParaRPr lang="en-HR" sz="1600" dirty="0"/>
+              </a:p>
+              <a:p>
+                <a:pPr algn="ctr"/>
+                <a14:m>
+                  <m:oMathPara xmlns:m="http://schemas.openxmlformats.org/officeDocument/2006/math">
+                    <m:oMathParaPr>
+                      <m:jc m:val="centerGroup"/>
+                    </m:oMathParaPr>
+                    <m:oMath xmlns:m="http://schemas.openxmlformats.org/officeDocument/2006/math">
+                      <m:sSup>
+                        <m:sSupPr>
+                          <m:ctrlPr>
+                            <a:rPr lang="hr-HR" sz="1600" b="0" i="1" dirty="0" smtClean="0">
+                              <a:latin typeface="Cambria Math" panose="02040503050406030204" pitchFamily="18" charset="0"/>
+                            </a:rPr>
+                          </m:ctrlPr>
+                        </m:sSupPr>
+                        <m:e>
+                          <m:r>
+                            <a:rPr lang="hr-HR" sz="1600" b="0" i="1" dirty="0" smtClean="0">
+                              <a:latin typeface="Cambria Math" panose="02040503050406030204" pitchFamily="18" charset="0"/>
+                            </a:rPr>
+                            <m:t>𝑞</m:t>
+                          </m:r>
+                        </m:e>
+                        <m:sup>
+                          <m:r>
+                            <a:rPr lang="hr-HR" sz="1600" b="0" i="1" dirty="0" smtClean="0">
+                              <a:latin typeface="Cambria Math" panose="02040503050406030204" pitchFamily="18" charset="0"/>
+                            </a:rPr>
+                            <m:t>&lt;5&gt;</m:t>
+                          </m:r>
+                        </m:sup>
+                      </m:sSup>
+                    </m:oMath>
+                  </m:oMathPara>
+                </a14:m>
+                <a:endParaRPr lang="en-HR" sz="1600" dirty="0"/>
+              </a:p>
+            </p:txBody>
+          </p:sp>
+        </mc:Choice>
+        <mc:Fallback>
+          <p:sp>
+            <p:nvSpPr>
+              <p:cNvPr id="137" name="TextBox 136">
+                <a:extLst>
+                  <a:ext uri="{FF2B5EF4-FFF2-40B4-BE49-F238E27FC236}">
+                    <a16:creationId xmlns:a16="http://schemas.microsoft.com/office/drawing/2014/main" id="{BCEB20F7-75E4-E054-F499-EDFBB62B9957}"/>
+                  </a:ext>
+                </a:extLst>
+              </p:cNvPr>
+              <p:cNvSpPr txBox="1">
+                <a:spLocks noRot="1" noChangeAspect="1" noMove="1" noResize="1" noEditPoints="1" noAdjustHandles="1" noChangeArrowheads="1" noChangeShapeType="1" noTextEdit="1"/>
+              </p:cNvSpPr>
+              <p:nvPr/>
+            </p:nvSpPr>
+            <p:spPr>
+              <a:xfrm>
+                <a:off x="6342098" y="2800291"/>
+                <a:ext cx="1015663" cy="1634294"/>
+              </a:xfrm>
+              <a:prstGeom prst="rect">
+                <a:avLst/>
+              </a:prstGeom>
+              <a:blipFill>
+                <a:blip r:embed="rId30"/>
+                <a:stretch>
+                  <a:fillRect l="-2469" t="-1550" r="-2469"/>
+                </a:stretch>
+              </a:blipFill>
+            </p:spPr>
+            <p:txBody>
+              <a:bodyPr/>
+              <a:lstStyle/>
+              <a:p>
+                <a:r>
+                  <a:rPr lang="en-HR">
+                    <a:noFill/>
+                  </a:rPr>
+                  <a:t> </a:t>
+                </a:r>
+              </a:p>
+            </p:txBody>
+          </p:sp>
+        </mc:Fallback>
+      </mc:AlternateContent>
+      <mc:AlternateContent xmlns:mc="http://schemas.openxmlformats.org/markup-compatibility/2006" xmlns:a14="http://schemas.microsoft.com/office/drawing/2010/main">
+        <mc:Choice Requires="a14">
+          <p:sp>
+            <p:nvSpPr>
+              <p:cNvPr id="138" name="TextBox 137">
+                <a:extLst>
+                  <a:ext uri="{FF2B5EF4-FFF2-40B4-BE49-F238E27FC236}">
+                    <a16:creationId xmlns:a16="http://schemas.microsoft.com/office/drawing/2014/main" id="{8CF85E04-A83B-91C2-C7B8-1A2929059665}"/>
+                  </a:ext>
+                </a:extLst>
+              </p:cNvPr>
+              <p:cNvSpPr txBox="1"/>
+              <p:nvPr/>
+            </p:nvSpPr>
+            <p:spPr>
+              <a:xfrm>
+                <a:off x="7321587" y="2794733"/>
+                <a:ext cx="803040" cy="1634294"/>
+              </a:xfrm>
+              <a:prstGeom prst="rect">
+                <a:avLst/>
+              </a:prstGeom>
+              <a:noFill/>
+            </p:spPr>
+            <p:txBody>
+              <a:bodyPr wrap="none" rtlCol="0">
+                <a:spAutoFit/>
+              </a:bodyPr>
+              <a:lstStyle/>
+              <a:p>
+                <a:pPr algn="ctr"/>
+                <a:r>
+                  <a:rPr lang="en-HR" sz="1600" dirty="0"/>
+                  <a:t>Key (</a:t>
+                </a:r>
+                <a14:m>
+                  <m:oMath xmlns:m="http://schemas.openxmlformats.org/officeDocument/2006/math">
+                    <m:r>
+                      <a:rPr lang="hr-HR" sz="1600" b="0" i="1" dirty="0" smtClean="0">
+                        <a:latin typeface="Cambria Math" panose="02040503050406030204" pitchFamily="18" charset="0"/>
+                      </a:rPr>
+                      <m:t>𝐾</m:t>
+                    </m:r>
+                  </m:oMath>
+                </a14:m>
+                <a:r>
+                  <a:rPr lang="en-HR" sz="1600" dirty="0"/>
+                  <a:t>)</a:t>
+                </a:r>
+              </a:p>
+              <a:p>
+                <a:pPr algn="ctr"/>
+                <a14:m>
+                  <m:oMathPara xmlns:m="http://schemas.openxmlformats.org/officeDocument/2006/math">
+                    <m:oMathParaPr>
+                      <m:jc m:val="centerGroup"/>
+                    </m:oMathParaPr>
+                    <m:oMath xmlns:m="http://schemas.openxmlformats.org/officeDocument/2006/math">
+                      <m:sSup>
+                        <m:sSupPr>
+                          <m:ctrlPr>
+                            <a:rPr lang="hr-HR" sz="1600" b="0" i="1" dirty="0" smtClean="0">
+                              <a:latin typeface="Cambria Math" panose="02040503050406030204" pitchFamily="18" charset="0"/>
+                            </a:rPr>
+                          </m:ctrlPr>
+                        </m:sSupPr>
+                        <m:e>
+                          <m:r>
+                            <a:rPr lang="hr-HR" sz="1600" b="0" i="1" dirty="0" smtClean="0">
+                              <a:latin typeface="Cambria Math" panose="02040503050406030204" pitchFamily="18" charset="0"/>
+                            </a:rPr>
+                            <m:t>𝑘</m:t>
+                          </m:r>
+                        </m:e>
+                        <m:sup>
+                          <m:r>
+                            <a:rPr lang="hr-HR" sz="1600" b="0" i="1" dirty="0" smtClean="0">
+                              <a:latin typeface="Cambria Math" panose="02040503050406030204" pitchFamily="18" charset="0"/>
+                            </a:rPr>
+                            <m:t>&lt;1&gt;</m:t>
+                          </m:r>
+                        </m:sup>
+                      </m:sSup>
+                    </m:oMath>
+                  </m:oMathPara>
+                </a14:m>
+                <a:endParaRPr lang="en-HR" sz="1600" dirty="0"/>
+              </a:p>
+              <a:p>
+                <a:pPr algn="ctr"/>
+                <a14:m>
+                  <m:oMathPara xmlns:m="http://schemas.openxmlformats.org/officeDocument/2006/math">
+                    <m:oMathParaPr>
+                      <m:jc m:val="centerGroup"/>
+                    </m:oMathParaPr>
+                    <m:oMath xmlns:m="http://schemas.openxmlformats.org/officeDocument/2006/math">
+                      <m:sSup>
+                        <m:sSupPr>
+                          <m:ctrlPr>
+                            <a:rPr lang="hr-HR" sz="1600" b="0" i="1" dirty="0" smtClean="0">
+                              <a:latin typeface="Cambria Math" panose="02040503050406030204" pitchFamily="18" charset="0"/>
+                            </a:rPr>
+                          </m:ctrlPr>
+                        </m:sSupPr>
+                        <m:e>
+                          <m:r>
+                            <a:rPr lang="hr-HR" sz="1600" b="0" i="1" dirty="0" smtClean="0">
+                              <a:latin typeface="Cambria Math" panose="02040503050406030204" pitchFamily="18" charset="0"/>
+                            </a:rPr>
+                            <m:t>𝑘</m:t>
+                          </m:r>
+                        </m:e>
+                        <m:sup>
+                          <m:r>
+                            <a:rPr lang="hr-HR" sz="1600" b="0" i="1" dirty="0" smtClean="0">
+                              <a:latin typeface="Cambria Math" panose="02040503050406030204" pitchFamily="18" charset="0"/>
+                            </a:rPr>
+                            <m:t>&lt;2&gt;</m:t>
+                          </m:r>
+                        </m:sup>
+                      </m:sSup>
+                    </m:oMath>
+                  </m:oMathPara>
+                </a14:m>
+                <a:endParaRPr lang="en-HR" sz="1600" dirty="0"/>
+              </a:p>
+              <a:p>
+                <a:pPr algn="ctr"/>
+                <a14:m>
+                  <m:oMathPara xmlns:m="http://schemas.openxmlformats.org/officeDocument/2006/math">
+                    <m:oMathParaPr>
+                      <m:jc m:val="centerGroup"/>
+                    </m:oMathParaPr>
+                    <m:oMath xmlns:m="http://schemas.openxmlformats.org/officeDocument/2006/math">
+                      <m:sSup>
+                        <m:sSupPr>
+                          <m:ctrlPr>
+                            <a:rPr lang="hr-HR" sz="1600" b="0" i="1" dirty="0" smtClean="0">
+                              <a:latin typeface="Cambria Math" panose="02040503050406030204" pitchFamily="18" charset="0"/>
+                            </a:rPr>
+                          </m:ctrlPr>
+                        </m:sSupPr>
+                        <m:e>
+                          <m:r>
+                            <a:rPr lang="hr-HR" sz="1600" b="0" i="1" dirty="0" smtClean="0">
+                              <a:latin typeface="Cambria Math" panose="02040503050406030204" pitchFamily="18" charset="0"/>
+                            </a:rPr>
+                            <m:t>𝑘</m:t>
+                          </m:r>
+                        </m:e>
+                        <m:sup>
+                          <m:r>
+                            <a:rPr lang="hr-HR" sz="1600" b="0" i="1" dirty="0" smtClean="0">
+                              <a:latin typeface="Cambria Math" panose="02040503050406030204" pitchFamily="18" charset="0"/>
+                            </a:rPr>
+                            <m:t>&lt;3&gt;</m:t>
+                          </m:r>
+                        </m:sup>
+                      </m:sSup>
+                    </m:oMath>
+                  </m:oMathPara>
+                </a14:m>
+                <a:endParaRPr lang="en-HR" sz="1600" dirty="0"/>
+              </a:p>
+              <a:p>
+                <a:pPr algn="ctr"/>
+                <a14:m>
+                  <m:oMathPara xmlns:m="http://schemas.openxmlformats.org/officeDocument/2006/math">
+                    <m:oMathParaPr>
+                      <m:jc m:val="centerGroup"/>
+                    </m:oMathParaPr>
+                    <m:oMath xmlns:m="http://schemas.openxmlformats.org/officeDocument/2006/math">
+                      <m:sSup>
+                        <m:sSupPr>
+                          <m:ctrlPr>
+                            <a:rPr lang="hr-HR" sz="1600" b="0" i="1" dirty="0" smtClean="0">
+                              <a:latin typeface="Cambria Math" panose="02040503050406030204" pitchFamily="18" charset="0"/>
+                            </a:rPr>
+                          </m:ctrlPr>
+                        </m:sSupPr>
+                        <m:e>
+                          <m:r>
+                            <a:rPr lang="hr-HR" sz="1600" b="0" i="1" dirty="0" smtClean="0">
+                              <a:latin typeface="Cambria Math" panose="02040503050406030204" pitchFamily="18" charset="0"/>
+                            </a:rPr>
+                            <m:t>𝑘</m:t>
+                          </m:r>
+                        </m:e>
+                        <m:sup>
+                          <m:r>
+                            <a:rPr lang="hr-HR" sz="1600" b="0" i="1" dirty="0" smtClean="0">
+                              <a:latin typeface="Cambria Math" panose="02040503050406030204" pitchFamily="18" charset="0"/>
+                            </a:rPr>
+                            <m:t>&lt;4&gt;</m:t>
+                          </m:r>
+                        </m:sup>
+                      </m:sSup>
+                    </m:oMath>
+                  </m:oMathPara>
+                </a14:m>
+                <a:endParaRPr lang="en-HR" sz="1600" dirty="0"/>
+              </a:p>
+              <a:p>
+                <a:pPr algn="ctr"/>
+                <a14:m>
+                  <m:oMathPara xmlns:m="http://schemas.openxmlformats.org/officeDocument/2006/math">
+                    <m:oMathParaPr>
+                      <m:jc m:val="centerGroup"/>
+                    </m:oMathParaPr>
+                    <m:oMath xmlns:m="http://schemas.openxmlformats.org/officeDocument/2006/math">
+                      <m:sSup>
+                        <m:sSupPr>
+                          <m:ctrlPr>
+                            <a:rPr lang="hr-HR" sz="1600" b="0" i="1" dirty="0" smtClean="0">
+                              <a:latin typeface="Cambria Math" panose="02040503050406030204" pitchFamily="18" charset="0"/>
+                            </a:rPr>
+                          </m:ctrlPr>
+                        </m:sSupPr>
+                        <m:e>
+                          <m:r>
+                            <a:rPr lang="hr-HR" sz="1600" b="0" i="1" dirty="0" smtClean="0">
+                              <a:latin typeface="Cambria Math" panose="02040503050406030204" pitchFamily="18" charset="0"/>
+                            </a:rPr>
+                            <m:t>𝑘</m:t>
+                          </m:r>
+                        </m:e>
+                        <m:sup>
+                          <m:r>
+                            <a:rPr lang="hr-HR" sz="1600" b="0" i="1" dirty="0" smtClean="0">
+                              <a:latin typeface="Cambria Math" panose="02040503050406030204" pitchFamily="18" charset="0"/>
+                            </a:rPr>
+                            <m:t>&lt;5&gt;</m:t>
+                          </m:r>
+                        </m:sup>
+                      </m:sSup>
+                    </m:oMath>
+                  </m:oMathPara>
+                </a14:m>
+                <a:endParaRPr lang="en-HR" sz="1600" dirty="0"/>
+              </a:p>
+            </p:txBody>
+          </p:sp>
+        </mc:Choice>
+        <mc:Fallback xmlns="">
+          <p:sp>
+            <p:nvSpPr>
+              <p:cNvPr id="138" name="TextBox 137">
+                <a:extLst>
+                  <a:ext uri="{FF2B5EF4-FFF2-40B4-BE49-F238E27FC236}">
+                    <a16:creationId xmlns:a16="http://schemas.microsoft.com/office/drawing/2014/main" id="{8CF85E04-A83B-91C2-C7B8-1A2929059665}"/>
+                  </a:ext>
+                </a:extLst>
+              </p:cNvPr>
+              <p:cNvSpPr txBox="1">
+                <a:spLocks noRot="1" noChangeAspect="1" noMove="1" noResize="1" noEditPoints="1" noAdjustHandles="1" noChangeArrowheads="1" noChangeShapeType="1" noTextEdit="1"/>
+              </p:cNvSpPr>
+              <p:nvPr/>
+            </p:nvSpPr>
+            <p:spPr>
+              <a:xfrm>
+                <a:off x="7321587" y="2794733"/>
+                <a:ext cx="803040" cy="1634294"/>
+              </a:xfrm>
+              <a:prstGeom prst="rect">
+                <a:avLst/>
+              </a:prstGeom>
+              <a:blipFill>
+                <a:blip r:embed="rId31"/>
+                <a:stretch>
+                  <a:fillRect l="-3125" t="-769" r="-3125"/>
+                </a:stretch>
+              </a:blipFill>
+            </p:spPr>
+            <p:txBody>
+              <a:bodyPr/>
+              <a:lstStyle/>
+              <a:p>
+                <a:r>
+                  <a:rPr lang="en-HR">
+                    <a:noFill/>
+                  </a:rPr>
+                  <a:t> </a:t>
+                </a:r>
+              </a:p>
+            </p:txBody>
+          </p:sp>
+        </mc:Fallback>
+      </mc:AlternateContent>
+      <mc:AlternateContent xmlns:mc="http://schemas.openxmlformats.org/markup-compatibility/2006" xmlns:a14="http://schemas.microsoft.com/office/drawing/2010/main">
+        <mc:Choice Requires="a14">
+          <p:sp>
+            <p:nvSpPr>
+              <p:cNvPr id="139" name="TextBox 138">
+                <a:extLst>
+                  <a:ext uri="{FF2B5EF4-FFF2-40B4-BE49-F238E27FC236}">
+                    <a16:creationId xmlns:a16="http://schemas.microsoft.com/office/drawing/2014/main" id="{9D33112A-E8D8-A911-18DF-BF80180822A0}"/>
+                  </a:ext>
+                </a:extLst>
+              </p:cNvPr>
+              <p:cNvSpPr txBox="1"/>
+              <p:nvPr/>
+            </p:nvSpPr>
+            <p:spPr>
+              <a:xfrm>
+                <a:off x="8130468" y="2794733"/>
+                <a:ext cx="950837" cy="1634294"/>
+              </a:xfrm>
+              <a:prstGeom prst="rect">
+                <a:avLst/>
+              </a:prstGeom>
+              <a:noFill/>
+            </p:spPr>
+            <p:txBody>
+              <a:bodyPr wrap="none" rtlCol="0">
+                <a:spAutoFit/>
+              </a:bodyPr>
+              <a:lstStyle/>
+              <a:p>
+                <a:pPr algn="ctr"/>
+                <a:r>
+                  <a:rPr lang="en-HR" sz="1600" dirty="0"/>
+                  <a:t>Value (</a:t>
+                </a:r>
+                <a14:m>
+                  <m:oMath xmlns:m="http://schemas.openxmlformats.org/officeDocument/2006/math">
+                    <m:r>
+                      <a:rPr lang="hr-HR" sz="1600" b="0" i="1" dirty="0" smtClean="0">
+                        <a:latin typeface="Cambria Math" panose="02040503050406030204" pitchFamily="18" charset="0"/>
+                      </a:rPr>
+                      <m:t>𝑉</m:t>
+                    </m:r>
+                  </m:oMath>
+                </a14:m>
+                <a:r>
+                  <a:rPr lang="en-HR" sz="1600" dirty="0"/>
+                  <a:t>)</a:t>
+                </a:r>
+              </a:p>
+              <a:p>
+                <a:pPr algn="ctr"/>
+                <a14:m>
+                  <m:oMathPara xmlns:m="http://schemas.openxmlformats.org/officeDocument/2006/math">
+                    <m:oMathParaPr>
+                      <m:jc m:val="centerGroup"/>
+                    </m:oMathParaPr>
+                    <m:oMath xmlns:m="http://schemas.openxmlformats.org/officeDocument/2006/math">
+                      <m:sSup>
+                        <m:sSupPr>
+                          <m:ctrlPr>
+                            <a:rPr lang="hr-HR" sz="1600" b="0" i="1" dirty="0" smtClean="0">
+                              <a:latin typeface="Cambria Math" panose="02040503050406030204" pitchFamily="18" charset="0"/>
+                            </a:rPr>
+                          </m:ctrlPr>
+                        </m:sSupPr>
+                        <m:e>
+                          <m:r>
+                            <a:rPr lang="hr-HR" sz="1600" b="0" i="1" dirty="0" smtClean="0">
+                              <a:latin typeface="Cambria Math" panose="02040503050406030204" pitchFamily="18" charset="0"/>
+                            </a:rPr>
+                            <m:t>𝑣</m:t>
+                          </m:r>
+                        </m:e>
+                        <m:sup>
+                          <m:r>
+                            <a:rPr lang="hr-HR" sz="1600" b="0" i="1" dirty="0" smtClean="0">
+                              <a:latin typeface="Cambria Math" panose="02040503050406030204" pitchFamily="18" charset="0"/>
+                            </a:rPr>
+                            <m:t>&lt;1&gt;</m:t>
+                          </m:r>
+                        </m:sup>
+                      </m:sSup>
+                    </m:oMath>
+                  </m:oMathPara>
+                </a14:m>
+                <a:endParaRPr lang="en-HR" sz="1600" dirty="0"/>
+              </a:p>
+              <a:p>
+                <a:pPr algn="ctr"/>
+                <a14:m>
+                  <m:oMathPara xmlns:m="http://schemas.openxmlformats.org/officeDocument/2006/math">
+                    <m:oMathParaPr>
+                      <m:jc m:val="centerGroup"/>
+                    </m:oMathParaPr>
+                    <m:oMath xmlns:m="http://schemas.openxmlformats.org/officeDocument/2006/math">
+                      <m:sSup>
+                        <m:sSupPr>
+                          <m:ctrlPr>
+                            <a:rPr lang="hr-HR" sz="1600" b="0" i="1" dirty="0" smtClean="0">
+                              <a:latin typeface="Cambria Math" panose="02040503050406030204" pitchFamily="18" charset="0"/>
+                            </a:rPr>
+                          </m:ctrlPr>
+                        </m:sSupPr>
+                        <m:e>
+                          <m:r>
+                            <a:rPr lang="hr-HR" sz="1600" b="0" i="1" dirty="0" smtClean="0">
+                              <a:latin typeface="Cambria Math" panose="02040503050406030204" pitchFamily="18" charset="0"/>
+                            </a:rPr>
+                            <m:t>𝑣</m:t>
+                          </m:r>
+                        </m:e>
+                        <m:sup>
+                          <m:r>
+                            <a:rPr lang="hr-HR" sz="1600" b="0" i="1" dirty="0" smtClean="0">
+                              <a:latin typeface="Cambria Math" panose="02040503050406030204" pitchFamily="18" charset="0"/>
+                            </a:rPr>
+                            <m:t>&lt;2&gt;</m:t>
+                          </m:r>
+                        </m:sup>
+                      </m:sSup>
+                    </m:oMath>
+                  </m:oMathPara>
+                </a14:m>
+                <a:endParaRPr lang="en-HR" sz="1600" dirty="0"/>
+              </a:p>
+              <a:p>
+                <a:pPr algn="ctr"/>
+                <a14:m>
+                  <m:oMathPara xmlns:m="http://schemas.openxmlformats.org/officeDocument/2006/math">
+                    <m:oMathParaPr>
+                      <m:jc m:val="centerGroup"/>
+                    </m:oMathParaPr>
+                    <m:oMath xmlns:m="http://schemas.openxmlformats.org/officeDocument/2006/math">
+                      <m:sSup>
+                        <m:sSupPr>
+                          <m:ctrlPr>
+                            <a:rPr lang="hr-HR" sz="1600" b="0" i="1" dirty="0" smtClean="0">
+                              <a:latin typeface="Cambria Math" panose="02040503050406030204" pitchFamily="18" charset="0"/>
+                            </a:rPr>
+                          </m:ctrlPr>
+                        </m:sSupPr>
+                        <m:e>
+                          <m:r>
+                            <a:rPr lang="hr-HR" sz="1600" b="0" i="1" dirty="0" smtClean="0">
+                              <a:latin typeface="Cambria Math" panose="02040503050406030204" pitchFamily="18" charset="0"/>
+                            </a:rPr>
+                            <m:t>𝑣</m:t>
+                          </m:r>
+                        </m:e>
+                        <m:sup>
+                          <m:r>
+                            <a:rPr lang="hr-HR" sz="1600" b="0" i="1" dirty="0" smtClean="0">
+                              <a:latin typeface="Cambria Math" panose="02040503050406030204" pitchFamily="18" charset="0"/>
+                            </a:rPr>
+                            <m:t>&lt;3&gt;</m:t>
+                          </m:r>
+                        </m:sup>
+                      </m:sSup>
+                    </m:oMath>
+                  </m:oMathPara>
+                </a14:m>
+                <a:endParaRPr lang="en-HR" sz="1600" dirty="0"/>
+              </a:p>
+              <a:p>
+                <a:pPr algn="ctr"/>
+                <a14:m>
+                  <m:oMathPara xmlns:m="http://schemas.openxmlformats.org/officeDocument/2006/math">
+                    <m:oMathParaPr>
+                      <m:jc m:val="centerGroup"/>
+                    </m:oMathParaPr>
+                    <m:oMath xmlns:m="http://schemas.openxmlformats.org/officeDocument/2006/math">
+                      <m:sSup>
+                        <m:sSupPr>
+                          <m:ctrlPr>
+                            <a:rPr lang="hr-HR" sz="1600" b="0" i="1" dirty="0" smtClean="0">
+                              <a:latin typeface="Cambria Math" panose="02040503050406030204" pitchFamily="18" charset="0"/>
+                            </a:rPr>
+                          </m:ctrlPr>
+                        </m:sSupPr>
+                        <m:e>
+                          <m:r>
+                            <a:rPr lang="hr-HR" sz="1600" b="0" i="1" dirty="0" smtClean="0">
+                              <a:latin typeface="Cambria Math" panose="02040503050406030204" pitchFamily="18" charset="0"/>
+                            </a:rPr>
+                            <m:t>𝑣</m:t>
+                          </m:r>
+                        </m:e>
+                        <m:sup>
+                          <m:r>
+                            <a:rPr lang="hr-HR" sz="1600" b="0" i="1" dirty="0" smtClean="0">
+                              <a:latin typeface="Cambria Math" panose="02040503050406030204" pitchFamily="18" charset="0"/>
+                            </a:rPr>
+                            <m:t>&lt;4&gt;</m:t>
+                          </m:r>
+                        </m:sup>
+                      </m:sSup>
+                    </m:oMath>
+                  </m:oMathPara>
+                </a14:m>
+                <a:endParaRPr lang="en-HR" sz="1600" dirty="0"/>
+              </a:p>
+              <a:p>
+                <a:pPr algn="ctr"/>
+                <a14:m>
+                  <m:oMathPara xmlns:m="http://schemas.openxmlformats.org/officeDocument/2006/math">
+                    <m:oMathParaPr>
+                      <m:jc m:val="centerGroup"/>
+                    </m:oMathParaPr>
+                    <m:oMath xmlns:m="http://schemas.openxmlformats.org/officeDocument/2006/math">
+                      <m:sSup>
+                        <m:sSupPr>
+                          <m:ctrlPr>
+                            <a:rPr lang="hr-HR" sz="1600" b="0" i="1" dirty="0" smtClean="0">
+                              <a:latin typeface="Cambria Math" panose="02040503050406030204" pitchFamily="18" charset="0"/>
+                            </a:rPr>
+                          </m:ctrlPr>
+                        </m:sSupPr>
+                        <m:e>
+                          <m:r>
+                            <a:rPr lang="hr-HR" sz="1600" b="0" i="1" dirty="0" smtClean="0">
+                              <a:latin typeface="Cambria Math" panose="02040503050406030204" pitchFamily="18" charset="0"/>
+                            </a:rPr>
+                            <m:t>𝑣</m:t>
+                          </m:r>
+                        </m:e>
+                        <m:sup>
+                          <m:r>
+                            <a:rPr lang="hr-HR" sz="1600" b="0" i="1" dirty="0" smtClean="0">
+                              <a:latin typeface="Cambria Math" panose="02040503050406030204" pitchFamily="18" charset="0"/>
+                            </a:rPr>
+                            <m:t>&lt;5&gt;</m:t>
+                          </m:r>
+                        </m:sup>
+                      </m:sSup>
+                    </m:oMath>
+                  </m:oMathPara>
+                </a14:m>
+                <a:endParaRPr lang="en-HR" sz="1600" dirty="0"/>
+              </a:p>
+            </p:txBody>
+          </p:sp>
+        </mc:Choice>
+        <mc:Fallback xmlns="">
+          <p:sp>
+            <p:nvSpPr>
+              <p:cNvPr id="139" name="TextBox 138">
+                <a:extLst>
+                  <a:ext uri="{FF2B5EF4-FFF2-40B4-BE49-F238E27FC236}">
+                    <a16:creationId xmlns:a16="http://schemas.microsoft.com/office/drawing/2014/main" id="{9D33112A-E8D8-A911-18DF-BF80180822A0}"/>
+                  </a:ext>
+                </a:extLst>
+              </p:cNvPr>
+              <p:cNvSpPr txBox="1">
+                <a:spLocks noRot="1" noChangeAspect="1" noMove="1" noResize="1" noEditPoints="1" noAdjustHandles="1" noChangeArrowheads="1" noChangeShapeType="1" noTextEdit="1"/>
+              </p:cNvSpPr>
+              <p:nvPr/>
+            </p:nvSpPr>
+            <p:spPr>
+              <a:xfrm>
+                <a:off x="8130468" y="2794733"/>
+                <a:ext cx="950837" cy="1634294"/>
+              </a:xfrm>
+              <a:prstGeom prst="rect">
+                <a:avLst/>
+              </a:prstGeom>
+              <a:blipFill>
+                <a:blip r:embed="rId32"/>
+                <a:stretch>
+                  <a:fillRect l="-3947" t="-769" r="-2632"/>
+                </a:stretch>
+              </a:blipFill>
+            </p:spPr>
+            <p:txBody>
+              <a:bodyPr/>
+              <a:lstStyle/>
+              <a:p>
+                <a:r>
+                  <a:rPr lang="en-HR">
+                    <a:noFill/>
+                  </a:rPr>
+                  <a:t> </a:t>
+                </a:r>
+              </a:p>
+            </p:txBody>
+          </p:sp>
+        </mc:Fallback>
+      </mc:AlternateContent>
+    </p:spTree>
+    <p:extLst>
+      <p:ext uri="{BB962C8B-B14F-4D97-AF65-F5344CB8AC3E}">
+        <p14:creationId xmlns:p14="http://schemas.microsoft.com/office/powerpoint/2010/main" val="2651102443"/>
+      </p:ext>
+    </p:extLst>
+  </p:cSld>
+  <p:clrMapOvr>
+    <a:masterClrMapping/>
+  </p:clrMapOvr>
+</p:sld>
+</file>
+
 <file path=ppt/theme/theme1.xml><?xml version="1.0" encoding="utf-8"?>
 <a:theme xmlns:a="http://schemas.openxmlformats.org/drawingml/2006/main" name="bzitko_template">
   <a:themeElements>
